--- a/Презентация дипломного проекта (Кашин С.И.).pptx
+++ b/Презентация дипломного проекта (Кашин С.И.).pptx
@@ -5,7 +5,7 @@
     <p:sldMasterId id="2147483659" r:id="rId1"/>
   </p:sldMasterIdLst>
   <p:notesMasterIdLst>
-    <p:notesMasterId r:id="rId24"/>
+    <p:notesMasterId r:id="rId25"/>
   </p:notesMasterIdLst>
   <p:sldIdLst>
     <p:sldId id="256" r:id="rId2"/>
@@ -27,26 +27,27 @@
     <p:sldId id="272" r:id="rId18"/>
     <p:sldId id="273" r:id="rId19"/>
     <p:sldId id="274" r:id="rId20"/>
-    <p:sldId id="275" r:id="rId21"/>
-    <p:sldId id="276" r:id="rId22"/>
-    <p:sldId id="277" r:id="rId23"/>
+    <p:sldId id="279" r:id="rId21"/>
+    <p:sldId id="275" r:id="rId22"/>
+    <p:sldId id="276" r:id="rId23"/>
+    <p:sldId id="277" r:id="rId24"/>
   </p:sldIdLst>
   <p:sldSz cx="9144000" cy="5143500" type="screen16x9"/>
   <p:notesSz cx="6858000" cy="9144000"/>
   <p:embeddedFontLst>
     <p:embeddedFont>
       <p:font typeface="Lato" panose="020F0502020204030203" pitchFamily="34" charset="0"/>
-      <p:regular r:id="rId25"/>
-      <p:bold r:id="rId26"/>
-      <p:italic r:id="rId27"/>
-      <p:boldItalic r:id="rId28"/>
+      <p:regular r:id="rId26"/>
+      <p:bold r:id="rId27"/>
+      <p:italic r:id="rId28"/>
+      <p:boldItalic r:id="rId29"/>
     </p:embeddedFont>
     <p:embeddedFont>
       <p:font typeface="Montserrat" panose="00000500000000000000" pitchFamily="2" charset="-52"/>
-      <p:regular r:id="rId29"/>
-      <p:bold r:id="rId30"/>
-      <p:italic r:id="rId31"/>
-      <p:boldItalic r:id="rId32"/>
+      <p:regular r:id="rId30"/>
+      <p:bold r:id="rId31"/>
+      <p:italic r:id="rId32"/>
+      <p:boldItalic r:id="rId33"/>
     </p:embeddedFont>
   </p:embeddedFontLst>
   <p:defaultTextStyle>
@@ -871,7 +872,7 @@
         </p:nvSpPr>
         <p:spPr>
           <a:xfrm>
-            <a:off x="381300" y="685800"/>
+            <a:off x="381000" y="685800"/>
             <a:ext cx="6096000" cy="3429000"/>
           </a:xfrm>
           <a:custGeom>
@@ -975,7 +976,7 @@
         </p:nvSpPr>
         <p:spPr>
           <a:xfrm>
-            <a:off x="381300" y="685800"/>
+            <a:off x="381000" y="685800"/>
             <a:ext cx="6096000" cy="3429000"/>
           </a:xfrm>
           <a:custGeom>
@@ -1079,7 +1080,7 @@
         </p:nvSpPr>
         <p:spPr>
           <a:xfrm>
-            <a:off x="381300" y="685800"/>
+            <a:off x="381000" y="685800"/>
             <a:ext cx="6096000" cy="3429000"/>
           </a:xfrm>
           <a:custGeom>
@@ -1287,7 +1288,7 @@
         </p:nvSpPr>
         <p:spPr>
           <a:xfrm>
-            <a:off x="381300" y="685800"/>
+            <a:off x="381000" y="685800"/>
             <a:ext cx="6096000" cy="3429000"/>
           </a:xfrm>
           <a:custGeom>
@@ -1391,7 +1392,7 @@
         </p:nvSpPr>
         <p:spPr>
           <a:xfrm>
-            <a:off x="381300" y="685800"/>
+            <a:off x="381000" y="685800"/>
             <a:ext cx="6096000" cy="3429000"/>
           </a:xfrm>
           <a:custGeom>
@@ -1495,7 +1496,7 @@
         </p:nvSpPr>
         <p:spPr>
           <a:xfrm>
-            <a:off x="381300" y="685800"/>
+            <a:off x="381000" y="685800"/>
             <a:ext cx="6096000" cy="3429000"/>
           </a:xfrm>
           <a:custGeom>
@@ -1599,7 +1600,7 @@
         </p:nvSpPr>
         <p:spPr>
           <a:xfrm>
-            <a:off x="381300" y="685800"/>
+            <a:off x="381000" y="685800"/>
             <a:ext cx="6096000" cy="3429000"/>
           </a:xfrm>
           <a:custGeom>
@@ -1703,7 +1704,7 @@
         </p:nvSpPr>
         <p:spPr>
           <a:xfrm>
-            <a:off x="381300" y="685800"/>
+            <a:off x="381000" y="685800"/>
             <a:ext cx="6096000" cy="3429000"/>
           </a:xfrm>
           <a:custGeom>
@@ -1807,7 +1808,7 @@
         </p:nvSpPr>
         <p:spPr>
           <a:xfrm>
-            <a:off x="381300" y="685800"/>
+            <a:off x="381000" y="685800"/>
             <a:ext cx="6096000" cy="3429000"/>
           </a:xfrm>
           <a:custGeom>
@@ -1911,7 +1912,7 @@
         </p:nvSpPr>
         <p:spPr>
           <a:xfrm>
-            <a:off x="381300" y="685800"/>
+            <a:off x="381000" y="685800"/>
             <a:ext cx="6096000" cy="3429000"/>
           </a:xfrm>
           <a:custGeom>
@@ -2015,7 +2016,7 @@
         </p:nvSpPr>
         <p:spPr>
           <a:xfrm>
-            <a:off x="381300" y="685800"/>
+            <a:off x="381000" y="685800"/>
             <a:ext cx="6096000" cy="3429000"/>
           </a:xfrm>
           <a:custGeom>
@@ -2119,7 +2120,7 @@
         </p:nvSpPr>
         <p:spPr>
           <a:xfrm>
-            <a:off x="381300" y="685800"/>
+            <a:off x="381000" y="685800"/>
             <a:ext cx="6096000" cy="3429000"/>
           </a:xfrm>
           <a:custGeom>
@@ -2327,7 +2328,7 @@
         </p:nvSpPr>
         <p:spPr>
           <a:xfrm>
-            <a:off x="381300" y="685800"/>
+            <a:off x="381000" y="685800"/>
             <a:ext cx="6096000" cy="3429000"/>
           </a:xfrm>
           <a:custGeom>
@@ -2431,7 +2432,7 @@
         </p:nvSpPr>
         <p:spPr>
           <a:xfrm>
-            <a:off x="381300" y="685800"/>
+            <a:off x="381000" y="685800"/>
             <a:ext cx="6096000" cy="3429000"/>
           </a:xfrm>
           <a:custGeom>
@@ -2535,7 +2536,7 @@
         </p:nvSpPr>
         <p:spPr>
           <a:xfrm>
-            <a:off x="381300" y="685800"/>
+            <a:off x="381000" y="685800"/>
             <a:ext cx="6096000" cy="3429000"/>
           </a:xfrm>
           <a:custGeom>
@@ -2639,7 +2640,7 @@
         </p:nvSpPr>
         <p:spPr>
           <a:xfrm>
-            <a:off x="381300" y="685800"/>
+            <a:off x="381000" y="685800"/>
             <a:ext cx="6096000" cy="3429000"/>
           </a:xfrm>
           <a:custGeom>
@@ -2743,7 +2744,7 @@
         </p:nvSpPr>
         <p:spPr>
           <a:xfrm>
-            <a:off x="381300" y="685800"/>
+            <a:off x="381000" y="685800"/>
             <a:ext cx="6096000" cy="3429000"/>
           </a:xfrm>
           <a:custGeom>
@@ -2847,7 +2848,7 @@
         </p:nvSpPr>
         <p:spPr>
           <a:xfrm>
-            <a:off x="381300" y="685800"/>
+            <a:off x="381000" y="685800"/>
             <a:ext cx="6096000" cy="3429000"/>
           </a:xfrm>
           <a:custGeom>
@@ -2951,7 +2952,7 @@
         </p:nvSpPr>
         <p:spPr>
           <a:xfrm>
-            <a:off x="381300" y="685800"/>
+            <a:off x="381000" y="685800"/>
             <a:ext cx="6096000" cy="3429000"/>
           </a:xfrm>
           <a:custGeom>
@@ -11154,7 +11155,7 @@
               <a:buNone/>
             </a:pPr>
             <a:r>
-              <a:rPr lang="ru" sz="1466">
+              <a:rPr lang="ru" sz="1466" dirty="0">
                 <a:latin typeface="Arial"/>
                 <a:ea typeface="Arial"/>
                 <a:cs typeface="Arial"/>
@@ -11163,7 +11164,7 @@
               <a:t>НАЦИОНАЛЬНЫЙ ИССЛЕДОВАТЕЛЬСКИЙ УНИВЕРСИТЕТ</a:t>
             </a:r>
             <a:br>
-              <a:rPr lang="ru" sz="1466">
+              <a:rPr lang="ru" sz="1466" dirty="0">
                 <a:latin typeface="Arial"/>
                 <a:ea typeface="Arial"/>
                 <a:cs typeface="Arial"/>
@@ -11171,7 +11172,7 @@
               </a:rPr>
             </a:br>
             <a:r>
-              <a:rPr lang="ru" sz="1466">
+              <a:rPr lang="ru" sz="1466" dirty="0">
                 <a:latin typeface="Arial"/>
                 <a:ea typeface="Arial"/>
                 <a:cs typeface="Arial"/>
@@ -11179,7 +11180,7 @@
               </a:rPr>
               <a:t> ИТМО</a:t>
             </a:r>
-            <a:endParaRPr sz="800">
+            <a:endParaRPr sz="800" dirty="0">
               <a:latin typeface="Arial"/>
               <a:ea typeface="Arial"/>
               <a:cs typeface="Arial"/>
@@ -11200,7 +11201,7 @@
               <a:buNone/>
             </a:pPr>
             <a:r>
-              <a:rPr lang="ru" sz="1466">
+              <a:rPr lang="ru" sz="1466" dirty="0">
                 <a:latin typeface="Arial"/>
                 <a:ea typeface="Arial"/>
                 <a:cs typeface="Arial"/>
@@ -11208,7 +11209,7 @@
               </a:rPr>
               <a:t>  </a:t>
             </a:r>
-            <a:endParaRPr sz="1466">
+            <a:endParaRPr sz="1466" dirty="0">
               <a:latin typeface="Arial"/>
               <a:ea typeface="Arial"/>
               <a:cs typeface="Arial"/>
@@ -11229,7 +11230,7 @@
               <a:buNone/>
             </a:pPr>
             <a:r>
-              <a:rPr lang="ru" sz="1466">
+              <a:rPr lang="ru" sz="1466" dirty="0">
                 <a:latin typeface="Arial"/>
                 <a:ea typeface="Arial"/>
                 <a:cs typeface="Arial"/>
@@ -11237,7 +11238,7 @@
               </a:rPr>
               <a:t>ЦЕНТР АВТОРИЗОВАННОГО ОБУЧЕНИЯ ИНФОРМАЦИОННЫМ ТЕХНОЛОГИЯМ </a:t>
             </a:r>
-            <a:endParaRPr sz="1466">
+            <a:endParaRPr sz="1466" dirty="0">
               <a:latin typeface="Arial"/>
               <a:ea typeface="Arial"/>
               <a:cs typeface="Arial"/>
@@ -11254,7 +11255,7 @@
               </a:spcAft>
               <a:buNone/>
             </a:pPr>
-            <a:endParaRPr/>
+            <a:endParaRPr dirty="0"/>
           </a:p>
         </p:txBody>
       </p:sp>
@@ -11637,6 +11638,293 @@
           </a:p>
         </p:txBody>
       </p:sp>
+      <p:sp>
+        <p:nvSpPr>
+          <p:cNvPr id="2" name="Google Shape;141;p14">
+            <a:extLst>
+              <a:ext uri="{FF2B5EF4-FFF2-40B4-BE49-F238E27FC236}">
+                <a16:creationId xmlns:a16="http://schemas.microsoft.com/office/drawing/2014/main" id="{CB350AAA-89EA-A3C1-1177-76428A6C634B}"/>
+              </a:ext>
+            </a:extLst>
+          </p:cNvPr>
+          <p:cNvSpPr txBox="1">
+            <a:spLocks/>
+          </p:cNvSpPr>
+          <p:nvPr/>
+        </p:nvSpPr>
+        <p:spPr>
+          <a:xfrm>
+            <a:off x="8522678" y="0"/>
+            <a:ext cx="515816" cy="510681"/>
+          </a:xfrm>
+          <a:prstGeom prst="rect">
+            <a:avLst/>
+          </a:prstGeom>
+          <a:noFill/>
+          <a:ln>
+            <a:noFill/>
+          </a:ln>
+        </p:spPr>
+        <p:txBody>
+          <a:bodyPr spcFirstLastPara="1" wrap="square" lIns="91425" tIns="91425" rIns="91425" bIns="91425" anchor="t" anchorCtr="0">
+            <a:normAutofit fontScale="92500" lnSpcReduction="10000"/>
+          </a:bodyPr>
+          <a:lstStyle>
+            <a:defPPr marR="0" lvl="0" algn="l" rtl="0">
+              <a:lnSpc>
+                <a:spcPct val="100000"/>
+              </a:lnSpc>
+              <a:spcBef>
+                <a:spcPts val="0"/>
+              </a:spcBef>
+              <a:spcAft>
+                <a:spcPts val="0"/>
+              </a:spcAft>
+            </a:defPPr>
+            <a:lvl1pPr marR="0" lvl="0" algn="l" rtl="0">
+              <a:lnSpc>
+                <a:spcPct val="100000"/>
+              </a:lnSpc>
+              <a:spcBef>
+                <a:spcPts val="0"/>
+              </a:spcBef>
+              <a:spcAft>
+                <a:spcPts val="0"/>
+              </a:spcAft>
+              <a:buClr>
+                <a:schemeClr val="lt1"/>
+              </a:buClr>
+              <a:buSzPts val="2400"/>
+              <a:buFont typeface="Montserrat"/>
+              <a:buNone/>
+              <a:defRPr sz="2400" b="0" i="0" u="none" strike="noStrike" cap="none">
+                <a:solidFill>
+                  <a:schemeClr val="lt1"/>
+                </a:solidFill>
+                <a:latin typeface="Montserrat"/>
+                <a:ea typeface="Montserrat"/>
+                <a:cs typeface="Montserrat"/>
+                <a:sym typeface="Montserrat"/>
+              </a:defRPr>
+            </a:lvl1pPr>
+            <a:lvl2pPr marR="0" lvl="1" algn="l" rtl="0">
+              <a:lnSpc>
+                <a:spcPct val="100000"/>
+              </a:lnSpc>
+              <a:spcBef>
+                <a:spcPts val="0"/>
+              </a:spcBef>
+              <a:spcAft>
+                <a:spcPts val="0"/>
+              </a:spcAft>
+              <a:buClr>
+                <a:schemeClr val="lt1"/>
+              </a:buClr>
+              <a:buSzPts val="2400"/>
+              <a:buFont typeface="Montserrat"/>
+              <a:buNone/>
+              <a:defRPr sz="2400" b="0" i="0" u="none" strike="noStrike" cap="none">
+                <a:solidFill>
+                  <a:schemeClr val="lt1"/>
+                </a:solidFill>
+                <a:latin typeface="Montserrat"/>
+                <a:ea typeface="Montserrat"/>
+                <a:cs typeface="Montserrat"/>
+                <a:sym typeface="Montserrat"/>
+              </a:defRPr>
+            </a:lvl2pPr>
+            <a:lvl3pPr marR="0" lvl="2" algn="l" rtl="0">
+              <a:lnSpc>
+                <a:spcPct val="100000"/>
+              </a:lnSpc>
+              <a:spcBef>
+                <a:spcPts val="0"/>
+              </a:spcBef>
+              <a:spcAft>
+                <a:spcPts val="0"/>
+              </a:spcAft>
+              <a:buClr>
+                <a:schemeClr val="lt1"/>
+              </a:buClr>
+              <a:buSzPts val="2400"/>
+              <a:buFont typeface="Montserrat"/>
+              <a:buNone/>
+              <a:defRPr sz="2400" b="0" i="0" u="none" strike="noStrike" cap="none">
+                <a:solidFill>
+                  <a:schemeClr val="lt1"/>
+                </a:solidFill>
+                <a:latin typeface="Montserrat"/>
+                <a:ea typeface="Montserrat"/>
+                <a:cs typeface="Montserrat"/>
+                <a:sym typeface="Montserrat"/>
+              </a:defRPr>
+            </a:lvl3pPr>
+            <a:lvl4pPr marR="0" lvl="3" algn="l" rtl="0">
+              <a:lnSpc>
+                <a:spcPct val="100000"/>
+              </a:lnSpc>
+              <a:spcBef>
+                <a:spcPts val="0"/>
+              </a:spcBef>
+              <a:spcAft>
+                <a:spcPts val="0"/>
+              </a:spcAft>
+              <a:buClr>
+                <a:schemeClr val="lt1"/>
+              </a:buClr>
+              <a:buSzPts val="2400"/>
+              <a:buFont typeface="Montserrat"/>
+              <a:buNone/>
+              <a:defRPr sz="2400" b="0" i="0" u="none" strike="noStrike" cap="none">
+                <a:solidFill>
+                  <a:schemeClr val="lt1"/>
+                </a:solidFill>
+                <a:latin typeface="Montserrat"/>
+                <a:ea typeface="Montserrat"/>
+                <a:cs typeface="Montserrat"/>
+                <a:sym typeface="Montserrat"/>
+              </a:defRPr>
+            </a:lvl4pPr>
+            <a:lvl5pPr marR="0" lvl="4" algn="l" rtl="0">
+              <a:lnSpc>
+                <a:spcPct val="100000"/>
+              </a:lnSpc>
+              <a:spcBef>
+                <a:spcPts val="0"/>
+              </a:spcBef>
+              <a:spcAft>
+                <a:spcPts val="0"/>
+              </a:spcAft>
+              <a:buClr>
+                <a:schemeClr val="lt1"/>
+              </a:buClr>
+              <a:buSzPts val="2400"/>
+              <a:buFont typeface="Montserrat"/>
+              <a:buNone/>
+              <a:defRPr sz="2400" b="0" i="0" u="none" strike="noStrike" cap="none">
+                <a:solidFill>
+                  <a:schemeClr val="lt1"/>
+                </a:solidFill>
+                <a:latin typeface="Montserrat"/>
+                <a:ea typeface="Montserrat"/>
+                <a:cs typeface="Montserrat"/>
+                <a:sym typeface="Montserrat"/>
+              </a:defRPr>
+            </a:lvl5pPr>
+            <a:lvl6pPr marR="0" lvl="5" algn="l" rtl="0">
+              <a:lnSpc>
+                <a:spcPct val="100000"/>
+              </a:lnSpc>
+              <a:spcBef>
+                <a:spcPts val="0"/>
+              </a:spcBef>
+              <a:spcAft>
+                <a:spcPts val="0"/>
+              </a:spcAft>
+              <a:buClr>
+                <a:schemeClr val="lt1"/>
+              </a:buClr>
+              <a:buSzPts val="2400"/>
+              <a:buFont typeface="Montserrat"/>
+              <a:buNone/>
+              <a:defRPr sz="2400" b="0" i="0" u="none" strike="noStrike" cap="none">
+                <a:solidFill>
+                  <a:schemeClr val="lt1"/>
+                </a:solidFill>
+                <a:latin typeface="Montserrat"/>
+                <a:ea typeface="Montserrat"/>
+                <a:cs typeface="Montserrat"/>
+                <a:sym typeface="Montserrat"/>
+              </a:defRPr>
+            </a:lvl6pPr>
+            <a:lvl7pPr marR="0" lvl="6" algn="l" rtl="0">
+              <a:lnSpc>
+                <a:spcPct val="100000"/>
+              </a:lnSpc>
+              <a:spcBef>
+                <a:spcPts val="0"/>
+              </a:spcBef>
+              <a:spcAft>
+                <a:spcPts val="0"/>
+              </a:spcAft>
+              <a:buClr>
+                <a:schemeClr val="lt1"/>
+              </a:buClr>
+              <a:buSzPts val="2400"/>
+              <a:buFont typeface="Montserrat"/>
+              <a:buNone/>
+              <a:defRPr sz="2400" b="0" i="0" u="none" strike="noStrike" cap="none">
+                <a:solidFill>
+                  <a:schemeClr val="lt1"/>
+                </a:solidFill>
+                <a:latin typeface="Montserrat"/>
+                <a:ea typeface="Montserrat"/>
+                <a:cs typeface="Montserrat"/>
+                <a:sym typeface="Montserrat"/>
+              </a:defRPr>
+            </a:lvl7pPr>
+            <a:lvl8pPr marR="0" lvl="7" algn="l" rtl="0">
+              <a:lnSpc>
+                <a:spcPct val="100000"/>
+              </a:lnSpc>
+              <a:spcBef>
+                <a:spcPts val="0"/>
+              </a:spcBef>
+              <a:spcAft>
+                <a:spcPts val="0"/>
+              </a:spcAft>
+              <a:buClr>
+                <a:schemeClr val="lt1"/>
+              </a:buClr>
+              <a:buSzPts val="2400"/>
+              <a:buFont typeface="Montserrat"/>
+              <a:buNone/>
+              <a:defRPr sz="2400" b="0" i="0" u="none" strike="noStrike" cap="none">
+                <a:solidFill>
+                  <a:schemeClr val="lt1"/>
+                </a:solidFill>
+                <a:latin typeface="Montserrat"/>
+                <a:ea typeface="Montserrat"/>
+                <a:cs typeface="Montserrat"/>
+                <a:sym typeface="Montserrat"/>
+              </a:defRPr>
+            </a:lvl8pPr>
+            <a:lvl9pPr marR="0" lvl="8" algn="l" rtl="0">
+              <a:lnSpc>
+                <a:spcPct val="100000"/>
+              </a:lnSpc>
+              <a:spcBef>
+                <a:spcPts val="0"/>
+              </a:spcBef>
+              <a:spcAft>
+                <a:spcPts val="0"/>
+              </a:spcAft>
+              <a:buClr>
+                <a:schemeClr val="lt1"/>
+              </a:buClr>
+              <a:buSzPts val="2400"/>
+              <a:buFont typeface="Montserrat"/>
+              <a:buNone/>
+              <a:defRPr sz="2400" b="0" i="0" u="none" strike="noStrike" cap="none">
+                <a:solidFill>
+                  <a:schemeClr val="lt1"/>
+                </a:solidFill>
+                <a:latin typeface="Montserrat"/>
+                <a:ea typeface="Montserrat"/>
+                <a:cs typeface="Montserrat"/>
+                <a:sym typeface="Montserrat"/>
+              </a:defRPr>
+            </a:lvl9pPr>
+          </a:lstStyle>
+          <a:p>
+            <a:r>
+              <a:rPr lang="en-US" dirty="0"/>
+              <a:t>10</a:t>
+            </a:r>
+            <a:endParaRPr lang="ru-RU" dirty="0"/>
+          </a:p>
+        </p:txBody>
+      </p:sp>
     </p:spTree>
   </p:cSld>
   <p:clrMapOvr>
@@ -11872,6 +12160,293 @@
           </a:ln>
         </p:spPr>
       </p:pic>
+      <p:sp>
+        <p:nvSpPr>
+          <p:cNvPr id="2" name="Google Shape;141;p14">
+            <a:extLst>
+              <a:ext uri="{FF2B5EF4-FFF2-40B4-BE49-F238E27FC236}">
+                <a16:creationId xmlns:a16="http://schemas.microsoft.com/office/drawing/2014/main" id="{E04F1100-4C48-E007-8BF9-5F4560E4A553}"/>
+              </a:ext>
+            </a:extLst>
+          </p:cNvPr>
+          <p:cNvSpPr txBox="1">
+            <a:spLocks/>
+          </p:cNvSpPr>
+          <p:nvPr/>
+        </p:nvSpPr>
+        <p:spPr>
+          <a:xfrm>
+            <a:off x="8522678" y="0"/>
+            <a:ext cx="515816" cy="510681"/>
+          </a:xfrm>
+          <a:prstGeom prst="rect">
+            <a:avLst/>
+          </a:prstGeom>
+          <a:noFill/>
+          <a:ln>
+            <a:noFill/>
+          </a:ln>
+        </p:spPr>
+        <p:txBody>
+          <a:bodyPr spcFirstLastPara="1" wrap="square" lIns="91425" tIns="91425" rIns="91425" bIns="91425" anchor="t" anchorCtr="0">
+            <a:normAutofit fontScale="92500" lnSpcReduction="10000"/>
+          </a:bodyPr>
+          <a:lstStyle>
+            <a:defPPr marR="0" lvl="0" algn="l" rtl="0">
+              <a:lnSpc>
+                <a:spcPct val="100000"/>
+              </a:lnSpc>
+              <a:spcBef>
+                <a:spcPts val="0"/>
+              </a:spcBef>
+              <a:spcAft>
+                <a:spcPts val="0"/>
+              </a:spcAft>
+            </a:defPPr>
+            <a:lvl1pPr marR="0" lvl="0" algn="l" rtl="0">
+              <a:lnSpc>
+                <a:spcPct val="100000"/>
+              </a:lnSpc>
+              <a:spcBef>
+                <a:spcPts val="0"/>
+              </a:spcBef>
+              <a:spcAft>
+                <a:spcPts val="0"/>
+              </a:spcAft>
+              <a:buClr>
+                <a:schemeClr val="lt1"/>
+              </a:buClr>
+              <a:buSzPts val="2400"/>
+              <a:buFont typeface="Montserrat"/>
+              <a:buNone/>
+              <a:defRPr sz="2400" b="0" i="0" u="none" strike="noStrike" cap="none">
+                <a:solidFill>
+                  <a:schemeClr val="lt1"/>
+                </a:solidFill>
+                <a:latin typeface="Montserrat"/>
+                <a:ea typeface="Montserrat"/>
+                <a:cs typeface="Montserrat"/>
+                <a:sym typeface="Montserrat"/>
+              </a:defRPr>
+            </a:lvl1pPr>
+            <a:lvl2pPr marR="0" lvl="1" algn="l" rtl="0">
+              <a:lnSpc>
+                <a:spcPct val="100000"/>
+              </a:lnSpc>
+              <a:spcBef>
+                <a:spcPts val="0"/>
+              </a:spcBef>
+              <a:spcAft>
+                <a:spcPts val="0"/>
+              </a:spcAft>
+              <a:buClr>
+                <a:schemeClr val="lt1"/>
+              </a:buClr>
+              <a:buSzPts val="2400"/>
+              <a:buFont typeface="Montserrat"/>
+              <a:buNone/>
+              <a:defRPr sz="2400" b="0" i="0" u="none" strike="noStrike" cap="none">
+                <a:solidFill>
+                  <a:schemeClr val="lt1"/>
+                </a:solidFill>
+                <a:latin typeface="Montserrat"/>
+                <a:ea typeface="Montserrat"/>
+                <a:cs typeface="Montserrat"/>
+                <a:sym typeface="Montserrat"/>
+              </a:defRPr>
+            </a:lvl2pPr>
+            <a:lvl3pPr marR="0" lvl="2" algn="l" rtl="0">
+              <a:lnSpc>
+                <a:spcPct val="100000"/>
+              </a:lnSpc>
+              <a:spcBef>
+                <a:spcPts val="0"/>
+              </a:spcBef>
+              <a:spcAft>
+                <a:spcPts val="0"/>
+              </a:spcAft>
+              <a:buClr>
+                <a:schemeClr val="lt1"/>
+              </a:buClr>
+              <a:buSzPts val="2400"/>
+              <a:buFont typeface="Montserrat"/>
+              <a:buNone/>
+              <a:defRPr sz="2400" b="0" i="0" u="none" strike="noStrike" cap="none">
+                <a:solidFill>
+                  <a:schemeClr val="lt1"/>
+                </a:solidFill>
+                <a:latin typeface="Montserrat"/>
+                <a:ea typeface="Montserrat"/>
+                <a:cs typeface="Montserrat"/>
+                <a:sym typeface="Montserrat"/>
+              </a:defRPr>
+            </a:lvl3pPr>
+            <a:lvl4pPr marR="0" lvl="3" algn="l" rtl="0">
+              <a:lnSpc>
+                <a:spcPct val="100000"/>
+              </a:lnSpc>
+              <a:spcBef>
+                <a:spcPts val="0"/>
+              </a:spcBef>
+              <a:spcAft>
+                <a:spcPts val="0"/>
+              </a:spcAft>
+              <a:buClr>
+                <a:schemeClr val="lt1"/>
+              </a:buClr>
+              <a:buSzPts val="2400"/>
+              <a:buFont typeface="Montserrat"/>
+              <a:buNone/>
+              <a:defRPr sz="2400" b="0" i="0" u="none" strike="noStrike" cap="none">
+                <a:solidFill>
+                  <a:schemeClr val="lt1"/>
+                </a:solidFill>
+                <a:latin typeface="Montserrat"/>
+                <a:ea typeface="Montserrat"/>
+                <a:cs typeface="Montserrat"/>
+                <a:sym typeface="Montserrat"/>
+              </a:defRPr>
+            </a:lvl4pPr>
+            <a:lvl5pPr marR="0" lvl="4" algn="l" rtl="0">
+              <a:lnSpc>
+                <a:spcPct val="100000"/>
+              </a:lnSpc>
+              <a:spcBef>
+                <a:spcPts val="0"/>
+              </a:spcBef>
+              <a:spcAft>
+                <a:spcPts val="0"/>
+              </a:spcAft>
+              <a:buClr>
+                <a:schemeClr val="lt1"/>
+              </a:buClr>
+              <a:buSzPts val="2400"/>
+              <a:buFont typeface="Montserrat"/>
+              <a:buNone/>
+              <a:defRPr sz="2400" b="0" i="0" u="none" strike="noStrike" cap="none">
+                <a:solidFill>
+                  <a:schemeClr val="lt1"/>
+                </a:solidFill>
+                <a:latin typeface="Montserrat"/>
+                <a:ea typeface="Montserrat"/>
+                <a:cs typeface="Montserrat"/>
+                <a:sym typeface="Montserrat"/>
+              </a:defRPr>
+            </a:lvl5pPr>
+            <a:lvl6pPr marR="0" lvl="5" algn="l" rtl="0">
+              <a:lnSpc>
+                <a:spcPct val="100000"/>
+              </a:lnSpc>
+              <a:spcBef>
+                <a:spcPts val="0"/>
+              </a:spcBef>
+              <a:spcAft>
+                <a:spcPts val="0"/>
+              </a:spcAft>
+              <a:buClr>
+                <a:schemeClr val="lt1"/>
+              </a:buClr>
+              <a:buSzPts val="2400"/>
+              <a:buFont typeface="Montserrat"/>
+              <a:buNone/>
+              <a:defRPr sz="2400" b="0" i="0" u="none" strike="noStrike" cap="none">
+                <a:solidFill>
+                  <a:schemeClr val="lt1"/>
+                </a:solidFill>
+                <a:latin typeface="Montserrat"/>
+                <a:ea typeface="Montserrat"/>
+                <a:cs typeface="Montserrat"/>
+                <a:sym typeface="Montserrat"/>
+              </a:defRPr>
+            </a:lvl6pPr>
+            <a:lvl7pPr marR="0" lvl="6" algn="l" rtl="0">
+              <a:lnSpc>
+                <a:spcPct val="100000"/>
+              </a:lnSpc>
+              <a:spcBef>
+                <a:spcPts val="0"/>
+              </a:spcBef>
+              <a:spcAft>
+                <a:spcPts val="0"/>
+              </a:spcAft>
+              <a:buClr>
+                <a:schemeClr val="lt1"/>
+              </a:buClr>
+              <a:buSzPts val="2400"/>
+              <a:buFont typeface="Montserrat"/>
+              <a:buNone/>
+              <a:defRPr sz="2400" b="0" i="0" u="none" strike="noStrike" cap="none">
+                <a:solidFill>
+                  <a:schemeClr val="lt1"/>
+                </a:solidFill>
+                <a:latin typeface="Montserrat"/>
+                <a:ea typeface="Montserrat"/>
+                <a:cs typeface="Montserrat"/>
+                <a:sym typeface="Montserrat"/>
+              </a:defRPr>
+            </a:lvl7pPr>
+            <a:lvl8pPr marR="0" lvl="7" algn="l" rtl="0">
+              <a:lnSpc>
+                <a:spcPct val="100000"/>
+              </a:lnSpc>
+              <a:spcBef>
+                <a:spcPts val="0"/>
+              </a:spcBef>
+              <a:spcAft>
+                <a:spcPts val="0"/>
+              </a:spcAft>
+              <a:buClr>
+                <a:schemeClr val="lt1"/>
+              </a:buClr>
+              <a:buSzPts val="2400"/>
+              <a:buFont typeface="Montserrat"/>
+              <a:buNone/>
+              <a:defRPr sz="2400" b="0" i="0" u="none" strike="noStrike" cap="none">
+                <a:solidFill>
+                  <a:schemeClr val="lt1"/>
+                </a:solidFill>
+                <a:latin typeface="Montserrat"/>
+                <a:ea typeface="Montserrat"/>
+                <a:cs typeface="Montserrat"/>
+                <a:sym typeface="Montserrat"/>
+              </a:defRPr>
+            </a:lvl8pPr>
+            <a:lvl9pPr marR="0" lvl="8" algn="l" rtl="0">
+              <a:lnSpc>
+                <a:spcPct val="100000"/>
+              </a:lnSpc>
+              <a:spcBef>
+                <a:spcPts val="0"/>
+              </a:spcBef>
+              <a:spcAft>
+                <a:spcPts val="0"/>
+              </a:spcAft>
+              <a:buClr>
+                <a:schemeClr val="lt1"/>
+              </a:buClr>
+              <a:buSzPts val="2400"/>
+              <a:buFont typeface="Montserrat"/>
+              <a:buNone/>
+              <a:defRPr sz="2400" b="0" i="0" u="none" strike="noStrike" cap="none">
+                <a:solidFill>
+                  <a:schemeClr val="lt1"/>
+                </a:solidFill>
+                <a:latin typeface="Montserrat"/>
+                <a:ea typeface="Montserrat"/>
+                <a:cs typeface="Montserrat"/>
+                <a:sym typeface="Montserrat"/>
+              </a:defRPr>
+            </a:lvl9pPr>
+          </a:lstStyle>
+          <a:p>
+            <a:r>
+              <a:rPr lang="en-US" dirty="0"/>
+              <a:t>11</a:t>
+            </a:r>
+            <a:endParaRPr lang="ru-RU" dirty="0"/>
+          </a:p>
+        </p:txBody>
+      </p:sp>
     </p:spTree>
   </p:cSld>
   <p:clrMapOvr>
@@ -12148,6 +12723,293 @@
               <a:t>Возможности руководителя:</a:t>
             </a:r>
             <a:endParaRPr sz="2220"/>
+          </a:p>
+        </p:txBody>
+      </p:sp>
+      <p:sp>
+        <p:nvSpPr>
+          <p:cNvPr id="2" name="Google Shape;141;p14">
+            <a:extLst>
+              <a:ext uri="{FF2B5EF4-FFF2-40B4-BE49-F238E27FC236}">
+                <a16:creationId xmlns:a16="http://schemas.microsoft.com/office/drawing/2014/main" id="{68ED8E1C-5CD1-B2EB-48CA-771BCE081095}"/>
+              </a:ext>
+            </a:extLst>
+          </p:cNvPr>
+          <p:cNvSpPr txBox="1">
+            <a:spLocks/>
+          </p:cNvSpPr>
+          <p:nvPr/>
+        </p:nvSpPr>
+        <p:spPr>
+          <a:xfrm>
+            <a:off x="8522678" y="0"/>
+            <a:ext cx="515816" cy="510681"/>
+          </a:xfrm>
+          <a:prstGeom prst="rect">
+            <a:avLst/>
+          </a:prstGeom>
+          <a:noFill/>
+          <a:ln>
+            <a:noFill/>
+          </a:ln>
+        </p:spPr>
+        <p:txBody>
+          <a:bodyPr spcFirstLastPara="1" wrap="square" lIns="91425" tIns="91425" rIns="91425" bIns="91425" anchor="t" anchorCtr="0">
+            <a:normAutofit fontScale="92500" lnSpcReduction="10000"/>
+          </a:bodyPr>
+          <a:lstStyle>
+            <a:defPPr marR="0" lvl="0" algn="l" rtl="0">
+              <a:lnSpc>
+                <a:spcPct val="100000"/>
+              </a:lnSpc>
+              <a:spcBef>
+                <a:spcPts val="0"/>
+              </a:spcBef>
+              <a:spcAft>
+                <a:spcPts val="0"/>
+              </a:spcAft>
+            </a:defPPr>
+            <a:lvl1pPr marR="0" lvl="0" algn="l" rtl="0">
+              <a:lnSpc>
+                <a:spcPct val="100000"/>
+              </a:lnSpc>
+              <a:spcBef>
+                <a:spcPts val="0"/>
+              </a:spcBef>
+              <a:spcAft>
+                <a:spcPts val="0"/>
+              </a:spcAft>
+              <a:buClr>
+                <a:schemeClr val="lt1"/>
+              </a:buClr>
+              <a:buSzPts val="2400"/>
+              <a:buFont typeface="Montserrat"/>
+              <a:buNone/>
+              <a:defRPr sz="2400" b="0" i="0" u="none" strike="noStrike" cap="none">
+                <a:solidFill>
+                  <a:schemeClr val="lt1"/>
+                </a:solidFill>
+                <a:latin typeface="Montserrat"/>
+                <a:ea typeface="Montserrat"/>
+                <a:cs typeface="Montserrat"/>
+                <a:sym typeface="Montserrat"/>
+              </a:defRPr>
+            </a:lvl1pPr>
+            <a:lvl2pPr marR="0" lvl="1" algn="l" rtl="0">
+              <a:lnSpc>
+                <a:spcPct val="100000"/>
+              </a:lnSpc>
+              <a:spcBef>
+                <a:spcPts val="0"/>
+              </a:spcBef>
+              <a:spcAft>
+                <a:spcPts val="0"/>
+              </a:spcAft>
+              <a:buClr>
+                <a:schemeClr val="lt1"/>
+              </a:buClr>
+              <a:buSzPts val="2400"/>
+              <a:buFont typeface="Montserrat"/>
+              <a:buNone/>
+              <a:defRPr sz="2400" b="0" i="0" u="none" strike="noStrike" cap="none">
+                <a:solidFill>
+                  <a:schemeClr val="lt1"/>
+                </a:solidFill>
+                <a:latin typeface="Montserrat"/>
+                <a:ea typeface="Montserrat"/>
+                <a:cs typeface="Montserrat"/>
+                <a:sym typeface="Montserrat"/>
+              </a:defRPr>
+            </a:lvl2pPr>
+            <a:lvl3pPr marR="0" lvl="2" algn="l" rtl="0">
+              <a:lnSpc>
+                <a:spcPct val="100000"/>
+              </a:lnSpc>
+              <a:spcBef>
+                <a:spcPts val="0"/>
+              </a:spcBef>
+              <a:spcAft>
+                <a:spcPts val="0"/>
+              </a:spcAft>
+              <a:buClr>
+                <a:schemeClr val="lt1"/>
+              </a:buClr>
+              <a:buSzPts val="2400"/>
+              <a:buFont typeface="Montserrat"/>
+              <a:buNone/>
+              <a:defRPr sz="2400" b="0" i="0" u="none" strike="noStrike" cap="none">
+                <a:solidFill>
+                  <a:schemeClr val="lt1"/>
+                </a:solidFill>
+                <a:latin typeface="Montserrat"/>
+                <a:ea typeface="Montserrat"/>
+                <a:cs typeface="Montserrat"/>
+                <a:sym typeface="Montserrat"/>
+              </a:defRPr>
+            </a:lvl3pPr>
+            <a:lvl4pPr marR="0" lvl="3" algn="l" rtl="0">
+              <a:lnSpc>
+                <a:spcPct val="100000"/>
+              </a:lnSpc>
+              <a:spcBef>
+                <a:spcPts val="0"/>
+              </a:spcBef>
+              <a:spcAft>
+                <a:spcPts val="0"/>
+              </a:spcAft>
+              <a:buClr>
+                <a:schemeClr val="lt1"/>
+              </a:buClr>
+              <a:buSzPts val="2400"/>
+              <a:buFont typeface="Montserrat"/>
+              <a:buNone/>
+              <a:defRPr sz="2400" b="0" i="0" u="none" strike="noStrike" cap="none">
+                <a:solidFill>
+                  <a:schemeClr val="lt1"/>
+                </a:solidFill>
+                <a:latin typeface="Montserrat"/>
+                <a:ea typeface="Montserrat"/>
+                <a:cs typeface="Montserrat"/>
+                <a:sym typeface="Montserrat"/>
+              </a:defRPr>
+            </a:lvl4pPr>
+            <a:lvl5pPr marR="0" lvl="4" algn="l" rtl="0">
+              <a:lnSpc>
+                <a:spcPct val="100000"/>
+              </a:lnSpc>
+              <a:spcBef>
+                <a:spcPts val="0"/>
+              </a:spcBef>
+              <a:spcAft>
+                <a:spcPts val="0"/>
+              </a:spcAft>
+              <a:buClr>
+                <a:schemeClr val="lt1"/>
+              </a:buClr>
+              <a:buSzPts val="2400"/>
+              <a:buFont typeface="Montserrat"/>
+              <a:buNone/>
+              <a:defRPr sz="2400" b="0" i="0" u="none" strike="noStrike" cap="none">
+                <a:solidFill>
+                  <a:schemeClr val="lt1"/>
+                </a:solidFill>
+                <a:latin typeface="Montserrat"/>
+                <a:ea typeface="Montserrat"/>
+                <a:cs typeface="Montserrat"/>
+                <a:sym typeface="Montserrat"/>
+              </a:defRPr>
+            </a:lvl5pPr>
+            <a:lvl6pPr marR="0" lvl="5" algn="l" rtl="0">
+              <a:lnSpc>
+                <a:spcPct val="100000"/>
+              </a:lnSpc>
+              <a:spcBef>
+                <a:spcPts val="0"/>
+              </a:spcBef>
+              <a:spcAft>
+                <a:spcPts val="0"/>
+              </a:spcAft>
+              <a:buClr>
+                <a:schemeClr val="lt1"/>
+              </a:buClr>
+              <a:buSzPts val="2400"/>
+              <a:buFont typeface="Montserrat"/>
+              <a:buNone/>
+              <a:defRPr sz="2400" b="0" i="0" u="none" strike="noStrike" cap="none">
+                <a:solidFill>
+                  <a:schemeClr val="lt1"/>
+                </a:solidFill>
+                <a:latin typeface="Montserrat"/>
+                <a:ea typeface="Montserrat"/>
+                <a:cs typeface="Montserrat"/>
+                <a:sym typeface="Montserrat"/>
+              </a:defRPr>
+            </a:lvl6pPr>
+            <a:lvl7pPr marR="0" lvl="6" algn="l" rtl="0">
+              <a:lnSpc>
+                <a:spcPct val="100000"/>
+              </a:lnSpc>
+              <a:spcBef>
+                <a:spcPts val="0"/>
+              </a:spcBef>
+              <a:spcAft>
+                <a:spcPts val="0"/>
+              </a:spcAft>
+              <a:buClr>
+                <a:schemeClr val="lt1"/>
+              </a:buClr>
+              <a:buSzPts val="2400"/>
+              <a:buFont typeface="Montserrat"/>
+              <a:buNone/>
+              <a:defRPr sz="2400" b="0" i="0" u="none" strike="noStrike" cap="none">
+                <a:solidFill>
+                  <a:schemeClr val="lt1"/>
+                </a:solidFill>
+                <a:latin typeface="Montserrat"/>
+                <a:ea typeface="Montserrat"/>
+                <a:cs typeface="Montserrat"/>
+                <a:sym typeface="Montserrat"/>
+              </a:defRPr>
+            </a:lvl7pPr>
+            <a:lvl8pPr marR="0" lvl="7" algn="l" rtl="0">
+              <a:lnSpc>
+                <a:spcPct val="100000"/>
+              </a:lnSpc>
+              <a:spcBef>
+                <a:spcPts val="0"/>
+              </a:spcBef>
+              <a:spcAft>
+                <a:spcPts val="0"/>
+              </a:spcAft>
+              <a:buClr>
+                <a:schemeClr val="lt1"/>
+              </a:buClr>
+              <a:buSzPts val="2400"/>
+              <a:buFont typeface="Montserrat"/>
+              <a:buNone/>
+              <a:defRPr sz="2400" b="0" i="0" u="none" strike="noStrike" cap="none">
+                <a:solidFill>
+                  <a:schemeClr val="lt1"/>
+                </a:solidFill>
+                <a:latin typeface="Montserrat"/>
+                <a:ea typeface="Montserrat"/>
+                <a:cs typeface="Montserrat"/>
+                <a:sym typeface="Montserrat"/>
+              </a:defRPr>
+            </a:lvl8pPr>
+            <a:lvl9pPr marR="0" lvl="8" algn="l" rtl="0">
+              <a:lnSpc>
+                <a:spcPct val="100000"/>
+              </a:lnSpc>
+              <a:spcBef>
+                <a:spcPts val="0"/>
+              </a:spcBef>
+              <a:spcAft>
+                <a:spcPts val="0"/>
+              </a:spcAft>
+              <a:buClr>
+                <a:schemeClr val="lt1"/>
+              </a:buClr>
+              <a:buSzPts val="2400"/>
+              <a:buFont typeface="Montserrat"/>
+              <a:buNone/>
+              <a:defRPr sz="2400" b="0" i="0" u="none" strike="noStrike" cap="none">
+                <a:solidFill>
+                  <a:schemeClr val="lt1"/>
+                </a:solidFill>
+                <a:latin typeface="Montserrat"/>
+                <a:ea typeface="Montserrat"/>
+                <a:cs typeface="Montserrat"/>
+                <a:sym typeface="Montserrat"/>
+              </a:defRPr>
+            </a:lvl9pPr>
+          </a:lstStyle>
+          <a:p>
+            <a:r>
+              <a:rPr lang="en-US" dirty="0"/>
+              <a:t>12</a:t>
+            </a:r>
+            <a:endParaRPr lang="ru-RU" dirty="0"/>
           </a:p>
         </p:txBody>
       </p:sp>
@@ -12318,6 +13180,293 @@
           </a:prstGeom>
         </p:spPr>
       </p:pic>
+      <p:sp>
+        <p:nvSpPr>
+          <p:cNvPr id="4" name="Google Shape;141;p14">
+            <a:extLst>
+              <a:ext uri="{FF2B5EF4-FFF2-40B4-BE49-F238E27FC236}">
+                <a16:creationId xmlns:a16="http://schemas.microsoft.com/office/drawing/2014/main" id="{ACE666C9-8105-0BE2-61C8-F9E7518F54E5}"/>
+              </a:ext>
+            </a:extLst>
+          </p:cNvPr>
+          <p:cNvSpPr txBox="1">
+            <a:spLocks/>
+          </p:cNvSpPr>
+          <p:nvPr/>
+        </p:nvSpPr>
+        <p:spPr>
+          <a:xfrm>
+            <a:off x="8522678" y="0"/>
+            <a:ext cx="515816" cy="510681"/>
+          </a:xfrm>
+          <a:prstGeom prst="rect">
+            <a:avLst/>
+          </a:prstGeom>
+          <a:noFill/>
+          <a:ln>
+            <a:noFill/>
+          </a:ln>
+        </p:spPr>
+        <p:txBody>
+          <a:bodyPr spcFirstLastPara="1" wrap="square" lIns="91425" tIns="91425" rIns="91425" bIns="91425" anchor="t" anchorCtr="0">
+            <a:normAutofit fontScale="92500" lnSpcReduction="10000"/>
+          </a:bodyPr>
+          <a:lstStyle>
+            <a:defPPr marR="0" lvl="0" algn="l" rtl="0">
+              <a:lnSpc>
+                <a:spcPct val="100000"/>
+              </a:lnSpc>
+              <a:spcBef>
+                <a:spcPts val="0"/>
+              </a:spcBef>
+              <a:spcAft>
+                <a:spcPts val="0"/>
+              </a:spcAft>
+            </a:defPPr>
+            <a:lvl1pPr marR="0" lvl="0" algn="l" rtl="0">
+              <a:lnSpc>
+                <a:spcPct val="100000"/>
+              </a:lnSpc>
+              <a:spcBef>
+                <a:spcPts val="0"/>
+              </a:spcBef>
+              <a:spcAft>
+                <a:spcPts val="0"/>
+              </a:spcAft>
+              <a:buClr>
+                <a:schemeClr val="lt1"/>
+              </a:buClr>
+              <a:buSzPts val="2400"/>
+              <a:buFont typeface="Montserrat"/>
+              <a:buNone/>
+              <a:defRPr sz="2400" b="0" i="0" u="none" strike="noStrike" cap="none">
+                <a:solidFill>
+                  <a:schemeClr val="lt1"/>
+                </a:solidFill>
+                <a:latin typeface="Montserrat"/>
+                <a:ea typeface="Montserrat"/>
+                <a:cs typeface="Montserrat"/>
+                <a:sym typeface="Montserrat"/>
+              </a:defRPr>
+            </a:lvl1pPr>
+            <a:lvl2pPr marR="0" lvl="1" algn="l" rtl="0">
+              <a:lnSpc>
+                <a:spcPct val="100000"/>
+              </a:lnSpc>
+              <a:spcBef>
+                <a:spcPts val="0"/>
+              </a:spcBef>
+              <a:spcAft>
+                <a:spcPts val="0"/>
+              </a:spcAft>
+              <a:buClr>
+                <a:schemeClr val="lt1"/>
+              </a:buClr>
+              <a:buSzPts val="2400"/>
+              <a:buFont typeface="Montserrat"/>
+              <a:buNone/>
+              <a:defRPr sz="2400" b="0" i="0" u="none" strike="noStrike" cap="none">
+                <a:solidFill>
+                  <a:schemeClr val="lt1"/>
+                </a:solidFill>
+                <a:latin typeface="Montserrat"/>
+                <a:ea typeface="Montserrat"/>
+                <a:cs typeface="Montserrat"/>
+                <a:sym typeface="Montserrat"/>
+              </a:defRPr>
+            </a:lvl2pPr>
+            <a:lvl3pPr marR="0" lvl="2" algn="l" rtl="0">
+              <a:lnSpc>
+                <a:spcPct val="100000"/>
+              </a:lnSpc>
+              <a:spcBef>
+                <a:spcPts val="0"/>
+              </a:spcBef>
+              <a:spcAft>
+                <a:spcPts val="0"/>
+              </a:spcAft>
+              <a:buClr>
+                <a:schemeClr val="lt1"/>
+              </a:buClr>
+              <a:buSzPts val="2400"/>
+              <a:buFont typeface="Montserrat"/>
+              <a:buNone/>
+              <a:defRPr sz="2400" b="0" i="0" u="none" strike="noStrike" cap="none">
+                <a:solidFill>
+                  <a:schemeClr val="lt1"/>
+                </a:solidFill>
+                <a:latin typeface="Montserrat"/>
+                <a:ea typeface="Montserrat"/>
+                <a:cs typeface="Montserrat"/>
+                <a:sym typeface="Montserrat"/>
+              </a:defRPr>
+            </a:lvl3pPr>
+            <a:lvl4pPr marR="0" lvl="3" algn="l" rtl="0">
+              <a:lnSpc>
+                <a:spcPct val="100000"/>
+              </a:lnSpc>
+              <a:spcBef>
+                <a:spcPts val="0"/>
+              </a:spcBef>
+              <a:spcAft>
+                <a:spcPts val="0"/>
+              </a:spcAft>
+              <a:buClr>
+                <a:schemeClr val="lt1"/>
+              </a:buClr>
+              <a:buSzPts val="2400"/>
+              <a:buFont typeface="Montserrat"/>
+              <a:buNone/>
+              <a:defRPr sz="2400" b="0" i="0" u="none" strike="noStrike" cap="none">
+                <a:solidFill>
+                  <a:schemeClr val="lt1"/>
+                </a:solidFill>
+                <a:latin typeface="Montserrat"/>
+                <a:ea typeface="Montserrat"/>
+                <a:cs typeface="Montserrat"/>
+                <a:sym typeface="Montserrat"/>
+              </a:defRPr>
+            </a:lvl4pPr>
+            <a:lvl5pPr marR="0" lvl="4" algn="l" rtl="0">
+              <a:lnSpc>
+                <a:spcPct val="100000"/>
+              </a:lnSpc>
+              <a:spcBef>
+                <a:spcPts val="0"/>
+              </a:spcBef>
+              <a:spcAft>
+                <a:spcPts val="0"/>
+              </a:spcAft>
+              <a:buClr>
+                <a:schemeClr val="lt1"/>
+              </a:buClr>
+              <a:buSzPts val="2400"/>
+              <a:buFont typeface="Montserrat"/>
+              <a:buNone/>
+              <a:defRPr sz="2400" b="0" i="0" u="none" strike="noStrike" cap="none">
+                <a:solidFill>
+                  <a:schemeClr val="lt1"/>
+                </a:solidFill>
+                <a:latin typeface="Montserrat"/>
+                <a:ea typeface="Montserrat"/>
+                <a:cs typeface="Montserrat"/>
+                <a:sym typeface="Montserrat"/>
+              </a:defRPr>
+            </a:lvl5pPr>
+            <a:lvl6pPr marR="0" lvl="5" algn="l" rtl="0">
+              <a:lnSpc>
+                <a:spcPct val="100000"/>
+              </a:lnSpc>
+              <a:spcBef>
+                <a:spcPts val="0"/>
+              </a:spcBef>
+              <a:spcAft>
+                <a:spcPts val="0"/>
+              </a:spcAft>
+              <a:buClr>
+                <a:schemeClr val="lt1"/>
+              </a:buClr>
+              <a:buSzPts val="2400"/>
+              <a:buFont typeface="Montserrat"/>
+              <a:buNone/>
+              <a:defRPr sz="2400" b="0" i="0" u="none" strike="noStrike" cap="none">
+                <a:solidFill>
+                  <a:schemeClr val="lt1"/>
+                </a:solidFill>
+                <a:latin typeface="Montserrat"/>
+                <a:ea typeface="Montserrat"/>
+                <a:cs typeface="Montserrat"/>
+                <a:sym typeface="Montserrat"/>
+              </a:defRPr>
+            </a:lvl6pPr>
+            <a:lvl7pPr marR="0" lvl="6" algn="l" rtl="0">
+              <a:lnSpc>
+                <a:spcPct val="100000"/>
+              </a:lnSpc>
+              <a:spcBef>
+                <a:spcPts val="0"/>
+              </a:spcBef>
+              <a:spcAft>
+                <a:spcPts val="0"/>
+              </a:spcAft>
+              <a:buClr>
+                <a:schemeClr val="lt1"/>
+              </a:buClr>
+              <a:buSzPts val="2400"/>
+              <a:buFont typeface="Montserrat"/>
+              <a:buNone/>
+              <a:defRPr sz="2400" b="0" i="0" u="none" strike="noStrike" cap="none">
+                <a:solidFill>
+                  <a:schemeClr val="lt1"/>
+                </a:solidFill>
+                <a:latin typeface="Montserrat"/>
+                <a:ea typeface="Montserrat"/>
+                <a:cs typeface="Montserrat"/>
+                <a:sym typeface="Montserrat"/>
+              </a:defRPr>
+            </a:lvl7pPr>
+            <a:lvl8pPr marR="0" lvl="7" algn="l" rtl="0">
+              <a:lnSpc>
+                <a:spcPct val="100000"/>
+              </a:lnSpc>
+              <a:spcBef>
+                <a:spcPts val="0"/>
+              </a:spcBef>
+              <a:spcAft>
+                <a:spcPts val="0"/>
+              </a:spcAft>
+              <a:buClr>
+                <a:schemeClr val="lt1"/>
+              </a:buClr>
+              <a:buSzPts val="2400"/>
+              <a:buFont typeface="Montserrat"/>
+              <a:buNone/>
+              <a:defRPr sz="2400" b="0" i="0" u="none" strike="noStrike" cap="none">
+                <a:solidFill>
+                  <a:schemeClr val="lt1"/>
+                </a:solidFill>
+                <a:latin typeface="Montserrat"/>
+                <a:ea typeface="Montserrat"/>
+                <a:cs typeface="Montserrat"/>
+                <a:sym typeface="Montserrat"/>
+              </a:defRPr>
+            </a:lvl8pPr>
+            <a:lvl9pPr marR="0" lvl="8" algn="l" rtl="0">
+              <a:lnSpc>
+                <a:spcPct val="100000"/>
+              </a:lnSpc>
+              <a:spcBef>
+                <a:spcPts val="0"/>
+              </a:spcBef>
+              <a:spcAft>
+                <a:spcPts val="0"/>
+              </a:spcAft>
+              <a:buClr>
+                <a:schemeClr val="lt1"/>
+              </a:buClr>
+              <a:buSzPts val="2400"/>
+              <a:buFont typeface="Montserrat"/>
+              <a:buNone/>
+              <a:defRPr sz="2400" b="0" i="0" u="none" strike="noStrike" cap="none">
+                <a:solidFill>
+                  <a:schemeClr val="lt1"/>
+                </a:solidFill>
+                <a:latin typeface="Montserrat"/>
+                <a:ea typeface="Montserrat"/>
+                <a:cs typeface="Montserrat"/>
+                <a:sym typeface="Montserrat"/>
+              </a:defRPr>
+            </a:lvl9pPr>
+          </a:lstStyle>
+          <a:p>
+            <a:r>
+              <a:rPr lang="en-US" dirty="0"/>
+              <a:t>13</a:t>
+            </a:r>
+            <a:endParaRPr lang="ru-RU" dirty="0"/>
+          </a:p>
+        </p:txBody>
+      </p:sp>
     </p:spTree>
   </p:cSld>
   <p:clrMapOvr>
@@ -12378,10 +13527,10 @@
               <a:buNone/>
             </a:pPr>
             <a:r>
-              <a:rPr lang="ru" sz="1700"/>
-              <a:t>6) Просмотр действий сотрудника</a:t>
+              <a:rPr lang="ru" sz="1700" dirty="0"/>
+              <a:t>6) Просмотр действий менеджера</a:t>
             </a:r>
-            <a:endParaRPr sz="1700"/>
+            <a:endParaRPr sz="1700" dirty="0"/>
           </a:p>
         </p:txBody>
       </p:sp>
@@ -12483,6 +13632,293 @@
           </a:ln>
         </p:spPr>
       </p:pic>
+      <p:sp>
+        <p:nvSpPr>
+          <p:cNvPr id="2" name="Google Shape;141;p14">
+            <a:extLst>
+              <a:ext uri="{FF2B5EF4-FFF2-40B4-BE49-F238E27FC236}">
+                <a16:creationId xmlns:a16="http://schemas.microsoft.com/office/drawing/2014/main" id="{B43C31BC-6EE5-B4BB-4B23-1BE49B948E22}"/>
+              </a:ext>
+            </a:extLst>
+          </p:cNvPr>
+          <p:cNvSpPr txBox="1">
+            <a:spLocks/>
+          </p:cNvSpPr>
+          <p:nvPr/>
+        </p:nvSpPr>
+        <p:spPr>
+          <a:xfrm>
+            <a:off x="8522678" y="0"/>
+            <a:ext cx="515816" cy="510681"/>
+          </a:xfrm>
+          <a:prstGeom prst="rect">
+            <a:avLst/>
+          </a:prstGeom>
+          <a:noFill/>
+          <a:ln>
+            <a:noFill/>
+          </a:ln>
+        </p:spPr>
+        <p:txBody>
+          <a:bodyPr spcFirstLastPara="1" wrap="square" lIns="91425" tIns="91425" rIns="91425" bIns="91425" anchor="t" anchorCtr="0">
+            <a:normAutofit fontScale="92500" lnSpcReduction="10000"/>
+          </a:bodyPr>
+          <a:lstStyle>
+            <a:defPPr marR="0" lvl="0" algn="l" rtl="0">
+              <a:lnSpc>
+                <a:spcPct val="100000"/>
+              </a:lnSpc>
+              <a:spcBef>
+                <a:spcPts val="0"/>
+              </a:spcBef>
+              <a:spcAft>
+                <a:spcPts val="0"/>
+              </a:spcAft>
+            </a:defPPr>
+            <a:lvl1pPr marR="0" lvl="0" algn="l" rtl="0">
+              <a:lnSpc>
+                <a:spcPct val="100000"/>
+              </a:lnSpc>
+              <a:spcBef>
+                <a:spcPts val="0"/>
+              </a:spcBef>
+              <a:spcAft>
+                <a:spcPts val="0"/>
+              </a:spcAft>
+              <a:buClr>
+                <a:schemeClr val="lt1"/>
+              </a:buClr>
+              <a:buSzPts val="2400"/>
+              <a:buFont typeface="Montserrat"/>
+              <a:buNone/>
+              <a:defRPr sz="2400" b="0" i="0" u="none" strike="noStrike" cap="none">
+                <a:solidFill>
+                  <a:schemeClr val="lt1"/>
+                </a:solidFill>
+                <a:latin typeface="Montserrat"/>
+                <a:ea typeface="Montserrat"/>
+                <a:cs typeface="Montserrat"/>
+                <a:sym typeface="Montserrat"/>
+              </a:defRPr>
+            </a:lvl1pPr>
+            <a:lvl2pPr marR="0" lvl="1" algn="l" rtl="0">
+              <a:lnSpc>
+                <a:spcPct val="100000"/>
+              </a:lnSpc>
+              <a:spcBef>
+                <a:spcPts val="0"/>
+              </a:spcBef>
+              <a:spcAft>
+                <a:spcPts val="0"/>
+              </a:spcAft>
+              <a:buClr>
+                <a:schemeClr val="lt1"/>
+              </a:buClr>
+              <a:buSzPts val="2400"/>
+              <a:buFont typeface="Montserrat"/>
+              <a:buNone/>
+              <a:defRPr sz="2400" b="0" i="0" u="none" strike="noStrike" cap="none">
+                <a:solidFill>
+                  <a:schemeClr val="lt1"/>
+                </a:solidFill>
+                <a:latin typeface="Montserrat"/>
+                <a:ea typeface="Montserrat"/>
+                <a:cs typeface="Montserrat"/>
+                <a:sym typeface="Montserrat"/>
+              </a:defRPr>
+            </a:lvl2pPr>
+            <a:lvl3pPr marR="0" lvl="2" algn="l" rtl="0">
+              <a:lnSpc>
+                <a:spcPct val="100000"/>
+              </a:lnSpc>
+              <a:spcBef>
+                <a:spcPts val="0"/>
+              </a:spcBef>
+              <a:spcAft>
+                <a:spcPts val="0"/>
+              </a:spcAft>
+              <a:buClr>
+                <a:schemeClr val="lt1"/>
+              </a:buClr>
+              <a:buSzPts val="2400"/>
+              <a:buFont typeface="Montserrat"/>
+              <a:buNone/>
+              <a:defRPr sz="2400" b="0" i="0" u="none" strike="noStrike" cap="none">
+                <a:solidFill>
+                  <a:schemeClr val="lt1"/>
+                </a:solidFill>
+                <a:latin typeface="Montserrat"/>
+                <a:ea typeface="Montserrat"/>
+                <a:cs typeface="Montserrat"/>
+                <a:sym typeface="Montserrat"/>
+              </a:defRPr>
+            </a:lvl3pPr>
+            <a:lvl4pPr marR="0" lvl="3" algn="l" rtl="0">
+              <a:lnSpc>
+                <a:spcPct val="100000"/>
+              </a:lnSpc>
+              <a:spcBef>
+                <a:spcPts val="0"/>
+              </a:spcBef>
+              <a:spcAft>
+                <a:spcPts val="0"/>
+              </a:spcAft>
+              <a:buClr>
+                <a:schemeClr val="lt1"/>
+              </a:buClr>
+              <a:buSzPts val="2400"/>
+              <a:buFont typeface="Montserrat"/>
+              <a:buNone/>
+              <a:defRPr sz="2400" b="0" i="0" u="none" strike="noStrike" cap="none">
+                <a:solidFill>
+                  <a:schemeClr val="lt1"/>
+                </a:solidFill>
+                <a:latin typeface="Montserrat"/>
+                <a:ea typeface="Montserrat"/>
+                <a:cs typeface="Montserrat"/>
+                <a:sym typeface="Montserrat"/>
+              </a:defRPr>
+            </a:lvl4pPr>
+            <a:lvl5pPr marR="0" lvl="4" algn="l" rtl="0">
+              <a:lnSpc>
+                <a:spcPct val="100000"/>
+              </a:lnSpc>
+              <a:spcBef>
+                <a:spcPts val="0"/>
+              </a:spcBef>
+              <a:spcAft>
+                <a:spcPts val="0"/>
+              </a:spcAft>
+              <a:buClr>
+                <a:schemeClr val="lt1"/>
+              </a:buClr>
+              <a:buSzPts val="2400"/>
+              <a:buFont typeface="Montserrat"/>
+              <a:buNone/>
+              <a:defRPr sz="2400" b="0" i="0" u="none" strike="noStrike" cap="none">
+                <a:solidFill>
+                  <a:schemeClr val="lt1"/>
+                </a:solidFill>
+                <a:latin typeface="Montserrat"/>
+                <a:ea typeface="Montserrat"/>
+                <a:cs typeface="Montserrat"/>
+                <a:sym typeface="Montserrat"/>
+              </a:defRPr>
+            </a:lvl5pPr>
+            <a:lvl6pPr marR="0" lvl="5" algn="l" rtl="0">
+              <a:lnSpc>
+                <a:spcPct val="100000"/>
+              </a:lnSpc>
+              <a:spcBef>
+                <a:spcPts val="0"/>
+              </a:spcBef>
+              <a:spcAft>
+                <a:spcPts val="0"/>
+              </a:spcAft>
+              <a:buClr>
+                <a:schemeClr val="lt1"/>
+              </a:buClr>
+              <a:buSzPts val="2400"/>
+              <a:buFont typeface="Montserrat"/>
+              <a:buNone/>
+              <a:defRPr sz="2400" b="0" i="0" u="none" strike="noStrike" cap="none">
+                <a:solidFill>
+                  <a:schemeClr val="lt1"/>
+                </a:solidFill>
+                <a:latin typeface="Montserrat"/>
+                <a:ea typeface="Montserrat"/>
+                <a:cs typeface="Montserrat"/>
+                <a:sym typeface="Montserrat"/>
+              </a:defRPr>
+            </a:lvl6pPr>
+            <a:lvl7pPr marR="0" lvl="6" algn="l" rtl="0">
+              <a:lnSpc>
+                <a:spcPct val="100000"/>
+              </a:lnSpc>
+              <a:spcBef>
+                <a:spcPts val="0"/>
+              </a:spcBef>
+              <a:spcAft>
+                <a:spcPts val="0"/>
+              </a:spcAft>
+              <a:buClr>
+                <a:schemeClr val="lt1"/>
+              </a:buClr>
+              <a:buSzPts val="2400"/>
+              <a:buFont typeface="Montserrat"/>
+              <a:buNone/>
+              <a:defRPr sz="2400" b="0" i="0" u="none" strike="noStrike" cap="none">
+                <a:solidFill>
+                  <a:schemeClr val="lt1"/>
+                </a:solidFill>
+                <a:latin typeface="Montserrat"/>
+                <a:ea typeface="Montserrat"/>
+                <a:cs typeface="Montserrat"/>
+                <a:sym typeface="Montserrat"/>
+              </a:defRPr>
+            </a:lvl7pPr>
+            <a:lvl8pPr marR="0" lvl="7" algn="l" rtl="0">
+              <a:lnSpc>
+                <a:spcPct val="100000"/>
+              </a:lnSpc>
+              <a:spcBef>
+                <a:spcPts val="0"/>
+              </a:spcBef>
+              <a:spcAft>
+                <a:spcPts val="0"/>
+              </a:spcAft>
+              <a:buClr>
+                <a:schemeClr val="lt1"/>
+              </a:buClr>
+              <a:buSzPts val="2400"/>
+              <a:buFont typeface="Montserrat"/>
+              <a:buNone/>
+              <a:defRPr sz="2400" b="0" i="0" u="none" strike="noStrike" cap="none">
+                <a:solidFill>
+                  <a:schemeClr val="lt1"/>
+                </a:solidFill>
+                <a:latin typeface="Montserrat"/>
+                <a:ea typeface="Montserrat"/>
+                <a:cs typeface="Montserrat"/>
+                <a:sym typeface="Montserrat"/>
+              </a:defRPr>
+            </a:lvl8pPr>
+            <a:lvl9pPr marR="0" lvl="8" algn="l" rtl="0">
+              <a:lnSpc>
+                <a:spcPct val="100000"/>
+              </a:lnSpc>
+              <a:spcBef>
+                <a:spcPts val="0"/>
+              </a:spcBef>
+              <a:spcAft>
+                <a:spcPts val="0"/>
+              </a:spcAft>
+              <a:buClr>
+                <a:schemeClr val="lt1"/>
+              </a:buClr>
+              <a:buSzPts val="2400"/>
+              <a:buFont typeface="Montserrat"/>
+              <a:buNone/>
+              <a:defRPr sz="2400" b="0" i="0" u="none" strike="noStrike" cap="none">
+                <a:solidFill>
+                  <a:schemeClr val="lt1"/>
+                </a:solidFill>
+                <a:latin typeface="Montserrat"/>
+                <a:ea typeface="Montserrat"/>
+                <a:cs typeface="Montserrat"/>
+                <a:sym typeface="Montserrat"/>
+              </a:defRPr>
+            </a:lvl9pPr>
+          </a:lstStyle>
+          <a:p>
+            <a:r>
+              <a:rPr lang="en-US" dirty="0"/>
+              <a:t>14</a:t>
+            </a:r>
+            <a:endParaRPr lang="ru-RU" dirty="0"/>
+          </a:p>
+        </p:txBody>
+      </p:sp>
     </p:spTree>
   </p:cSld>
   <p:clrMapOvr>
@@ -12645,6 +14081,293 @@
               <a:t>9) Возвращение на главную страницу</a:t>
             </a:r>
             <a:endParaRPr sz="1700"/>
+          </a:p>
+        </p:txBody>
+      </p:sp>
+      <p:sp>
+        <p:nvSpPr>
+          <p:cNvPr id="2" name="Google Shape;141;p14">
+            <a:extLst>
+              <a:ext uri="{FF2B5EF4-FFF2-40B4-BE49-F238E27FC236}">
+                <a16:creationId xmlns:a16="http://schemas.microsoft.com/office/drawing/2014/main" id="{04EAF236-6842-43FB-5FAB-ADC41C826373}"/>
+              </a:ext>
+            </a:extLst>
+          </p:cNvPr>
+          <p:cNvSpPr txBox="1">
+            <a:spLocks/>
+          </p:cNvSpPr>
+          <p:nvPr/>
+        </p:nvSpPr>
+        <p:spPr>
+          <a:xfrm>
+            <a:off x="8522678" y="0"/>
+            <a:ext cx="515816" cy="510681"/>
+          </a:xfrm>
+          <a:prstGeom prst="rect">
+            <a:avLst/>
+          </a:prstGeom>
+          <a:noFill/>
+          <a:ln>
+            <a:noFill/>
+          </a:ln>
+        </p:spPr>
+        <p:txBody>
+          <a:bodyPr spcFirstLastPara="1" wrap="square" lIns="91425" tIns="91425" rIns="91425" bIns="91425" anchor="t" anchorCtr="0">
+            <a:normAutofit fontScale="92500" lnSpcReduction="10000"/>
+          </a:bodyPr>
+          <a:lstStyle>
+            <a:defPPr marR="0" lvl="0" algn="l" rtl="0">
+              <a:lnSpc>
+                <a:spcPct val="100000"/>
+              </a:lnSpc>
+              <a:spcBef>
+                <a:spcPts val="0"/>
+              </a:spcBef>
+              <a:spcAft>
+                <a:spcPts val="0"/>
+              </a:spcAft>
+            </a:defPPr>
+            <a:lvl1pPr marR="0" lvl="0" algn="l" rtl="0">
+              <a:lnSpc>
+                <a:spcPct val="100000"/>
+              </a:lnSpc>
+              <a:spcBef>
+                <a:spcPts val="0"/>
+              </a:spcBef>
+              <a:spcAft>
+                <a:spcPts val="0"/>
+              </a:spcAft>
+              <a:buClr>
+                <a:schemeClr val="lt1"/>
+              </a:buClr>
+              <a:buSzPts val="2400"/>
+              <a:buFont typeface="Montserrat"/>
+              <a:buNone/>
+              <a:defRPr sz="2400" b="0" i="0" u="none" strike="noStrike" cap="none">
+                <a:solidFill>
+                  <a:schemeClr val="lt1"/>
+                </a:solidFill>
+                <a:latin typeface="Montserrat"/>
+                <a:ea typeface="Montserrat"/>
+                <a:cs typeface="Montserrat"/>
+                <a:sym typeface="Montserrat"/>
+              </a:defRPr>
+            </a:lvl1pPr>
+            <a:lvl2pPr marR="0" lvl="1" algn="l" rtl="0">
+              <a:lnSpc>
+                <a:spcPct val="100000"/>
+              </a:lnSpc>
+              <a:spcBef>
+                <a:spcPts val="0"/>
+              </a:spcBef>
+              <a:spcAft>
+                <a:spcPts val="0"/>
+              </a:spcAft>
+              <a:buClr>
+                <a:schemeClr val="lt1"/>
+              </a:buClr>
+              <a:buSzPts val="2400"/>
+              <a:buFont typeface="Montserrat"/>
+              <a:buNone/>
+              <a:defRPr sz="2400" b="0" i="0" u="none" strike="noStrike" cap="none">
+                <a:solidFill>
+                  <a:schemeClr val="lt1"/>
+                </a:solidFill>
+                <a:latin typeface="Montserrat"/>
+                <a:ea typeface="Montserrat"/>
+                <a:cs typeface="Montserrat"/>
+                <a:sym typeface="Montserrat"/>
+              </a:defRPr>
+            </a:lvl2pPr>
+            <a:lvl3pPr marR="0" lvl="2" algn="l" rtl="0">
+              <a:lnSpc>
+                <a:spcPct val="100000"/>
+              </a:lnSpc>
+              <a:spcBef>
+                <a:spcPts val="0"/>
+              </a:spcBef>
+              <a:spcAft>
+                <a:spcPts val="0"/>
+              </a:spcAft>
+              <a:buClr>
+                <a:schemeClr val="lt1"/>
+              </a:buClr>
+              <a:buSzPts val="2400"/>
+              <a:buFont typeface="Montserrat"/>
+              <a:buNone/>
+              <a:defRPr sz="2400" b="0" i="0" u="none" strike="noStrike" cap="none">
+                <a:solidFill>
+                  <a:schemeClr val="lt1"/>
+                </a:solidFill>
+                <a:latin typeface="Montserrat"/>
+                <a:ea typeface="Montserrat"/>
+                <a:cs typeface="Montserrat"/>
+                <a:sym typeface="Montserrat"/>
+              </a:defRPr>
+            </a:lvl3pPr>
+            <a:lvl4pPr marR="0" lvl="3" algn="l" rtl="0">
+              <a:lnSpc>
+                <a:spcPct val="100000"/>
+              </a:lnSpc>
+              <a:spcBef>
+                <a:spcPts val="0"/>
+              </a:spcBef>
+              <a:spcAft>
+                <a:spcPts val="0"/>
+              </a:spcAft>
+              <a:buClr>
+                <a:schemeClr val="lt1"/>
+              </a:buClr>
+              <a:buSzPts val="2400"/>
+              <a:buFont typeface="Montserrat"/>
+              <a:buNone/>
+              <a:defRPr sz="2400" b="0" i="0" u="none" strike="noStrike" cap="none">
+                <a:solidFill>
+                  <a:schemeClr val="lt1"/>
+                </a:solidFill>
+                <a:latin typeface="Montserrat"/>
+                <a:ea typeface="Montserrat"/>
+                <a:cs typeface="Montserrat"/>
+                <a:sym typeface="Montserrat"/>
+              </a:defRPr>
+            </a:lvl4pPr>
+            <a:lvl5pPr marR="0" lvl="4" algn="l" rtl="0">
+              <a:lnSpc>
+                <a:spcPct val="100000"/>
+              </a:lnSpc>
+              <a:spcBef>
+                <a:spcPts val="0"/>
+              </a:spcBef>
+              <a:spcAft>
+                <a:spcPts val="0"/>
+              </a:spcAft>
+              <a:buClr>
+                <a:schemeClr val="lt1"/>
+              </a:buClr>
+              <a:buSzPts val="2400"/>
+              <a:buFont typeface="Montserrat"/>
+              <a:buNone/>
+              <a:defRPr sz="2400" b="0" i="0" u="none" strike="noStrike" cap="none">
+                <a:solidFill>
+                  <a:schemeClr val="lt1"/>
+                </a:solidFill>
+                <a:latin typeface="Montserrat"/>
+                <a:ea typeface="Montserrat"/>
+                <a:cs typeface="Montserrat"/>
+                <a:sym typeface="Montserrat"/>
+              </a:defRPr>
+            </a:lvl5pPr>
+            <a:lvl6pPr marR="0" lvl="5" algn="l" rtl="0">
+              <a:lnSpc>
+                <a:spcPct val="100000"/>
+              </a:lnSpc>
+              <a:spcBef>
+                <a:spcPts val="0"/>
+              </a:spcBef>
+              <a:spcAft>
+                <a:spcPts val="0"/>
+              </a:spcAft>
+              <a:buClr>
+                <a:schemeClr val="lt1"/>
+              </a:buClr>
+              <a:buSzPts val="2400"/>
+              <a:buFont typeface="Montserrat"/>
+              <a:buNone/>
+              <a:defRPr sz="2400" b="0" i="0" u="none" strike="noStrike" cap="none">
+                <a:solidFill>
+                  <a:schemeClr val="lt1"/>
+                </a:solidFill>
+                <a:latin typeface="Montserrat"/>
+                <a:ea typeface="Montserrat"/>
+                <a:cs typeface="Montserrat"/>
+                <a:sym typeface="Montserrat"/>
+              </a:defRPr>
+            </a:lvl6pPr>
+            <a:lvl7pPr marR="0" lvl="6" algn="l" rtl="0">
+              <a:lnSpc>
+                <a:spcPct val="100000"/>
+              </a:lnSpc>
+              <a:spcBef>
+                <a:spcPts val="0"/>
+              </a:spcBef>
+              <a:spcAft>
+                <a:spcPts val="0"/>
+              </a:spcAft>
+              <a:buClr>
+                <a:schemeClr val="lt1"/>
+              </a:buClr>
+              <a:buSzPts val="2400"/>
+              <a:buFont typeface="Montserrat"/>
+              <a:buNone/>
+              <a:defRPr sz="2400" b="0" i="0" u="none" strike="noStrike" cap="none">
+                <a:solidFill>
+                  <a:schemeClr val="lt1"/>
+                </a:solidFill>
+                <a:latin typeface="Montserrat"/>
+                <a:ea typeface="Montserrat"/>
+                <a:cs typeface="Montserrat"/>
+                <a:sym typeface="Montserrat"/>
+              </a:defRPr>
+            </a:lvl7pPr>
+            <a:lvl8pPr marR="0" lvl="7" algn="l" rtl="0">
+              <a:lnSpc>
+                <a:spcPct val="100000"/>
+              </a:lnSpc>
+              <a:spcBef>
+                <a:spcPts val="0"/>
+              </a:spcBef>
+              <a:spcAft>
+                <a:spcPts val="0"/>
+              </a:spcAft>
+              <a:buClr>
+                <a:schemeClr val="lt1"/>
+              </a:buClr>
+              <a:buSzPts val="2400"/>
+              <a:buFont typeface="Montserrat"/>
+              <a:buNone/>
+              <a:defRPr sz="2400" b="0" i="0" u="none" strike="noStrike" cap="none">
+                <a:solidFill>
+                  <a:schemeClr val="lt1"/>
+                </a:solidFill>
+                <a:latin typeface="Montserrat"/>
+                <a:ea typeface="Montserrat"/>
+                <a:cs typeface="Montserrat"/>
+                <a:sym typeface="Montserrat"/>
+              </a:defRPr>
+            </a:lvl8pPr>
+            <a:lvl9pPr marR="0" lvl="8" algn="l" rtl="0">
+              <a:lnSpc>
+                <a:spcPct val="100000"/>
+              </a:lnSpc>
+              <a:spcBef>
+                <a:spcPts val="0"/>
+              </a:spcBef>
+              <a:spcAft>
+                <a:spcPts val="0"/>
+              </a:spcAft>
+              <a:buClr>
+                <a:schemeClr val="lt1"/>
+              </a:buClr>
+              <a:buSzPts val="2400"/>
+              <a:buFont typeface="Montserrat"/>
+              <a:buNone/>
+              <a:defRPr sz="2400" b="0" i="0" u="none" strike="noStrike" cap="none">
+                <a:solidFill>
+                  <a:schemeClr val="lt1"/>
+                </a:solidFill>
+                <a:latin typeface="Montserrat"/>
+                <a:ea typeface="Montserrat"/>
+                <a:cs typeface="Montserrat"/>
+                <a:sym typeface="Montserrat"/>
+              </a:defRPr>
+            </a:lvl9pPr>
+          </a:lstStyle>
+          <a:p>
+            <a:r>
+              <a:rPr lang="en-US" dirty="0"/>
+              <a:t>15</a:t>
+            </a:r>
+            <a:endParaRPr lang="ru-RU" dirty="0"/>
           </a:p>
         </p:txBody>
       </p:sp>
@@ -12926,6 +14649,293 @@
           </a:p>
         </p:txBody>
       </p:sp>
+      <p:sp>
+        <p:nvSpPr>
+          <p:cNvPr id="2" name="Google Shape;141;p14">
+            <a:extLst>
+              <a:ext uri="{FF2B5EF4-FFF2-40B4-BE49-F238E27FC236}">
+                <a16:creationId xmlns:a16="http://schemas.microsoft.com/office/drawing/2014/main" id="{80E2B575-4EA6-C7FF-E02A-61C131CE647B}"/>
+              </a:ext>
+            </a:extLst>
+          </p:cNvPr>
+          <p:cNvSpPr txBox="1">
+            <a:spLocks/>
+          </p:cNvSpPr>
+          <p:nvPr/>
+        </p:nvSpPr>
+        <p:spPr>
+          <a:xfrm>
+            <a:off x="8522678" y="0"/>
+            <a:ext cx="515816" cy="510681"/>
+          </a:xfrm>
+          <a:prstGeom prst="rect">
+            <a:avLst/>
+          </a:prstGeom>
+          <a:noFill/>
+          <a:ln>
+            <a:noFill/>
+          </a:ln>
+        </p:spPr>
+        <p:txBody>
+          <a:bodyPr spcFirstLastPara="1" wrap="square" lIns="91425" tIns="91425" rIns="91425" bIns="91425" anchor="t" anchorCtr="0">
+            <a:normAutofit fontScale="92500" lnSpcReduction="10000"/>
+          </a:bodyPr>
+          <a:lstStyle>
+            <a:defPPr marR="0" lvl="0" algn="l" rtl="0">
+              <a:lnSpc>
+                <a:spcPct val="100000"/>
+              </a:lnSpc>
+              <a:spcBef>
+                <a:spcPts val="0"/>
+              </a:spcBef>
+              <a:spcAft>
+                <a:spcPts val="0"/>
+              </a:spcAft>
+            </a:defPPr>
+            <a:lvl1pPr marR="0" lvl="0" algn="l" rtl="0">
+              <a:lnSpc>
+                <a:spcPct val="100000"/>
+              </a:lnSpc>
+              <a:spcBef>
+                <a:spcPts val="0"/>
+              </a:spcBef>
+              <a:spcAft>
+                <a:spcPts val="0"/>
+              </a:spcAft>
+              <a:buClr>
+                <a:schemeClr val="lt1"/>
+              </a:buClr>
+              <a:buSzPts val="2400"/>
+              <a:buFont typeface="Montserrat"/>
+              <a:buNone/>
+              <a:defRPr sz="2400" b="0" i="0" u="none" strike="noStrike" cap="none">
+                <a:solidFill>
+                  <a:schemeClr val="lt1"/>
+                </a:solidFill>
+                <a:latin typeface="Montserrat"/>
+                <a:ea typeface="Montserrat"/>
+                <a:cs typeface="Montserrat"/>
+                <a:sym typeface="Montserrat"/>
+              </a:defRPr>
+            </a:lvl1pPr>
+            <a:lvl2pPr marR="0" lvl="1" algn="l" rtl="0">
+              <a:lnSpc>
+                <a:spcPct val="100000"/>
+              </a:lnSpc>
+              <a:spcBef>
+                <a:spcPts val="0"/>
+              </a:spcBef>
+              <a:spcAft>
+                <a:spcPts val="0"/>
+              </a:spcAft>
+              <a:buClr>
+                <a:schemeClr val="lt1"/>
+              </a:buClr>
+              <a:buSzPts val="2400"/>
+              <a:buFont typeface="Montserrat"/>
+              <a:buNone/>
+              <a:defRPr sz="2400" b="0" i="0" u="none" strike="noStrike" cap="none">
+                <a:solidFill>
+                  <a:schemeClr val="lt1"/>
+                </a:solidFill>
+                <a:latin typeface="Montserrat"/>
+                <a:ea typeface="Montserrat"/>
+                <a:cs typeface="Montserrat"/>
+                <a:sym typeface="Montserrat"/>
+              </a:defRPr>
+            </a:lvl2pPr>
+            <a:lvl3pPr marR="0" lvl="2" algn="l" rtl="0">
+              <a:lnSpc>
+                <a:spcPct val="100000"/>
+              </a:lnSpc>
+              <a:spcBef>
+                <a:spcPts val="0"/>
+              </a:spcBef>
+              <a:spcAft>
+                <a:spcPts val="0"/>
+              </a:spcAft>
+              <a:buClr>
+                <a:schemeClr val="lt1"/>
+              </a:buClr>
+              <a:buSzPts val="2400"/>
+              <a:buFont typeface="Montserrat"/>
+              <a:buNone/>
+              <a:defRPr sz="2400" b="0" i="0" u="none" strike="noStrike" cap="none">
+                <a:solidFill>
+                  <a:schemeClr val="lt1"/>
+                </a:solidFill>
+                <a:latin typeface="Montserrat"/>
+                <a:ea typeface="Montserrat"/>
+                <a:cs typeface="Montserrat"/>
+                <a:sym typeface="Montserrat"/>
+              </a:defRPr>
+            </a:lvl3pPr>
+            <a:lvl4pPr marR="0" lvl="3" algn="l" rtl="0">
+              <a:lnSpc>
+                <a:spcPct val="100000"/>
+              </a:lnSpc>
+              <a:spcBef>
+                <a:spcPts val="0"/>
+              </a:spcBef>
+              <a:spcAft>
+                <a:spcPts val="0"/>
+              </a:spcAft>
+              <a:buClr>
+                <a:schemeClr val="lt1"/>
+              </a:buClr>
+              <a:buSzPts val="2400"/>
+              <a:buFont typeface="Montserrat"/>
+              <a:buNone/>
+              <a:defRPr sz="2400" b="0" i="0" u="none" strike="noStrike" cap="none">
+                <a:solidFill>
+                  <a:schemeClr val="lt1"/>
+                </a:solidFill>
+                <a:latin typeface="Montserrat"/>
+                <a:ea typeface="Montserrat"/>
+                <a:cs typeface="Montserrat"/>
+                <a:sym typeface="Montserrat"/>
+              </a:defRPr>
+            </a:lvl4pPr>
+            <a:lvl5pPr marR="0" lvl="4" algn="l" rtl="0">
+              <a:lnSpc>
+                <a:spcPct val="100000"/>
+              </a:lnSpc>
+              <a:spcBef>
+                <a:spcPts val="0"/>
+              </a:spcBef>
+              <a:spcAft>
+                <a:spcPts val="0"/>
+              </a:spcAft>
+              <a:buClr>
+                <a:schemeClr val="lt1"/>
+              </a:buClr>
+              <a:buSzPts val="2400"/>
+              <a:buFont typeface="Montserrat"/>
+              <a:buNone/>
+              <a:defRPr sz="2400" b="0" i="0" u="none" strike="noStrike" cap="none">
+                <a:solidFill>
+                  <a:schemeClr val="lt1"/>
+                </a:solidFill>
+                <a:latin typeface="Montserrat"/>
+                <a:ea typeface="Montserrat"/>
+                <a:cs typeface="Montserrat"/>
+                <a:sym typeface="Montserrat"/>
+              </a:defRPr>
+            </a:lvl5pPr>
+            <a:lvl6pPr marR="0" lvl="5" algn="l" rtl="0">
+              <a:lnSpc>
+                <a:spcPct val="100000"/>
+              </a:lnSpc>
+              <a:spcBef>
+                <a:spcPts val="0"/>
+              </a:spcBef>
+              <a:spcAft>
+                <a:spcPts val="0"/>
+              </a:spcAft>
+              <a:buClr>
+                <a:schemeClr val="lt1"/>
+              </a:buClr>
+              <a:buSzPts val="2400"/>
+              <a:buFont typeface="Montserrat"/>
+              <a:buNone/>
+              <a:defRPr sz="2400" b="0" i="0" u="none" strike="noStrike" cap="none">
+                <a:solidFill>
+                  <a:schemeClr val="lt1"/>
+                </a:solidFill>
+                <a:latin typeface="Montserrat"/>
+                <a:ea typeface="Montserrat"/>
+                <a:cs typeface="Montserrat"/>
+                <a:sym typeface="Montserrat"/>
+              </a:defRPr>
+            </a:lvl6pPr>
+            <a:lvl7pPr marR="0" lvl="6" algn="l" rtl="0">
+              <a:lnSpc>
+                <a:spcPct val="100000"/>
+              </a:lnSpc>
+              <a:spcBef>
+                <a:spcPts val="0"/>
+              </a:spcBef>
+              <a:spcAft>
+                <a:spcPts val="0"/>
+              </a:spcAft>
+              <a:buClr>
+                <a:schemeClr val="lt1"/>
+              </a:buClr>
+              <a:buSzPts val="2400"/>
+              <a:buFont typeface="Montserrat"/>
+              <a:buNone/>
+              <a:defRPr sz="2400" b="0" i="0" u="none" strike="noStrike" cap="none">
+                <a:solidFill>
+                  <a:schemeClr val="lt1"/>
+                </a:solidFill>
+                <a:latin typeface="Montserrat"/>
+                <a:ea typeface="Montserrat"/>
+                <a:cs typeface="Montserrat"/>
+                <a:sym typeface="Montserrat"/>
+              </a:defRPr>
+            </a:lvl7pPr>
+            <a:lvl8pPr marR="0" lvl="7" algn="l" rtl="0">
+              <a:lnSpc>
+                <a:spcPct val="100000"/>
+              </a:lnSpc>
+              <a:spcBef>
+                <a:spcPts val="0"/>
+              </a:spcBef>
+              <a:spcAft>
+                <a:spcPts val="0"/>
+              </a:spcAft>
+              <a:buClr>
+                <a:schemeClr val="lt1"/>
+              </a:buClr>
+              <a:buSzPts val="2400"/>
+              <a:buFont typeface="Montserrat"/>
+              <a:buNone/>
+              <a:defRPr sz="2400" b="0" i="0" u="none" strike="noStrike" cap="none">
+                <a:solidFill>
+                  <a:schemeClr val="lt1"/>
+                </a:solidFill>
+                <a:latin typeface="Montserrat"/>
+                <a:ea typeface="Montserrat"/>
+                <a:cs typeface="Montserrat"/>
+                <a:sym typeface="Montserrat"/>
+              </a:defRPr>
+            </a:lvl8pPr>
+            <a:lvl9pPr marR="0" lvl="8" algn="l" rtl="0">
+              <a:lnSpc>
+                <a:spcPct val="100000"/>
+              </a:lnSpc>
+              <a:spcBef>
+                <a:spcPts val="0"/>
+              </a:spcBef>
+              <a:spcAft>
+                <a:spcPts val="0"/>
+              </a:spcAft>
+              <a:buClr>
+                <a:schemeClr val="lt1"/>
+              </a:buClr>
+              <a:buSzPts val="2400"/>
+              <a:buFont typeface="Montserrat"/>
+              <a:buNone/>
+              <a:defRPr sz="2400" b="0" i="0" u="none" strike="noStrike" cap="none">
+                <a:solidFill>
+                  <a:schemeClr val="lt1"/>
+                </a:solidFill>
+                <a:latin typeface="Montserrat"/>
+                <a:ea typeface="Montserrat"/>
+                <a:cs typeface="Montserrat"/>
+                <a:sym typeface="Montserrat"/>
+              </a:defRPr>
+            </a:lvl9pPr>
+          </a:lstStyle>
+          <a:p>
+            <a:r>
+              <a:rPr lang="en-US" dirty="0"/>
+              <a:t>16</a:t>
+            </a:r>
+            <a:endParaRPr lang="ru-RU" dirty="0"/>
+          </a:p>
+        </p:txBody>
+      </p:sp>
     </p:spTree>
   </p:cSld>
   <p:clrMapOvr>
@@ -13161,6 +15171,293 @@
           </a:p>
         </p:txBody>
       </p:sp>
+      <p:sp>
+        <p:nvSpPr>
+          <p:cNvPr id="2" name="Google Shape;141;p14">
+            <a:extLst>
+              <a:ext uri="{FF2B5EF4-FFF2-40B4-BE49-F238E27FC236}">
+                <a16:creationId xmlns:a16="http://schemas.microsoft.com/office/drawing/2014/main" id="{8404D538-9B48-A241-FDDD-A399B8745DA0}"/>
+              </a:ext>
+            </a:extLst>
+          </p:cNvPr>
+          <p:cNvSpPr txBox="1">
+            <a:spLocks/>
+          </p:cNvSpPr>
+          <p:nvPr/>
+        </p:nvSpPr>
+        <p:spPr>
+          <a:xfrm>
+            <a:off x="8522678" y="0"/>
+            <a:ext cx="515816" cy="510681"/>
+          </a:xfrm>
+          <a:prstGeom prst="rect">
+            <a:avLst/>
+          </a:prstGeom>
+          <a:noFill/>
+          <a:ln>
+            <a:noFill/>
+          </a:ln>
+        </p:spPr>
+        <p:txBody>
+          <a:bodyPr spcFirstLastPara="1" wrap="square" lIns="91425" tIns="91425" rIns="91425" bIns="91425" anchor="t" anchorCtr="0">
+            <a:normAutofit fontScale="92500" lnSpcReduction="10000"/>
+          </a:bodyPr>
+          <a:lstStyle>
+            <a:defPPr marR="0" lvl="0" algn="l" rtl="0">
+              <a:lnSpc>
+                <a:spcPct val="100000"/>
+              </a:lnSpc>
+              <a:spcBef>
+                <a:spcPts val="0"/>
+              </a:spcBef>
+              <a:spcAft>
+                <a:spcPts val="0"/>
+              </a:spcAft>
+            </a:defPPr>
+            <a:lvl1pPr marR="0" lvl="0" algn="l" rtl="0">
+              <a:lnSpc>
+                <a:spcPct val="100000"/>
+              </a:lnSpc>
+              <a:spcBef>
+                <a:spcPts val="0"/>
+              </a:spcBef>
+              <a:spcAft>
+                <a:spcPts val="0"/>
+              </a:spcAft>
+              <a:buClr>
+                <a:schemeClr val="lt1"/>
+              </a:buClr>
+              <a:buSzPts val="2400"/>
+              <a:buFont typeface="Montserrat"/>
+              <a:buNone/>
+              <a:defRPr sz="2400" b="0" i="0" u="none" strike="noStrike" cap="none">
+                <a:solidFill>
+                  <a:schemeClr val="lt1"/>
+                </a:solidFill>
+                <a:latin typeface="Montserrat"/>
+                <a:ea typeface="Montserrat"/>
+                <a:cs typeface="Montserrat"/>
+                <a:sym typeface="Montserrat"/>
+              </a:defRPr>
+            </a:lvl1pPr>
+            <a:lvl2pPr marR="0" lvl="1" algn="l" rtl="0">
+              <a:lnSpc>
+                <a:spcPct val="100000"/>
+              </a:lnSpc>
+              <a:spcBef>
+                <a:spcPts val="0"/>
+              </a:spcBef>
+              <a:spcAft>
+                <a:spcPts val="0"/>
+              </a:spcAft>
+              <a:buClr>
+                <a:schemeClr val="lt1"/>
+              </a:buClr>
+              <a:buSzPts val="2400"/>
+              <a:buFont typeface="Montserrat"/>
+              <a:buNone/>
+              <a:defRPr sz="2400" b="0" i="0" u="none" strike="noStrike" cap="none">
+                <a:solidFill>
+                  <a:schemeClr val="lt1"/>
+                </a:solidFill>
+                <a:latin typeface="Montserrat"/>
+                <a:ea typeface="Montserrat"/>
+                <a:cs typeface="Montserrat"/>
+                <a:sym typeface="Montserrat"/>
+              </a:defRPr>
+            </a:lvl2pPr>
+            <a:lvl3pPr marR="0" lvl="2" algn="l" rtl="0">
+              <a:lnSpc>
+                <a:spcPct val="100000"/>
+              </a:lnSpc>
+              <a:spcBef>
+                <a:spcPts val="0"/>
+              </a:spcBef>
+              <a:spcAft>
+                <a:spcPts val="0"/>
+              </a:spcAft>
+              <a:buClr>
+                <a:schemeClr val="lt1"/>
+              </a:buClr>
+              <a:buSzPts val="2400"/>
+              <a:buFont typeface="Montserrat"/>
+              <a:buNone/>
+              <a:defRPr sz="2400" b="0" i="0" u="none" strike="noStrike" cap="none">
+                <a:solidFill>
+                  <a:schemeClr val="lt1"/>
+                </a:solidFill>
+                <a:latin typeface="Montserrat"/>
+                <a:ea typeface="Montserrat"/>
+                <a:cs typeface="Montserrat"/>
+                <a:sym typeface="Montserrat"/>
+              </a:defRPr>
+            </a:lvl3pPr>
+            <a:lvl4pPr marR="0" lvl="3" algn="l" rtl="0">
+              <a:lnSpc>
+                <a:spcPct val="100000"/>
+              </a:lnSpc>
+              <a:spcBef>
+                <a:spcPts val="0"/>
+              </a:spcBef>
+              <a:spcAft>
+                <a:spcPts val="0"/>
+              </a:spcAft>
+              <a:buClr>
+                <a:schemeClr val="lt1"/>
+              </a:buClr>
+              <a:buSzPts val="2400"/>
+              <a:buFont typeface="Montserrat"/>
+              <a:buNone/>
+              <a:defRPr sz="2400" b="0" i="0" u="none" strike="noStrike" cap="none">
+                <a:solidFill>
+                  <a:schemeClr val="lt1"/>
+                </a:solidFill>
+                <a:latin typeface="Montserrat"/>
+                <a:ea typeface="Montserrat"/>
+                <a:cs typeface="Montserrat"/>
+                <a:sym typeface="Montserrat"/>
+              </a:defRPr>
+            </a:lvl4pPr>
+            <a:lvl5pPr marR="0" lvl="4" algn="l" rtl="0">
+              <a:lnSpc>
+                <a:spcPct val="100000"/>
+              </a:lnSpc>
+              <a:spcBef>
+                <a:spcPts val="0"/>
+              </a:spcBef>
+              <a:spcAft>
+                <a:spcPts val="0"/>
+              </a:spcAft>
+              <a:buClr>
+                <a:schemeClr val="lt1"/>
+              </a:buClr>
+              <a:buSzPts val="2400"/>
+              <a:buFont typeface="Montserrat"/>
+              <a:buNone/>
+              <a:defRPr sz="2400" b="0" i="0" u="none" strike="noStrike" cap="none">
+                <a:solidFill>
+                  <a:schemeClr val="lt1"/>
+                </a:solidFill>
+                <a:latin typeface="Montserrat"/>
+                <a:ea typeface="Montserrat"/>
+                <a:cs typeface="Montserrat"/>
+                <a:sym typeface="Montserrat"/>
+              </a:defRPr>
+            </a:lvl5pPr>
+            <a:lvl6pPr marR="0" lvl="5" algn="l" rtl="0">
+              <a:lnSpc>
+                <a:spcPct val="100000"/>
+              </a:lnSpc>
+              <a:spcBef>
+                <a:spcPts val="0"/>
+              </a:spcBef>
+              <a:spcAft>
+                <a:spcPts val="0"/>
+              </a:spcAft>
+              <a:buClr>
+                <a:schemeClr val="lt1"/>
+              </a:buClr>
+              <a:buSzPts val="2400"/>
+              <a:buFont typeface="Montserrat"/>
+              <a:buNone/>
+              <a:defRPr sz="2400" b="0" i="0" u="none" strike="noStrike" cap="none">
+                <a:solidFill>
+                  <a:schemeClr val="lt1"/>
+                </a:solidFill>
+                <a:latin typeface="Montserrat"/>
+                <a:ea typeface="Montserrat"/>
+                <a:cs typeface="Montserrat"/>
+                <a:sym typeface="Montserrat"/>
+              </a:defRPr>
+            </a:lvl6pPr>
+            <a:lvl7pPr marR="0" lvl="6" algn="l" rtl="0">
+              <a:lnSpc>
+                <a:spcPct val="100000"/>
+              </a:lnSpc>
+              <a:spcBef>
+                <a:spcPts val="0"/>
+              </a:spcBef>
+              <a:spcAft>
+                <a:spcPts val="0"/>
+              </a:spcAft>
+              <a:buClr>
+                <a:schemeClr val="lt1"/>
+              </a:buClr>
+              <a:buSzPts val="2400"/>
+              <a:buFont typeface="Montserrat"/>
+              <a:buNone/>
+              <a:defRPr sz="2400" b="0" i="0" u="none" strike="noStrike" cap="none">
+                <a:solidFill>
+                  <a:schemeClr val="lt1"/>
+                </a:solidFill>
+                <a:latin typeface="Montserrat"/>
+                <a:ea typeface="Montserrat"/>
+                <a:cs typeface="Montserrat"/>
+                <a:sym typeface="Montserrat"/>
+              </a:defRPr>
+            </a:lvl7pPr>
+            <a:lvl8pPr marR="0" lvl="7" algn="l" rtl="0">
+              <a:lnSpc>
+                <a:spcPct val="100000"/>
+              </a:lnSpc>
+              <a:spcBef>
+                <a:spcPts val="0"/>
+              </a:spcBef>
+              <a:spcAft>
+                <a:spcPts val="0"/>
+              </a:spcAft>
+              <a:buClr>
+                <a:schemeClr val="lt1"/>
+              </a:buClr>
+              <a:buSzPts val="2400"/>
+              <a:buFont typeface="Montserrat"/>
+              <a:buNone/>
+              <a:defRPr sz="2400" b="0" i="0" u="none" strike="noStrike" cap="none">
+                <a:solidFill>
+                  <a:schemeClr val="lt1"/>
+                </a:solidFill>
+                <a:latin typeface="Montserrat"/>
+                <a:ea typeface="Montserrat"/>
+                <a:cs typeface="Montserrat"/>
+                <a:sym typeface="Montserrat"/>
+              </a:defRPr>
+            </a:lvl8pPr>
+            <a:lvl9pPr marR="0" lvl="8" algn="l" rtl="0">
+              <a:lnSpc>
+                <a:spcPct val="100000"/>
+              </a:lnSpc>
+              <a:spcBef>
+                <a:spcPts val="0"/>
+              </a:spcBef>
+              <a:spcAft>
+                <a:spcPts val="0"/>
+              </a:spcAft>
+              <a:buClr>
+                <a:schemeClr val="lt1"/>
+              </a:buClr>
+              <a:buSzPts val="2400"/>
+              <a:buFont typeface="Montserrat"/>
+              <a:buNone/>
+              <a:defRPr sz="2400" b="0" i="0" u="none" strike="noStrike" cap="none">
+                <a:solidFill>
+                  <a:schemeClr val="lt1"/>
+                </a:solidFill>
+                <a:latin typeface="Montserrat"/>
+                <a:ea typeface="Montserrat"/>
+                <a:cs typeface="Montserrat"/>
+                <a:sym typeface="Montserrat"/>
+              </a:defRPr>
+            </a:lvl9pPr>
+          </a:lstStyle>
+          <a:p>
+            <a:r>
+              <a:rPr lang="en-US" dirty="0"/>
+              <a:t>17</a:t>
+            </a:r>
+            <a:endParaRPr lang="ru-RU" dirty="0"/>
+          </a:p>
+        </p:txBody>
+      </p:sp>
     </p:spTree>
   </p:cSld>
   <p:clrMapOvr>
@@ -13338,8 +15635,8 @@
         </p:nvSpPr>
         <p:spPr>
           <a:xfrm>
-            <a:off x="5675150" y="1615575"/>
-            <a:ext cx="2024100" cy="466500"/>
+            <a:off x="5602406" y="1615575"/>
+            <a:ext cx="2096844" cy="466500"/>
           </a:xfrm>
           <a:prstGeom prst="rect">
             <a:avLst/>
@@ -13361,10 +15658,297 @@
               <a:buNone/>
             </a:pPr>
             <a:r>
-              <a:rPr lang="ru" sz="2200"/>
+              <a:rPr lang="ru" sz="2200" dirty="0"/>
               <a:t>Руководитель</a:t>
             </a:r>
-            <a:endParaRPr sz="2200"/>
+            <a:endParaRPr sz="2200" dirty="0"/>
+          </a:p>
+        </p:txBody>
+      </p:sp>
+      <p:sp>
+        <p:nvSpPr>
+          <p:cNvPr id="2" name="Google Shape;141;p14">
+            <a:extLst>
+              <a:ext uri="{FF2B5EF4-FFF2-40B4-BE49-F238E27FC236}">
+                <a16:creationId xmlns:a16="http://schemas.microsoft.com/office/drawing/2014/main" id="{468D0239-ECAB-E8A3-7D6E-1A922A62EB21}"/>
+              </a:ext>
+            </a:extLst>
+          </p:cNvPr>
+          <p:cNvSpPr txBox="1">
+            <a:spLocks/>
+          </p:cNvSpPr>
+          <p:nvPr/>
+        </p:nvSpPr>
+        <p:spPr>
+          <a:xfrm>
+            <a:off x="8522678" y="0"/>
+            <a:ext cx="515816" cy="510681"/>
+          </a:xfrm>
+          <a:prstGeom prst="rect">
+            <a:avLst/>
+          </a:prstGeom>
+          <a:noFill/>
+          <a:ln>
+            <a:noFill/>
+          </a:ln>
+        </p:spPr>
+        <p:txBody>
+          <a:bodyPr spcFirstLastPara="1" wrap="square" lIns="91425" tIns="91425" rIns="91425" bIns="91425" anchor="t" anchorCtr="0">
+            <a:normAutofit fontScale="92500" lnSpcReduction="10000"/>
+          </a:bodyPr>
+          <a:lstStyle>
+            <a:defPPr marR="0" lvl="0" algn="l" rtl="0">
+              <a:lnSpc>
+                <a:spcPct val="100000"/>
+              </a:lnSpc>
+              <a:spcBef>
+                <a:spcPts val="0"/>
+              </a:spcBef>
+              <a:spcAft>
+                <a:spcPts val="0"/>
+              </a:spcAft>
+            </a:defPPr>
+            <a:lvl1pPr marR="0" lvl="0" algn="l" rtl="0">
+              <a:lnSpc>
+                <a:spcPct val="100000"/>
+              </a:lnSpc>
+              <a:spcBef>
+                <a:spcPts val="0"/>
+              </a:spcBef>
+              <a:spcAft>
+                <a:spcPts val="0"/>
+              </a:spcAft>
+              <a:buClr>
+                <a:schemeClr val="lt1"/>
+              </a:buClr>
+              <a:buSzPts val="2400"/>
+              <a:buFont typeface="Montserrat"/>
+              <a:buNone/>
+              <a:defRPr sz="2400" b="0" i="0" u="none" strike="noStrike" cap="none">
+                <a:solidFill>
+                  <a:schemeClr val="lt1"/>
+                </a:solidFill>
+                <a:latin typeface="Montserrat"/>
+                <a:ea typeface="Montserrat"/>
+                <a:cs typeface="Montserrat"/>
+                <a:sym typeface="Montserrat"/>
+              </a:defRPr>
+            </a:lvl1pPr>
+            <a:lvl2pPr marR="0" lvl="1" algn="l" rtl="0">
+              <a:lnSpc>
+                <a:spcPct val="100000"/>
+              </a:lnSpc>
+              <a:spcBef>
+                <a:spcPts val="0"/>
+              </a:spcBef>
+              <a:spcAft>
+                <a:spcPts val="0"/>
+              </a:spcAft>
+              <a:buClr>
+                <a:schemeClr val="lt1"/>
+              </a:buClr>
+              <a:buSzPts val="2400"/>
+              <a:buFont typeface="Montserrat"/>
+              <a:buNone/>
+              <a:defRPr sz="2400" b="0" i="0" u="none" strike="noStrike" cap="none">
+                <a:solidFill>
+                  <a:schemeClr val="lt1"/>
+                </a:solidFill>
+                <a:latin typeface="Montserrat"/>
+                <a:ea typeface="Montserrat"/>
+                <a:cs typeface="Montserrat"/>
+                <a:sym typeface="Montserrat"/>
+              </a:defRPr>
+            </a:lvl2pPr>
+            <a:lvl3pPr marR="0" lvl="2" algn="l" rtl="0">
+              <a:lnSpc>
+                <a:spcPct val="100000"/>
+              </a:lnSpc>
+              <a:spcBef>
+                <a:spcPts val="0"/>
+              </a:spcBef>
+              <a:spcAft>
+                <a:spcPts val="0"/>
+              </a:spcAft>
+              <a:buClr>
+                <a:schemeClr val="lt1"/>
+              </a:buClr>
+              <a:buSzPts val="2400"/>
+              <a:buFont typeface="Montserrat"/>
+              <a:buNone/>
+              <a:defRPr sz="2400" b="0" i="0" u="none" strike="noStrike" cap="none">
+                <a:solidFill>
+                  <a:schemeClr val="lt1"/>
+                </a:solidFill>
+                <a:latin typeface="Montserrat"/>
+                <a:ea typeface="Montserrat"/>
+                <a:cs typeface="Montserrat"/>
+                <a:sym typeface="Montserrat"/>
+              </a:defRPr>
+            </a:lvl3pPr>
+            <a:lvl4pPr marR="0" lvl="3" algn="l" rtl="0">
+              <a:lnSpc>
+                <a:spcPct val="100000"/>
+              </a:lnSpc>
+              <a:spcBef>
+                <a:spcPts val="0"/>
+              </a:spcBef>
+              <a:spcAft>
+                <a:spcPts val="0"/>
+              </a:spcAft>
+              <a:buClr>
+                <a:schemeClr val="lt1"/>
+              </a:buClr>
+              <a:buSzPts val="2400"/>
+              <a:buFont typeface="Montserrat"/>
+              <a:buNone/>
+              <a:defRPr sz="2400" b="0" i="0" u="none" strike="noStrike" cap="none">
+                <a:solidFill>
+                  <a:schemeClr val="lt1"/>
+                </a:solidFill>
+                <a:latin typeface="Montserrat"/>
+                <a:ea typeface="Montserrat"/>
+                <a:cs typeface="Montserrat"/>
+                <a:sym typeface="Montserrat"/>
+              </a:defRPr>
+            </a:lvl4pPr>
+            <a:lvl5pPr marR="0" lvl="4" algn="l" rtl="0">
+              <a:lnSpc>
+                <a:spcPct val="100000"/>
+              </a:lnSpc>
+              <a:spcBef>
+                <a:spcPts val="0"/>
+              </a:spcBef>
+              <a:spcAft>
+                <a:spcPts val="0"/>
+              </a:spcAft>
+              <a:buClr>
+                <a:schemeClr val="lt1"/>
+              </a:buClr>
+              <a:buSzPts val="2400"/>
+              <a:buFont typeface="Montserrat"/>
+              <a:buNone/>
+              <a:defRPr sz="2400" b="0" i="0" u="none" strike="noStrike" cap="none">
+                <a:solidFill>
+                  <a:schemeClr val="lt1"/>
+                </a:solidFill>
+                <a:latin typeface="Montserrat"/>
+                <a:ea typeface="Montserrat"/>
+                <a:cs typeface="Montserrat"/>
+                <a:sym typeface="Montserrat"/>
+              </a:defRPr>
+            </a:lvl5pPr>
+            <a:lvl6pPr marR="0" lvl="5" algn="l" rtl="0">
+              <a:lnSpc>
+                <a:spcPct val="100000"/>
+              </a:lnSpc>
+              <a:spcBef>
+                <a:spcPts val="0"/>
+              </a:spcBef>
+              <a:spcAft>
+                <a:spcPts val="0"/>
+              </a:spcAft>
+              <a:buClr>
+                <a:schemeClr val="lt1"/>
+              </a:buClr>
+              <a:buSzPts val="2400"/>
+              <a:buFont typeface="Montserrat"/>
+              <a:buNone/>
+              <a:defRPr sz="2400" b="0" i="0" u="none" strike="noStrike" cap="none">
+                <a:solidFill>
+                  <a:schemeClr val="lt1"/>
+                </a:solidFill>
+                <a:latin typeface="Montserrat"/>
+                <a:ea typeface="Montserrat"/>
+                <a:cs typeface="Montserrat"/>
+                <a:sym typeface="Montserrat"/>
+              </a:defRPr>
+            </a:lvl6pPr>
+            <a:lvl7pPr marR="0" lvl="6" algn="l" rtl="0">
+              <a:lnSpc>
+                <a:spcPct val="100000"/>
+              </a:lnSpc>
+              <a:spcBef>
+                <a:spcPts val="0"/>
+              </a:spcBef>
+              <a:spcAft>
+                <a:spcPts val="0"/>
+              </a:spcAft>
+              <a:buClr>
+                <a:schemeClr val="lt1"/>
+              </a:buClr>
+              <a:buSzPts val="2400"/>
+              <a:buFont typeface="Montserrat"/>
+              <a:buNone/>
+              <a:defRPr sz="2400" b="0" i="0" u="none" strike="noStrike" cap="none">
+                <a:solidFill>
+                  <a:schemeClr val="lt1"/>
+                </a:solidFill>
+                <a:latin typeface="Montserrat"/>
+                <a:ea typeface="Montserrat"/>
+                <a:cs typeface="Montserrat"/>
+                <a:sym typeface="Montserrat"/>
+              </a:defRPr>
+            </a:lvl7pPr>
+            <a:lvl8pPr marR="0" lvl="7" algn="l" rtl="0">
+              <a:lnSpc>
+                <a:spcPct val="100000"/>
+              </a:lnSpc>
+              <a:spcBef>
+                <a:spcPts val="0"/>
+              </a:spcBef>
+              <a:spcAft>
+                <a:spcPts val="0"/>
+              </a:spcAft>
+              <a:buClr>
+                <a:schemeClr val="lt1"/>
+              </a:buClr>
+              <a:buSzPts val="2400"/>
+              <a:buFont typeface="Montserrat"/>
+              <a:buNone/>
+              <a:defRPr sz="2400" b="0" i="0" u="none" strike="noStrike" cap="none">
+                <a:solidFill>
+                  <a:schemeClr val="lt1"/>
+                </a:solidFill>
+                <a:latin typeface="Montserrat"/>
+                <a:ea typeface="Montserrat"/>
+                <a:cs typeface="Montserrat"/>
+                <a:sym typeface="Montserrat"/>
+              </a:defRPr>
+            </a:lvl8pPr>
+            <a:lvl9pPr marR="0" lvl="8" algn="l" rtl="0">
+              <a:lnSpc>
+                <a:spcPct val="100000"/>
+              </a:lnSpc>
+              <a:spcBef>
+                <a:spcPts val="0"/>
+              </a:spcBef>
+              <a:spcAft>
+                <a:spcPts val="0"/>
+              </a:spcAft>
+              <a:buClr>
+                <a:schemeClr val="lt1"/>
+              </a:buClr>
+              <a:buSzPts val="2400"/>
+              <a:buFont typeface="Montserrat"/>
+              <a:buNone/>
+              <a:defRPr sz="2400" b="0" i="0" u="none" strike="noStrike" cap="none">
+                <a:solidFill>
+                  <a:schemeClr val="lt1"/>
+                </a:solidFill>
+                <a:latin typeface="Montserrat"/>
+                <a:ea typeface="Montserrat"/>
+                <a:cs typeface="Montserrat"/>
+                <a:sym typeface="Montserrat"/>
+              </a:defRPr>
+            </a:lvl9pPr>
+          </a:lstStyle>
+          <a:p>
+            <a:r>
+              <a:rPr lang="en-US" dirty="0"/>
+              <a:t>18</a:t>
+            </a:r>
+            <a:endParaRPr lang="ru-RU" dirty="0"/>
           </a:p>
         </p:txBody>
       </p:sp>
@@ -13571,6 +16155,293 @@
           </a:p>
         </p:txBody>
       </p:sp>
+      <p:sp>
+        <p:nvSpPr>
+          <p:cNvPr id="2" name="Google Shape;141;p14">
+            <a:extLst>
+              <a:ext uri="{FF2B5EF4-FFF2-40B4-BE49-F238E27FC236}">
+                <a16:creationId xmlns:a16="http://schemas.microsoft.com/office/drawing/2014/main" id="{D2504499-0A86-96FF-0BE1-C2A69B3A46DB}"/>
+              </a:ext>
+            </a:extLst>
+          </p:cNvPr>
+          <p:cNvSpPr txBox="1">
+            <a:spLocks/>
+          </p:cNvSpPr>
+          <p:nvPr/>
+        </p:nvSpPr>
+        <p:spPr>
+          <a:xfrm>
+            <a:off x="8522678" y="0"/>
+            <a:ext cx="515816" cy="510681"/>
+          </a:xfrm>
+          <a:prstGeom prst="rect">
+            <a:avLst/>
+          </a:prstGeom>
+          <a:noFill/>
+          <a:ln>
+            <a:noFill/>
+          </a:ln>
+        </p:spPr>
+        <p:txBody>
+          <a:bodyPr spcFirstLastPara="1" wrap="square" lIns="91425" tIns="91425" rIns="91425" bIns="91425" anchor="t" anchorCtr="0">
+            <a:normAutofit fontScale="92500" lnSpcReduction="10000"/>
+          </a:bodyPr>
+          <a:lstStyle>
+            <a:defPPr marR="0" lvl="0" algn="l" rtl="0">
+              <a:lnSpc>
+                <a:spcPct val="100000"/>
+              </a:lnSpc>
+              <a:spcBef>
+                <a:spcPts val="0"/>
+              </a:spcBef>
+              <a:spcAft>
+                <a:spcPts val="0"/>
+              </a:spcAft>
+            </a:defPPr>
+            <a:lvl1pPr marR="0" lvl="0" algn="l" rtl="0">
+              <a:lnSpc>
+                <a:spcPct val="100000"/>
+              </a:lnSpc>
+              <a:spcBef>
+                <a:spcPts val="0"/>
+              </a:spcBef>
+              <a:spcAft>
+                <a:spcPts val="0"/>
+              </a:spcAft>
+              <a:buClr>
+                <a:schemeClr val="lt1"/>
+              </a:buClr>
+              <a:buSzPts val="2400"/>
+              <a:buFont typeface="Montserrat"/>
+              <a:buNone/>
+              <a:defRPr sz="2400" b="0" i="0" u="none" strike="noStrike" cap="none">
+                <a:solidFill>
+                  <a:schemeClr val="lt1"/>
+                </a:solidFill>
+                <a:latin typeface="Montserrat"/>
+                <a:ea typeface="Montserrat"/>
+                <a:cs typeface="Montserrat"/>
+                <a:sym typeface="Montserrat"/>
+              </a:defRPr>
+            </a:lvl1pPr>
+            <a:lvl2pPr marR="0" lvl="1" algn="l" rtl="0">
+              <a:lnSpc>
+                <a:spcPct val="100000"/>
+              </a:lnSpc>
+              <a:spcBef>
+                <a:spcPts val="0"/>
+              </a:spcBef>
+              <a:spcAft>
+                <a:spcPts val="0"/>
+              </a:spcAft>
+              <a:buClr>
+                <a:schemeClr val="lt1"/>
+              </a:buClr>
+              <a:buSzPts val="2400"/>
+              <a:buFont typeface="Montserrat"/>
+              <a:buNone/>
+              <a:defRPr sz="2400" b="0" i="0" u="none" strike="noStrike" cap="none">
+                <a:solidFill>
+                  <a:schemeClr val="lt1"/>
+                </a:solidFill>
+                <a:latin typeface="Montserrat"/>
+                <a:ea typeface="Montserrat"/>
+                <a:cs typeface="Montserrat"/>
+                <a:sym typeface="Montserrat"/>
+              </a:defRPr>
+            </a:lvl2pPr>
+            <a:lvl3pPr marR="0" lvl="2" algn="l" rtl="0">
+              <a:lnSpc>
+                <a:spcPct val="100000"/>
+              </a:lnSpc>
+              <a:spcBef>
+                <a:spcPts val="0"/>
+              </a:spcBef>
+              <a:spcAft>
+                <a:spcPts val="0"/>
+              </a:spcAft>
+              <a:buClr>
+                <a:schemeClr val="lt1"/>
+              </a:buClr>
+              <a:buSzPts val="2400"/>
+              <a:buFont typeface="Montserrat"/>
+              <a:buNone/>
+              <a:defRPr sz="2400" b="0" i="0" u="none" strike="noStrike" cap="none">
+                <a:solidFill>
+                  <a:schemeClr val="lt1"/>
+                </a:solidFill>
+                <a:latin typeface="Montserrat"/>
+                <a:ea typeface="Montserrat"/>
+                <a:cs typeface="Montserrat"/>
+                <a:sym typeface="Montserrat"/>
+              </a:defRPr>
+            </a:lvl3pPr>
+            <a:lvl4pPr marR="0" lvl="3" algn="l" rtl="0">
+              <a:lnSpc>
+                <a:spcPct val="100000"/>
+              </a:lnSpc>
+              <a:spcBef>
+                <a:spcPts val="0"/>
+              </a:spcBef>
+              <a:spcAft>
+                <a:spcPts val="0"/>
+              </a:spcAft>
+              <a:buClr>
+                <a:schemeClr val="lt1"/>
+              </a:buClr>
+              <a:buSzPts val="2400"/>
+              <a:buFont typeface="Montserrat"/>
+              <a:buNone/>
+              <a:defRPr sz="2400" b="0" i="0" u="none" strike="noStrike" cap="none">
+                <a:solidFill>
+                  <a:schemeClr val="lt1"/>
+                </a:solidFill>
+                <a:latin typeface="Montserrat"/>
+                <a:ea typeface="Montserrat"/>
+                <a:cs typeface="Montserrat"/>
+                <a:sym typeface="Montserrat"/>
+              </a:defRPr>
+            </a:lvl4pPr>
+            <a:lvl5pPr marR="0" lvl="4" algn="l" rtl="0">
+              <a:lnSpc>
+                <a:spcPct val="100000"/>
+              </a:lnSpc>
+              <a:spcBef>
+                <a:spcPts val="0"/>
+              </a:spcBef>
+              <a:spcAft>
+                <a:spcPts val="0"/>
+              </a:spcAft>
+              <a:buClr>
+                <a:schemeClr val="lt1"/>
+              </a:buClr>
+              <a:buSzPts val="2400"/>
+              <a:buFont typeface="Montserrat"/>
+              <a:buNone/>
+              <a:defRPr sz="2400" b="0" i="0" u="none" strike="noStrike" cap="none">
+                <a:solidFill>
+                  <a:schemeClr val="lt1"/>
+                </a:solidFill>
+                <a:latin typeface="Montserrat"/>
+                <a:ea typeface="Montserrat"/>
+                <a:cs typeface="Montserrat"/>
+                <a:sym typeface="Montserrat"/>
+              </a:defRPr>
+            </a:lvl5pPr>
+            <a:lvl6pPr marR="0" lvl="5" algn="l" rtl="0">
+              <a:lnSpc>
+                <a:spcPct val="100000"/>
+              </a:lnSpc>
+              <a:spcBef>
+                <a:spcPts val="0"/>
+              </a:spcBef>
+              <a:spcAft>
+                <a:spcPts val="0"/>
+              </a:spcAft>
+              <a:buClr>
+                <a:schemeClr val="lt1"/>
+              </a:buClr>
+              <a:buSzPts val="2400"/>
+              <a:buFont typeface="Montserrat"/>
+              <a:buNone/>
+              <a:defRPr sz="2400" b="0" i="0" u="none" strike="noStrike" cap="none">
+                <a:solidFill>
+                  <a:schemeClr val="lt1"/>
+                </a:solidFill>
+                <a:latin typeface="Montserrat"/>
+                <a:ea typeface="Montserrat"/>
+                <a:cs typeface="Montserrat"/>
+                <a:sym typeface="Montserrat"/>
+              </a:defRPr>
+            </a:lvl6pPr>
+            <a:lvl7pPr marR="0" lvl="6" algn="l" rtl="0">
+              <a:lnSpc>
+                <a:spcPct val="100000"/>
+              </a:lnSpc>
+              <a:spcBef>
+                <a:spcPts val="0"/>
+              </a:spcBef>
+              <a:spcAft>
+                <a:spcPts val="0"/>
+              </a:spcAft>
+              <a:buClr>
+                <a:schemeClr val="lt1"/>
+              </a:buClr>
+              <a:buSzPts val="2400"/>
+              <a:buFont typeface="Montserrat"/>
+              <a:buNone/>
+              <a:defRPr sz="2400" b="0" i="0" u="none" strike="noStrike" cap="none">
+                <a:solidFill>
+                  <a:schemeClr val="lt1"/>
+                </a:solidFill>
+                <a:latin typeface="Montserrat"/>
+                <a:ea typeface="Montserrat"/>
+                <a:cs typeface="Montserrat"/>
+                <a:sym typeface="Montserrat"/>
+              </a:defRPr>
+            </a:lvl7pPr>
+            <a:lvl8pPr marR="0" lvl="7" algn="l" rtl="0">
+              <a:lnSpc>
+                <a:spcPct val="100000"/>
+              </a:lnSpc>
+              <a:spcBef>
+                <a:spcPts val="0"/>
+              </a:spcBef>
+              <a:spcAft>
+                <a:spcPts val="0"/>
+              </a:spcAft>
+              <a:buClr>
+                <a:schemeClr val="lt1"/>
+              </a:buClr>
+              <a:buSzPts val="2400"/>
+              <a:buFont typeface="Montserrat"/>
+              <a:buNone/>
+              <a:defRPr sz="2400" b="0" i="0" u="none" strike="noStrike" cap="none">
+                <a:solidFill>
+                  <a:schemeClr val="lt1"/>
+                </a:solidFill>
+                <a:latin typeface="Montserrat"/>
+                <a:ea typeface="Montserrat"/>
+                <a:cs typeface="Montserrat"/>
+                <a:sym typeface="Montserrat"/>
+              </a:defRPr>
+            </a:lvl8pPr>
+            <a:lvl9pPr marR="0" lvl="8" algn="l" rtl="0">
+              <a:lnSpc>
+                <a:spcPct val="100000"/>
+              </a:lnSpc>
+              <a:spcBef>
+                <a:spcPts val="0"/>
+              </a:spcBef>
+              <a:spcAft>
+                <a:spcPts val="0"/>
+              </a:spcAft>
+              <a:buClr>
+                <a:schemeClr val="lt1"/>
+              </a:buClr>
+              <a:buSzPts val="2400"/>
+              <a:buFont typeface="Montserrat"/>
+              <a:buNone/>
+              <a:defRPr sz="2400" b="0" i="0" u="none" strike="noStrike" cap="none">
+                <a:solidFill>
+                  <a:schemeClr val="lt1"/>
+                </a:solidFill>
+                <a:latin typeface="Montserrat"/>
+                <a:ea typeface="Montserrat"/>
+                <a:cs typeface="Montserrat"/>
+                <a:sym typeface="Montserrat"/>
+              </a:defRPr>
+            </a:lvl9pPr>
+          </a:lstStyle>
+          <a:p>
+            <a:r>
+              <a:rPr lang="en-US" dirty="0"/>
+              <a:t>19</a:t>
+            </a:r>
+            <a:endParaRPr lang="ru-RU" dirty="0"/>
+          </a:p>
+        </p:txBody>
+      </p:sp>
     </p:spTree>
   </p:cSld>
   <p:clrMapOvr>
@@ -13631,10 +16502,10 @@
               <a:buNone/>
             </a:pPr>
             <a:r>
-              <a:rPr lang="ru"/>
+              <a:rPr lang="ru" dirty="0"/>
               <a:t>Введение</a:t>
             </a:r>
-            <a:endParaRPr/>
+            <a:endParaRPr dirty="0"/>
           </a:p>
         </p:txBody>
       </p:sp>
@@ -13680,6 +16551,293 @@
           </a:p>
         </p:txBody>
       </p:sp>
+      <p:sp>
+        <p:nvSpPr>
+          <p:cNvPr id="2" name="Google Shape;141;p14">
+            <a:extLst>
+              <a:ext uri="{FF2B5EF4-FFF2-40B4-BE49-F238E27FC236}">
+                <a16:creationId xmlns:a16="http://schemas.microsoft.com/office/drawing/2014/main" id="{F66E10B4-4BA5-F35B-33C8-CAED5FF1B132}"/>
+              </a:ext>
+            </a:extLst>
+          </p:cNvPr>
+          <p:cNvSpPr txBox="1">
+            <a:spLocks/>
+          </p:cNvSpPr>
+          <p:nvPr/>
+        </p:nvSpPr>
+        <p:spPr>
+          <a:xfrm>
+            <a:off x="8718208" y="0"/>
+            <a:ext cx="320285" cy="510681"/>
+          </a:xfrm>
+          <a:prstGeom prst="rect">
+            <a:avLst/>
+          </a:prstGeom>
+          <a:noFill/>
+          <a:ln>
+            <a:noFill/>
+          </a:ln>
+        </p:spPr>
+        <p:txBody>
+          <a:bodyPr spcFirstLastPara="1" wrap="square" lIns="91425" tIns="91425" rIns="91425" bIns="91425" anchor="t" anchorCtr="0">
+            <a:normAutofit fontScale="92500" lnSpcReduction="10000"/>
+          </a:bodyPr>
+          <a:lstStyle>
+            <a:defPPr marR="0" lvl="0" algn="l" rtl="0">
+              <a:lnSpc>
+                <a:spcPct val="100000"/>
+              </a:lnSpc>
+              <a:spcBef>
+                <a:spcPts val="0"/>
+              </a:spcBef>
+              <a:spcAft>
+                <a:spcPts val="0"/>
+              </a:spcAft>
+            </a:defPPr>
+            <a:lvl1pPr marR="0" lvl="0" algn="l" rtl="0">
+              <a:lnSpc>
+                <a:spcPct val="100000"/>
+              </a:lnSpc>
+              <a:spcBef>
+                <a:spcPts val="0"/>
+              </a:spcBef>
+              <a:spcAft>
+                <a:spcPts val="0"/>
+              </a:spcAft>
+              <a:buClr>
+                <a:schemeClr val="lt1"/>
+              </a:buClr>
+              <a:buSzPts val="2400"/>
+              <a:buFont typeface="Montserrat"/>
+              <a:buNone/>
+              <a:defRPr sz="2400" b="0" i="0" u="none" strike="noStrike" cap="none">
+                <a:solidFill>
+                  <a:schemeClr val="lt1"/>
+                </a:solidFill>
+                <a:latin typeface="Montserrat"/>
+                <a:ea typeface="Montserrat"/>
+                <a:cs typeface="Montserrat"/>
+                <a:sym typeface="Montserrat"/>
+              </a:defRPr>
+            </a:lvl1pPr>
+            <a:lvl2pPr marR="0" lvl="1" algn="l" rtl="0">
+              <a:lnSpc>
+                <a:spcPct val="100000"/>
+              </a:lnSpc>
+              <a:spcBef>
+                <a:spcPts val="0"/>
+              </a:spcBef>
+              <a:spcAft>
+                <a:spcPts val="0"/>
+              </a:spcAft>
+              <a:buClr>
+                <a:schemeClr val="lt1"/>
+              </a:buClr>
+              <a:buSzPts val="2400"/>
+              <a:buFont typeface="Montserrat"/>
+              <a:buNone/>
+              <a:defRPr sz="2400" b="0" i="0" u="none" strike="noStrike" cap="none">
+                <a:solidFill>
+                  <a:schemeClr val="lt1"/>
+                </a:solidFill>
+                <a:latin typeface="Montserrat"/>
+                <a:ea typeface="Montserrat"/>
+                <a:cs typeface="Montserrat"/>
+                <a:sym typeface="Montserrat"/>
+              </a:defRPr>
+            </a:lvl2pPr>
+            <a:lvl3pPr marR="0" lvl="2" algn="l" rtl="0">
+              <a:lnSpc>
+                <a:spcPct val="100000"/>
+              </a:lnSpc>
+              <a:spcBef>
+                <a:spcPts val="0"/>
+              </a:spcBef>
+              <a:spcAft>
+                <a:spcPts val="0"/>
+              </a:spcAft>
+              <a:buClr>
+                <a:schemeClr val="lt1"/>
+              </a:buClr>
+              <a:buSzPts val="2400"/>
+              <a:buFont typeface="Montserrat"/>
+              <a:buNone/>
+              <a:defRPr sz="2400" b="0" i="0" u="none" strike="noStrike" cap="none">
+                <a:solidFill>
+                  <a:schemeClr val="lt1"/>
+                </a:solidFill>
+                <a:latin typeface="Montserrat"/>
+                <a:ea typeface="Montserrat"/>
+                <a:cs typeface="Montserrat"/>
+                <a:sym typeface="Montserrat"/>
+              </a:defRPr>
+            </a:lvl3pPr>
+            <a:lvl4pPr marR="0" lvl="3" algn="l" rtl="0">
+              <a:lnSpc>
+                <a:spcPct val="100000"/>
+              </a:lnSpc>
+              <a:spcBef>
+                <a:spcPts val="0"/>
+              </a:spcBef>
+              <a:spcAft>
+                <a:spcPts val="0"/>
+              </a:spcAft>
+              <a:buClr>
+                <a:schemeClr val="lt1"/>
+              </a:buClr>
+              <a:buSzPts val="2400"/>
+              <a:buFont typeface="Montserrat"/>
+              <a:buNone/>
+              <a:defRPr sz="2400" b="0" i="0" u="none" strike="noStrike" cap="none">
+                <a:solidFill>
+                  <a:schemeClr val="lt1"/>
+                </a:solidFill>
+                <a:latin typeface="Montserrat"/>
+                <a:ea typeface="Montserrat"/>
+                <a:cs typeface="Montserrat"/>
+                <a:sym typeface="Montserrat"/>
+              </a:defRPr>
+            </a:lvl4pPr>
+            <a:lvl5pPr marR="0" lvl="4" algn="l" rtl="0">
+              <a:lnSpc>
+                <a:spcPct val="100000"/>
+              </a:lnSpc>
+              <a:spcBef>
+                <a:spcPts val="0"/>
+              </a:spcBef>
+              <a:spcAft>
+                <a:spcPts val="0"/>
+              </a:spcAft>
+              <a:buClr>
+                <a:schemeClr val="lt1"/>
+              </a:buClr>
+              <a:buSzPts val="2400"/>
+              <a:buFont typeface="Montserrat"/>
+              <a:buNone/>
+              <a:defRPr sz="2400" b="0" i="0" u="none" strike="noStrike" cap="none">
+                <a:solidFill>
+                  <a:schemeClr val="lt1"/>
+                </a:solidFill>
+                <a:latin typeface="Montserrat"/>
+                <a:ea typeface="Montserrat"/>
+                <a:cs typeface="Montserrat"/>
+                <a:sym typeface="Montserrat"/>
+              </a:defRPr>
+            </a:lvl5pPr>
+            <a:lvl6pPr marR="0" lvl="5" algn="l" rtl="0">
+              <a:lnSpc>
+                <a:spcPct val="100000"/>
+              </a:lnSpc>
+              <a:spcBef>
+                <a:spcPts val="0"/>
+              </a:spcBef>
+              <a:spcAft>
+                <a:spcPts val="0"/>
+              </a:spcAft>
+              <a:buClr>
+                <a:schemeClr val="lt1"/>
+              </a:buClr>
+              <a:buSzPts val="2400"/>
+              <a:buFont typeface="Montserrat"/>
+              <a:buNone/>
+              <a:defRPr sz="2400" b="0" i="0" u="none" strike="noStrike" cap="none">
+                <a:solidFill>
+                  <a:schemeClr val="lt1"/>
+                </a:solidFill>
+                <a:latin typeface="Montserrat"/>
+                <a:ea typeface="Montserrat"/>
+                <a:cs typeface="Montserrat"/>
+                <a:sym typeface="Montserrat"/>
+              </a:defRPr>
+            </a:lvl6pPr>
+            <a:lvl7pPr marR="0" lvl="6" algn="l" rtl="0">
+              <a:lnSpc>
+                <a:spcPct val="100000"/>
+              </a:lnSpc>
+              <a:spcBef>
+                <a:spcPts val="0"/>
+              </a:spcBef>
+              <a:spcAft>
+                <a:spcPts val="0"/>
+              </a:spcAft>
+              <a:buClr>
+                <a:schemeClr val="lt1"/>
+              </a:buClr>
+              <a:buSzPts val="2400"/>
+              <a:buFont typeface="Montserrat"/>
+              <a:buNone/>
+              <a:defRPr sz="2400" b="0" i="0" u="none" strike="noStrike" cap="none">
+                <a:solidFill>
+                  <a:schemeClr val="lt1"/>
+                </a:solidFill>
+                <a:latin typeface="Montserrat"/>
+                <a:ea typeface="Montserrat"/>
+                <a:cs typeface="Montserrat"/>
+                <a:sym typeface="Montserrat"/>
+              </a:defRPr>
+            </a:lvl7pPr>
+            <a:lvl8pPr marR="0" lvl="7" algn="l" rtl="0">
+              <a:lnSpc>
+                <a:spcPct val="100000"/>
+              </a:lnSpc>
+              <a:spcBef>
+                <a:spcPts val="0"/>
+              </a:spcBef>
+              <a:spcAft>
+                <a:spcPts val="0"/>
+              </a:spcAft>
+              <a:buClr>
+                <a:schemeClr val="lt1"/>
+              </a:buClr>
+              <a:buSzPts val="2400"/>
+              <a:buFont typeface="Montserrat"/>
+              <a:buNone/>
+              <a:defRPr sz="2400" b="0" i="0" u="none" strike="noStrike" cap="none">
+                <a:solidFill>
+                  <a:schemeClr val="lt1"/>
+                </a:solidFill>
+                <a:latin typeface="Montserrat"/>
+                <a:ea typeface="Montserrat"/>
+                <a:cs typeface="Montserrat"/>
+                <a:sym typeface="Montserrat"/>
+              </a:defRPr>
+            </a:lvl8pPr>
+            <a:lvl9pPr marR="0" lvl="8" algn="l" rtl="0">
+              <a:lnSpc>
+                <a:spcPct val="100000"/>
+              </a:lnSpc>
+              <a:spcBef>
+                <a:spcPts val="0"/>
+              </a:spcBef>
+              <a:spcAft>
+                <a:spcPts val="0"/>
+              </a:spcAft>
+              <a:buClr>
+                <a:schemeClr val="lt1"/>
+              </a:buClr>
+              <a:buSzPts val="2400"/>
+              <a:buFont typeface="Montserrat"/>
+              <a:buNone/>
+              <a:defRPr sz="2400" b="0" i="0" u="none" strike="noStrike" cap="none">
+                <a:solidFill>
+                  <a:schemeClr val="lt1"/>
+                </a:solidFill>
+                <a:latin typeface="Montserrat"/>
+                <a:ea typeface="Montserrat"/>
+                <a:cs typeface="Montserrat"/>
+                <a:sym typeface="Montserrat"/>
+              </a:defRPr>
+            </a:lvl9pPr>
+          </a:lstStyle>
+          <a:p>
+            <a:r>
+              <a:rPr lang="en-US" dirty="0"/>
+              <a:t>2</a:t>
+            </a:r>
+            <a:endParaRPr lang="ru-RU" dirty="0"/>
+          </a:p>
+        </p:txBody>
+      </p:sp>
     </p:spTree>
   </p:cSld>
   <p:clrMapOvr>
@@ -13689,6 +16847,101 @@
 </file>
 
 <file path=ppt/slides/slide20.xml><?xml version="1.0" encoding="utf-8"?>
+<p:sld xmlns:a="http://schemas.openxmlformats.org/drawingml/2006/main" xmlns:r="http://schemas.openxmlformats.org/officeDocument/2006/relationships" xmlns:p="http://schemas.openxmlformats.org/presentationml/2006/main">
+  <p:cSld>
+    <p:spTree>
+      <p:nvGrpSpPr>
+        <p:cNvPr id="1" name=""/>
+        <p:cNvGrpSpPr/>
+        <p:nvPr/>
+      </p:nvGrpSpPr>
+      <p:grpSpPr>
+        <a:xfrm>
+          <a:off x="0" y="0"/>
+          <a:ext cx="0" cy="0"/>
+          <a:chOff x="0" y="0"/>
+          <a:chExt cx="0" cy="0"/>
+        </a:xfrm>
+      </p:grpSpPr>
+      <p:sp>
+        <p:nvSpPr>
+          <p:cNvPr id="2" name="Заголовок 1">
+            <a:extLst>
+              <a:ext uri="{FF2B5EF4-FFF2-40B4-BE49-F238E27FC236}">
+                <a16:creationId xmlns:a16="http://schemas.microsoft.com/office/drawing/2014/main" id="{5B58AA95-8707-0BEF-9AAB-87FE336A72A6}"/>
+              </a:ext>
+            </a:extLst>
+          </p:cNvPr>
+          <p:cNvSpPr>
+            <a:spLocks noGrp="1"/>
+          </p:cNvSpPr>
+          <p:nvPr>
+            <p:ph type="title"/>
+          </p:nvPr>
+        </p:nvSpPr>
+        <p:spPr>
+          <a:xfrm>
+            <a:off x="3423257" y="103128"/>
+            <a:ext cx="2297485" cy="575378"/>
+          </a:xfrm>
+        </p:spPr>
+        <p:txBody>
+          <a:bodyPr>
+            <a:normAutofit/>
+          </a:bodyPr>
+          <a:lstStyle/>
+          <a:p>
+            <a:r>
+              <a:rPr lang="ru-RU" sz="2200" dirty="0"/>
+              <a:t>База данных</a:t>
+            </a:r>
+          </a:p>
+        </p:txBody>
+      </p:sp>
+      <p:pic>
+        <p:nvPicPr>
+          <p:cNvPr id="3" name="Рисунок 2">
+            <a:extLst>
+              <a:ext uri="{FF2B5EF4-FFF2-40B4-BE49-F238E27FC236}">
+                <a16:creationId xmlns:a16="http://schemas.microsoft.com/office/drawing/2014/main" id="{C55B0300-2698-0425-07D2-5025397764D9}"/>
+              </a:ext>
+            </a:extLst>
+          </p:cNvPr>
+          <p:cNvPicPr>
+            <a:picLocks noChangeAspect="1"/>
+          </p:cNvPicPr>
+          <p:nvPr/>
+        </p:nvPicPr>
+        <p:blipFill>
+          <a:blip r:embed="rId2"/>
+          <a:stretch>
+            <a:fillRect/>
+          </a:stretch>
+        </p:blipFill>
+        <p:spPr>
+          <a:xfrm>
+            <a:off x="1347259" y="682235"/>
+            <a:ext cx="6106893" cy="4311796"/>
+          </a:xfrm>
+          <a:prstGeom prst="rect">
+            <a:avLst/>
+          </a:prstGeom>
+        </p:spPr>
+      </p:pic>
+    </p:spTree>
+    <p:extLst>
+      <p:ext uri="{BB962C8B-B14F-4D97-AF65-F5344CB8AC3E}">
+        <p14:creationId xmlns:p14="http://schemas.microsoft.com/office/powerpoint/2010/main" val="2659489260"/>
+      </p:ext>
+    </p:extLst>
+  </p:cSld>
+  <p:clrMapOvr>
+    <a:masterClrMapping/>
+  </p:clrMapOvr>
+</p:sld>
+</file>
+
+<file path=ppt/slides/slide21.xml><?xml version="1.0" encoding="utf-8"?>
 <p:sld xmlns:a="http://schemas.openxmlformats.org/drawingml/2006/main" xmlns:r="http://schemas.openxmlformats.org/officeDocument/2006/relationships" xmlns:p="http://schemas.openxmlformats.org/presentationml/2006/main">
   <p:cSld>
     <p:spTree>
@@ -13740,10 +16993,10 @@
               <a:buNone/>
             </a:pPr>
             <a:r>
-              <a:rPr lang="ru"/>
+              <a:rPr lang="ru" dirty="0"/>
               <a:t>Возможности дальнейшего развития:</a:t>
             </a:r>
-            <a:endParaRPr/>
+            <a:endParaRPr dirty="0"/>
           </a:p>
         </p:txBody>
       </p:sp>
@@ -13783,7 +17036,7 @@
               <a:buChar char="-"/>
             </a:pPr>
             <a:r>
-              <a:rPr lang="ru" sz="1200">
+              <a:rPr lang="ru" sz="1200" dirty="0">
                 <a:latin typeface="Times New Roman"/>
                 <a:ea typeface="Times New Roman"/>
                 <a:cs typeface="Times New Roman"/>
@@ -13791,7 +17044,7 @@
               </a:rPr>
               <a:t>Добавить качественный фон</a:t>
             </a:r>
-            <a:endParaRPr sz="1200">
+            <a:endParaRPr sz="1200" dirty="0">
               <a:latin typeface="Times New Roman"/>
               <a:ea typeface="Times New Roman"/>
               <a:cs typeface="Times New Roman"/>
@@ -13810,7 +17063,7 @@
               <a:buChar char="-"/>
             </a:pPr>
             <a:r>
-              <a:rPr lang="ru" sz="1200">
+              <a:rPr lang="ru" sz="1200" dirty="0">
                 <a:latin typeface="Times New Roman"/>
                 <a:ea typeface="Times New Roman"/>
                 <a:cs typeface="Times New Roman"/>
@@ -13818,7 +17071,7 @@
               </a:rPr>
               <a:t>Добавить фотографии каждого менеджера и руководителя</a:t>
             </a:r>
-            <a:endParaRPr sz="1200">
+            <a:endParaRPr sz="1200" dirty="0">
               <a:latin typeface="Times New Roman"/>
               <a:ea typeface="Times New Roman"/>
               <a:cs typeface="Times New Roman"/>
@@ -13837,7 +17090,7 @@
               <a:buChar char="-"/>
             </a:pPr>
             <a:r>
-              <a:rPr lang="ru" sz="1200">
+              <a:rPr lang="ru" sz="1200" dirty="0">
                 <a:latin typeface="Times New Roman"/>
                 <a:ea typeface="Times New Roman"/>
                 <a:cs typeface="Times New Roman"/>
@@ -13845,7 +17098,7 @@
               </a:rPr>
               <a:t>Добавить портфолио</a:t>
             </a:r>
-            <a:endParaRPr sz="1200">
+            <a:endParaRPr sz="1200" dirty="0">
               <a:latin typeface="Times New Roman"/>
               <a:ea typeface="Times New Roman"/>
               <a:cs typeface="Times New Roman"/>
@@ -13864,7 +17117,7 @@
               <a:buChar char="-"/>
             </a:pPr>
             <a:r>
-              <a:rPr lang="ru" sz="1200">
+              <a:rPr lang="ru" sz="1200" dirty="0">
                 <a:latin typeface="Times New Roman"/>
                 <a:ea typeface="Times New Roman"/>
                 <a:cs typeface="Times New Roman"/>
@@ -13872,7 +17125,294 @@
               </a:rPr>
               <a:t>Добавить какую-либо иную информацию о себе (возможно хобби или знание английского языка)</a:t>
             </a:r>
-            <a:endParaRPr/>
+            <a:endParaRPr dirty="0"/>
+          </a:p>
+        </p:txBody>
+      </p:sp>
+      <p:sp>
+        <p:nvSpPr>
+          <p:cNvPr id="2" name="Google Shape;141;p14">
+            <a:extLst>
+              <a:ext uri="{FF2B5EF4-FFF2-40B4-BE49-F238E27FC236}">
+                <a16:creationId xmlns:a16="http://schemas.microsoft.com/office/drawing/2014/main" id="{9CFAB533-5185-6F86-533B-518C56E31178}"/>
+              </a:ext>
+            </a:extLst>
+          </p:cNvPr>
+          <p:cNvSpPr txBox="1">
+            <a:spLocks/>
+          </p:cNvSpPr>
+          <p:nvPr/>
+        </p:nvSpPr>
+        <p:spPr>
+          <a:xfrm>
+            <a:off x="8487508" y="0"/>
+            <a:ext cx="550986" cy="510681"/>
+          </a:xfrm>
+          <a:prstGeom prst="rect">
+            <a:avLst/>
+          </a:prstGeom>
+          <a:noFill/>
+          <a:ln>
+            <a:noFill/>
+          </a:ln>
+        </p:spPr>
+        <p:txBody>
+          <a:bodyPr spcFirstLastPara="1" wrap="square" lIns="91425" tIns="91425" rIns="91425" bIns="91425" anchor="t" anchorCtr="0">
+            <a:normAutofit fontScale="92500" lnSpcReduction="10000"/>
+          </a:bodyPr>
+          <a:lstStyle>
+            <a:defPPr marR="0" lvl="0" algn="l" rtl="0">
+              <a:lnSpc>
+                <a:spcPct val="100000"/>
+              </a:lnSpc>
+              <a:spcBef>
+                <a:spcPts val="0"/>
+              </a:spcBef>
+              <a:spcAft>
+                <a:spcPts val="0"/>
+              </a:spcAft>
+            </a:defPPr>
+            <a:lvl1pPr marR="0" lvl="0" algn="l" rtl="0">
+              <a:lnSpc>
+                <a:spcPct val="100000"/>
+              </a:lnSpc>
+              <a:spcBef>
+                <a:spcPts val="0"/>
+              </a:spcBef>
+              <a:spcAft>
+                <a:spcPts val="0"/>
+              </a:spcAft>
+              <a:buClr>
+                <a:schemeClr val="lt1"/>
+              </a:buClr>
+              <a:buSzPts val="2400"/>
+              <a:buFont typeface="Montserrat"/>
+              <a:buNone/>
+              <a:defRPr sz="2400" b="0" i="0" u="none" strike="noStrike" cap="none">
+                <a:solidFill>
+                  <a:schemeClr val="lt1"/>
+                </a:solidFill>
+                <a:latin typeface="Montserrat"/>
+                <a:ea typeface="Montserrat"/>
+                <a:cs typeface="Montserrat"/>
+                <a:sym typeface="Montserrat"/>
+              </a:defRPr>
+            </a:lvl1pPr>
+            <a:lvl2pPr marR="0" lvl="1" algn="l" rtl="0">
+              <a:lnSpc>
+                <a:spcPct val="100000"/>
+              </a:lnSpc>
+              <a:spcBef>
+                <a:spcPts val="0"/>
+              </a:spcBef>
+              <a:spcAft>
+                <a:spcPts val="0"/>
+              </a:spcAft>
+              <a:buClr>
+                <a:schemeClr val="lt1"/>
+              </a:buClr>
+              <a:buSzPts val="2400"/>
+              <a:buFont typeface="Montserrat"/>
+              <a:buNone/>
+              <a:defRPr sz="2400" b="0" i="0" u="none" strike="noStrike" cap="none">
+                <a:solidFill>
+                  <a:schemeClr val="lt1"/>
+                </a:solidFill>
+                <a:latin typeface="Montserrat"/>
+                <a:ea typeface="Montserrat"/>
+                <a:cs typeface="Montserrat"/>
+                <a:sym typeface="Montserrat"/>
+              </a:defRPr>
+            </a:lvl2pPr>
+            <a:lvl3pPr marR="0" lvl="2" algn="l" rtl="0">
+              <a:lnSpc>
+                <a:spcPct val="100000"/>
+              </a:lnSpc>
+              <a:spcBef>
+                <a:spcPts val="0"/>
+              </a:spcBef>
+              <a:spcAft>
+                <a:spcPts val="0"/>
+              </a:spcAft>
+              <a:buClr>
+                <a:schemeClr val="lt1"/>
+              </a:buClr>
+              <a:buSzPts val="2400"/>
+              <a:buFont typeface="Montserrat"/>
+              <a:buNone/>
+              <a:defRPr sz="2400" b="0" i="0" u="none" strike="noStrike" cap="none">
+                <a:solidFill>
+                  <a:schemeClr val="lt1"/>
+                </a:solidFill>
+                <a:latin typeface="Montserrat"/>
+                <a:ea typeface="Montserrat"/>
+                <a:cs typeface="Montserrat"/>
+                <a:sym typeface="Montserrat"/>
+              </a:defRPr>
+            </a:lvl3pPr>
+            <a:lvl4pPr marR="0" lvl="3" algn="l" rtl="0">
+              <a:lnSpc>
+                <a:spcPct val="100000"/>
+              </a:lnSpc>
+              <a:spcBef>
+                <a:spcPts val="0"/>
+              </a:spcBef>
+              <a:spcAft>
+                <a:spcPts val="0"/>
+              </a:spcAft>
+              <a:buClr>
+                <a:schemeClr val="lt1"/>
+              </a:buClr>
+              <a:buSzPts val="2400"/>
+              <a:buFont typeface="Montserrat"/>
+              <a:buNone/>
+              <a:defRPr sz="2400" b="0" i="0" u="none" strike="noStrike" cap="none">
+                <a:solidFill>
+                  <a:schemeClr val="lt1"/>
+                </a:solidFill>
+                <a:latin typeface="Montserrat"/>
+                <a:ea typeface="Montserrat"/>
+                <a:cs typeface="Montserrat"/>
+                <a:sym typeface="Montserrat"/>
+              </a:defRPr>
+            </a:lvl4pPr>
+            <a:lvl5pPr marR="0" lvl="4" algn="l" rtl="0">
+              <a:lnSpc>
+                <a:spcPct val="100000"/>
+              </a:lnSpc>
+              <a:spcBef>
+                <a:spcPts val="0"/>
+              </a:spcBef>
+              <a:spcAft>
+                <a:spcPts val="0"/>
+              </a:spcAft>
+              <a:buClr>
+                <a:schemeClr val="lt1"/>
+              </a:buClr>
+              <a:buSzPts val="2400"/>
+              <a:buFont typeface="Montserrat"/>
+              <a:buNone/>
+              <a:defRPr sz="2400" b="0" i="0" u="none" strike="noStrike" cap="none">
+                <a:solidFill>
+                  <a:schemeClr val="lt1"/>
+                </a:solidFill>
+                <a:latin typeface="Montserrat"/>
+                <a:ea typeface="Montserrat"/>
+                <a:cs typeface="Montserrat"/>
+                <a:sym typeface="Montserrat"/>
+              </a:defRPr>
+            </a:lvl5pPr>
+            <a:lvl6pPr marR="0" lvl="5" algn="l" rtl="0">
+              <a:lnSpc>
+                <a:spcPct val="100000"/>
+              </a:lnSpc>
+              <a:spcBef>
+                <a:spcPts val="0"/>
+              </a:spcBef>
+              <a:spcAft>
+                <a:spcPts val="0"/>
+              </a:spcAft>
+              <a:buClr>
+                <a:schemeClr val="lt1"/>
+              </a:buClr>
+              <a:buSzPts val="2400"/>
+              <a:buFont typeface="Montserrat"/>
+              <a:buNone/>
+              <a:defRPr sz="2400" b="0" i="0" u="none" strike="noStrike" cap="none">
+                <a:solidFill>
+                  <a:schemeClr val="lt1"/>
+                </a:solidFill>
+                <a:latin typeface="Montserrat"/>
+                <a:ea typeface="Montserrat"/>
+                <a:cs typeface="Montserrat"/>
+                <a:sym typeface="Montserrat"/>
+              </a:defRPr>
+            </a:lvl6pPr>
+            <a:lvl7pPr marR="0" lvl="6" algn="l" rtl="0">
+              <a:lnSpc>
+                <a:spcPct val="100000"/>
+              </a:lnSpc>
+              <a:spcBef>
+                <a:spcPts val="0"/>
+              </a:spcBef>
+              <a:spcAft>
+                <a:spcPts val="0"/>
+              </a:spcAft>
+              <a:buClr>
+                <a:schemeClr val="lt1"/>
+              </a:buClr>
+              <a:buSzPts val="2400"/>
+              <a:buFont typeface="Montserrat"/>
+              <a:buNone/>
+              <a:defRPr sz="2400" b="0" i="0" u="none" strike="noStrike" cap="none">
+                <a:solidFill>
+                  <a:schemeClr val="lt1"/>
+                </a:solidFill>
+                <a:latin typeface="Montserrat"/>
+                <a:ea typeface="Montserrat"/>
+                <a:cs typeface="Montserrat"/>
+                <a:sym typeface="Montserrat"/>
+              </a:defRPr>
+            </a:lvl7pPr>
+            <a:lvl8pPr marR="0" lvl="7" algn="l" rtl="0">
+              <a:lnSpc>
+                <a:spcPct val="100000"/>
+              </a:lnSpc>
+              <a:spcBef>
+                <a:spcPts val="0"/>
+              </a:spcBef>
+              <a:spcAft>
+                <a:spcPts val="0"/>
+              </a:spcAft>
+              <a:buClr>
+                <a:schemeClr val="lt1"/>
+              </a:buClr>
+              <a:buSzPts val="2400"/>
+              <a:buFont typeface="Montserrat"/>
+              <a:buNone/>
+              <a:defRPr sz="2400" b="0" i="0" u="none" strike="noStrike" cap="none">
+                <a:solidFill>
+                  <a:schemeClr val="lt1"/>
+                </a:solidFill>
+                <a:latin typeface="Montserrat"/>
+                <a:ea typeface="Montserrat"/>
+                <a:cs typeface="Montserrat"/>
+                <a:sym typeface="Montserrat"/>
+              </a:defRPr>
+            </a:lvl8pPr>
+            <a:lvl9pPr marR="0" lvl="8" algn="l" rtl="0">
+              <a:lnSpc>
+                <a:spcPct val="100000"/>
+              </a:lnSpc>
+              <a:spcBef>
+                <a:spcPts val="0"/>
+              </a:spcBef>
+              <a:spcAft>
+                <a:spcPts val="0"/>
+              </a:spcAft>
+              <a:buClr>
+                <a:schemeClr val="lt1"/>
+              </a:buClr>
+              <a:buSzPts val="2400"/>
+              <a:buFont typeface="Montserrat"/>
+              <a:buNone/>
+              <a:defRPr sz="2400" b="0" i="0" u="none" strike="noStrike" cap="none">
+                <a:solidFill>
+                  <a:schemeClr val="lt1"/>
+                </a:solidFill>
+                <a:latin typeface="Montserrat"/>
+                <a:ea typeface="Montserrat"/>
+                <a:cs typeface="Montserrat"/>
+                <a:sym typeface="Montserrat"/>
+              </a:defRPr>
+            </a:lvl9pPr>
+          </a:lstStyle>
+          <a:p>
+            <a:r>
+              <a:rPr lang="en-US" dirty="0"/>
+              <a:t>20</a:t>
+            </a:r>
+            <a:endParaRPr lang="ru-RU" dirty="0"/>
           </a:p>
         </p:txBody>
       </p:sp>
@@ -13884,7 +17424,7 @@
 </p:sld>
 </file>
 
-<file path=ppt/slides/slide21.xml><?xml version="1.0" encoding="utf-8"?>
+<file path=ppt/slides/slide22.xml><?xml version="1.0" encoding="utf-8"?>
 <p:sld xmlns:a="http://schemas.openxmlformats.org/drawingml/2006/main" xmlns:r="http://schemas.openxmlformats.org/officeDocument/2006/relationships" xmlns:p="http://schemas.openxmlformats.org/presentationml/2006/main">
   <p:cSld>
     <p:spTree>
@@ -13936,10 +17476,10 @@
               <a:buNone/>
             </a:pPr>
             <a:r>
-              <a:rPr lang="ru"/>
+              <a:rPr lang="ru" dirty="0"/>
               <a:t>Вывод</a:t>
             </a:r>
-            <a:endParaRPr/>
+            <a:endParaRPr dirty="0"/>
           </a:p>
         </p:txBody>
       </p:sp>
@@ -13979,19 +17519,28 @@
               <a:buChar char="-"/>
             </a:pPr>
             <a:r>
-              <a:rPr lang="ru"/>
+              <a:rPr lang="ru" dirty="0"/>
               <a:t>Изучена предметная область </a:t>
             </a:r>
             <a:r>
-              <a:rPr lang="ru" sz="1200">
+              <a:rPr lang="ru" dirty="0">
+                <a:latin typeface="Lato" panose="020F0502020204030203" pitchFamily="34" charset="0"/>
+                <a:ea typeface="Lato" panose="020F0502020204030203" pitchFamily="34" charset="0"/>
+                <a:cs typeface="Lato" panose="020F0502020204030203" pitchFamily="34" charset="0"/>
+                <a:sym typeface="Times New Roman"/>
+              </a:rPr>
+              <a:t>управления персоналом</a:t>
+            </a:r>
+            <a:r>
+              <a:rPr lang="ru" sz="1200" dirty="0">
                 <a:latin typeface="Times New Roman"/>
                 <a:ea typeface="Times New Roman"/>
                 <a:cs typeface="Times New Roman"/>
                 <a:sym typeface="Times New Roman"/>
               </a:rPr>
-              <a:t>управления персоналом;</a:t>
+              <a:t>;</a:t>
             </a:r>
-            <a:endParaRPr/>
+            <a:endParaRPr dirty="0"/>
           </a:p>
           <a:p>
             <a:pPr marL="457200" lvl="0" indent="-311150" algn="l" rtl="0">
@@ -14005,10 +17554,10 @@
               <a:buChar char="-"/>
             </a:pPr>
             <a:r>
-              <a:rPr lang="ru"/>
+              <a:rPr lang="ru" dirty="0"/>
               <a:t>Разработанное веб-приложение отвечает необходимым требованиям, имеет нужный функционал;</a:t>
             </a:r>
-            <a:endParaRPr/>
+            <a:endParaRPr dirty="0"/>
           </a:p>
           <a:p>
             <a:pPr marL="457200" lvl="0" indent="-311150" algn="l" rtl="0">
@@ -14022,10 +17571,10 @@
               <a:buChar char="-"/>
             </a:pPr>
             <a:r>
-              <a:rPr lang="ru"/>
+              <a:rPr lang="ru" dirty="0"/>
               <a:t>Разработанное веб-приложение прошло тестирование успешно;</a:t>
             </a:r>
-            <a:endParaRPr/>
+            <a:endParaRPr dirty="0"/>
           </a:p>
           <a:p>
             <a:pPr marL="457200" lvl="0" indent="-311150" algn="l" rtl="0">
@@ -14039,10 +17588,297 @@
               <a:buChar char="-"/>
             </a:pPr>
             <a:r>
-              <a:rPr lang="ru"/>
+              <a:rPr lang="ru" dirty="0"/>
               <a:t>Пользовательский интерфейс понятен и прост в использовании.</a:t>
             </a:r>
-            <a:endParaRPr/>
+            <a:endParaRPr dirty="0"/>
+          </a:p>
+        </p:txBody>
+      </p:sp>
+      <p:sp>
+        <p:nvSpPr>
+          <p:cNvPr id="2" name="Google Shape;141;p14">
+            <a:extLst>
+              <a:ext uri="{FF2B5EF4-FFF2-40B4-BE49-F238E27FC236}">
+                <a16:creationId xmlns:a16="http://schemas.microsoft.com/office/drawing/2014/main" id="{BB2B4C68-84DC-4B8A-2FEE-108172E612E9}"/>
+              </a:ext>
+            </a:extLst>
+          </p:cNvPr>
+          <p:cNvSpPr txBox="1">
+            <a:spLocks/>
+          </p:cNvSpPr>
+          <p:nvPr/>
+        </p:nvSpPr>
+        <p:spPr>
+          <a:xfrm>
+            <a:off x="8487508" y="0"/>
+            <a:ext cx="550986" cy="510681"/>
+          </a:xfrm>
+          <a:prstGeom prst="rect">
+            <a:avLst/>
+          </a:prstGeom>
+          <a:noFill/>
+          <a:ln>
+            <a:noFill/>
+          </a:ln>
+        </p:spPr>
+        <p:txBody>
+          <a:bodyPr spcFirstLastPara="1" wrap="square" lIns="91425" tIns="91425" rIns="91425" bIns="91425" anchor="t" anchorCtr="0">
+            <a:normAutofit fontScale="92500" lnSpcReduction="10000"/>
+          </a:bodyPr>
+          <a:lstStyle>
+            <a:defPPr marR="0" lvl="0" algn="l" rtl="0">
+              <a:lnSpc>
+                <a:spcPct val="100000"/>
+              </a:lnSpc>
+              <a:spcBef>
+                <a:spcPts val="0"/>
+              </a:spcBef>
+              <a:spcAft>
+                <a:spcPts val="0"/>
+              </a:spcAft>
+            </a:defPPr>
+            <a:lvl1pPr marR="0" lvl="0" algn="l" rtl="0">
+              <a:lnSpc>
+                <a:spcPct val="100000"/>
+              </a:lnSpc>
+              <a:spcBef>
+                <a:spcPts val="0"/>
+              </a:spcBef>
+              <a:spcAft>
+                <a:spcPts val="0"/>
+              </a:spcAft>
+              <a:buClr>
+                <a:schemeClr val="lt1"/>
+              </a:buClr>
+              <a:buSzPts val="2400"/>
+              <a:buFont typeface="Montserrat"/>
+              <a:buNone/>
+              <a:defRPr sz="2400" b="0" i="0" u="none" strike="noStrike" cap="none">
+                <a:solidFill>
+                  <a:schemeClr val="lt1"/>
+                </a:solidFill>
+                <a:latin typeface="Montserrat"/>
+                <a:ea typeface="Montserrat"/>
+                <a:cs typeface="Montserrat"/>
+                <a:sym typeface="Montserrat"/>
+              </a:defRPr>
+            </a:lvl1pPr>
+            <a:lvl2pPr marR="0" lvl="1" algn="l" rtl="0">
+              <a:lnSpc>
+                <a:spcPct val="100000"/>
+              </a:lnSpc>
+              <a:spcBef>
+                <a:spcPts val="0"/>
+              </a:spcBef>
+              <a:spcAft>
+                <a:spcPts val="0"/>
+              </a:spcAft>
+              <a:buClr>
+                <a:schemeClr val="lt1"/>
+              </a:buClr>
+              <a:buSzPts val="2400"/>
+              <a:buFont typeface="Montserrat"/>
+              <a:buNone/>
+              <a:defRPr sz="2400" b="0" i="0" u="none" strike="noStrike" cap="none">
+                <a:solidFill>
+                  <a:schemeClr val="lt1"/>
+                </a:solidFill>
+                <a:latin typeface="Montserrat"/>
+                <a:ea typeface="Montserrat"/>
+                <a:cs typeface="Montserrat"/>
+                <a:sym typeface="Montserrat"/>
+              </a:defRPr>
+            </a:lvl2pPr>
+            <a:lvl3pPr marR="0" lvl="2" algn="l" rtl="0">
+              <a:lnSpc>
+                <a:spcPct val="100000"/>
+              </a:lnSpc>
+              <a:spcBef>
+                <a:spcPts val="0"/>
+              </a:spcBef>
+              <a:spcAft>
+                <a:spcPts val="0"/>
+              </a:spcAft>
+              <a:buClr>
+                <a:schemeClr val="lt1"/>
+              </a:buClr>
+              <a:buSzPts val="2400"/>
+              <a:buFont typeface="Montserrat"/>
+              <a:buNone/>
+              <a:defRPr sz="2400" b="0" i="0" u="none" strike="noStrike" cap="none">
+                <a:solidFill>
+                  <a:schemeClr val="lt1"/>
+                </a:solidFill>
+                <a:latin typeface="Montserrat"/>
+                <a:ea typeface="Montserrat"/>
+                <a:cs typeface="Montserrat"/>
+                <a:sym typeface="Montserrat"/>
+              </a:defRPr>
+            </a:lvl3pPr>
+            <a:lvl4pPr marR="0" lvl="3" algn="l" rtl="0">
+              <a:lnSpc>
+                <a:spcPct val="100000"/>
+              </a:lnSpc>
+              <a:spcBef>
+                <a:spcPts val="0"/>
+              </a:spcBef>
+              <a:spcAft>
+                <a:spcPts val="0"/>
+              </a:spcAft>
+              <a:buClr>
+                <a:schemeClr val="lt1"/>
+              </a:buClr>
+              <a:buSzPts val="2400"/>
+              <a:buFont typeface="Montserrat"/>
+              <a:buNone/>
+              <a:defRPr sz="2400" b="0" i="0" u="none" strike="noStrike" cap="none">
+                <a:solidFill>
+                  <a:schemeClr val="lt1"/>
+                </a:solidFill>
+                <a:latin typeface="Montserrat"/>
+                <a:ea typeface="Montserrat"/>
+                <a:cs typeface="Montserrat"/>
+                <a:sym typeface="Montserrat"/>
+              </a:defRPr>
+            </a:lvl4pPr>
+            <a:lvl5pPr marR="0" lvl="4" algn="l" rtl="0">
+              <a:lnSpc>
+                <a:spcPct val="100000"/>
+              </a:lnSpc>
+              <a:spcBef>
+                <a:spcPts val="0"/>
+              </a:spcBef>
+              <a:spcAft>
+                <a:spcPts val="0"/>
+              </a:spcAft>
+              <a:buClr>
+                <a:schemeClr val="lt1"/>
+              </a:buClr>
+              <a:buSzPts val="2400"/>
+              <a:buFont typeface="Montserrat"/>
+              <a:buNone/>
+              <a:defRPr sz="2400" b="0" i="0" u="none" strike="noStrike" cap="none">
+                <a:solidFill>
+                  <a:schemeClr val="lt1"/>
+                </a:solidFill>
+                <a:latin typeface="Montserrat"/>
+                <a:ea typeface="Montserrat"/>
+                <a:cs typeface="Montserrat"/>
+                <a:sym typeface="Montserrat"/>
+              </a:defRPr>
+            </a:lvl5pPr>
+            <a:lvl6pPr marR="0" lvl="5" algn="l" rtl="0">
+              <a:lnSpc>
+                <a:spcPct val="100000"/>
+              </a:lnSpc>
+              <a:spcBef>
+                <a:spcPts val="0"/>
+              </a:spcBef>
+              <a:spcAft>
+                <a:spcPts val="0"/>
+              </a:spcAft>
+              <a:buClr>
+                <a:schemeClr val="lt1"/>
+              </a:buClr>
+              <a:buSzPts val="2400"/>
+              <a:buFont typeface="Montserrat"/>
+              <a:buNone/>
+              <a:defRPr sz="2400" b="0" i="0" u="none" strike="noStrike" cap="none">
+                <a:solidFill>
+                  <a:schemeClr val="lt1"/>
+                </a:solidFill>
+                <a:latin typeface="Montserrat"/>
+                <a:ea typeface="Montserrat"/>
+                <a:cs typeface="Montserrat"/>
+                <a:sym typeface="Montserrat"/>
+              </a:defRPr>
+            </a:lvl6pPr>
+            <a:lvl7pPr marR="0" lvl="6" algn="l" rtl="0">
+              <a:lnSpc>
+                <a:spcPct val="100000"/>
+              </a:lnSpc>
+              <a:spcBef>
+                <a:spcPts val="0"/>
+              </a:spcBef>
+              <a:spcAft>
+                <a:spcPts val="0"/>
+              </a:spcAft>
+              <a:buClr>
+                <a:schemeClr val="lt1"/>
+              </a:buClr>
+              <a:buSzPts val="2400"/>
+              <a:buFont typeface="Montserrat"/>
+              <a:buNone/>
+              <a:defRPr sz="2400" b="0" i="0" u="none" strike="noStrike" cap="none">
+                <a:solidFill>
+                  <a:schemeClr val="lt1"/>
+                </a:solidFill>
+                <a:latin typeface="Montserrat"/>
+                <a:ea typeface="Montserrat"/>
+                <a:cs typeface="Montserrat"/>
+                <a:sym typeface="Montserrat"/>
+              </a:defRPr>
+            </a:lvl7pPr>
+            <a:lvl8pPr marR="0" lvl="7" algn="l" rtl="0">
+              <a:lnSpc>
+                <a:spcPct val="100000"/>
+              </a:lnSpc>
+              <a:spcBef>
+                <a:spcPts val="0"/>
+              </a:spcBef>
+              <a:spcAft>
+                <a:spcPts val="0"/>
+              </a:spcAft>
+              <a:buClr>
+                <a:schemeClr val="lt1"/>
+              </a:buClr>
+              <a:buSzPts val="2400"/>
+              <a:buFont typeface="Montserrat"/>
+              <a:buNone/>
+              <a:defRPr sz="2400" b="0" i="0" u="none" strike="noStrike" cap="none">
+                <a:solidFill>
+                  <a:schemeClr val="lt1"/>
+                </a:solidFill>
+                <a:latin typeface="Montserrat"/>
+                <a:ea typeface="Montserrat"/>
+                <a:cs typeface="Montserrat"/>
+                <a:sym typeface="Montserrat"/>
+              </a:defRPr>
+            </a:lvl8pPr>
+            <a:lvl9pPr marR="0" lvl="8" algn="l" rtl="0">
+              <a:lnSpc>
+                <a:spcPct val="100000"/>
+              </a:lnSpc>
+              <a:spcBef>
+                <a:spcPts val="0"/>
+              </a:spcBef>
+              <a:spcAft>
+                <a:spcPts val="0"/>
+              </a:spcAft>
+              <a:buClr>
+                <a:schemeClr val="lt1"/>
+              </a:buClr>
+              <a:buSzPts val="2400"/>
+              <a:buFont typeface="Montserrat"/>
+              <a:buNone/>
+              <a:defRPr sz="2400" b="0" i="0" u="none" strike="noStrike" cap="none">
+                <a:solidFill>
+                  <a:schemeClr val="lt1"/>
+                </a:solidFill>
+                <a:latin typeface="Montserrat"/>
+                <a:ea typeface="Montserrat"/>
+                <a:cs typeface="Montserrat"/>
+                <a:sym typeface="Montserrat"/>
+              </a:defRPr>
+            </a:lvl9pPr>
+          </a:lstStyle>
+          <a:p>
+            <a:r>
+              <a:rPr lang="en-US" dirty="0"/>
+              <a:t>21</a:t>
+            </a:r>
+            <a:endParaRPr lang="ru-RU" dirty="0"/>
           </a:p>
         </p:txBody>
       </p:sp>
@@ -14054,7 +17890,7 @@
 </p:sld>
 </file>
 
-<file path=ppt/slides/slide22.xml><?xml version="1.0" encoding="utf-8"?>
+<file path=ppt/slides/slide23.xml><?xml version="1.0" encoding="utf-8"?>
 <p:sld xmlns:a="http://schemas.openxmlformats.org/drawingml/2006/main" xmlns:r="http://schemas.openxmlformats.org/officeDocument/2006/relationships" xmlns:p="http://schemas.openxmlformats.org/presentationml/2006/main">
   <p:cSld>
     <p:spTree>
@@ -14173,10 +18009,10 @@
               <a:buNone/>
             </a:pPr>
             <a:r>
-              <a:rPr lang="ru"/>
+              <a:rPr lang="ru" dirty="0"/>
               <a:t>Проблематика и актуальность</a:t>
             </a:r>
-            <a:endParaRPr/>
+            <a:endParaRPr dirty="0"/>
           </a:p>
         </p:txBody>
       </p:sp>
@@ -14217,7 +18053,7 @@
               <a:buChar char="-"/>
             </a:pPr>
             <a:r>
-              <a:rPr lang="ru">
+              <a:rPr lang="ru" dirty="0">
                 <a:latin typeface="Times New Roman"/>
                 <a:ea typeface="Times New Roman"/>
                 <a:cs typeface="Times New Roman"/>
@@ -14225,7 +18061,7 @@
               </a:rPr>
               <a:t>Уход многих компаний, предоставляющих услуги по организации рабочего процесса, с рынка Российской Федерации;</a:t>
             </a:r>
-            <a:endParaRPr>
+            <a:endParaRPr dirty="0">
               <a:latin typeface="Times New Roman"/>
               <a:ea typeface="Times New Roman"/>
               <a:cs typeface="Times New Roman"/>
@@ -14245,7 +18081,7 @@
               <a:buChar char="-"/>
             </a:pPr>
             <a:r>
-              <a:rPr lang="ru">
+              <a:rPr lang="ru" dirty="0">
                 <a:latin typeface="Times New Roman"/>
                 <a:ea typeface="Times New Roman"/>
                 <a:cs typeface="Times New Roman"/>
@@ -14253,35 +18089,7 @@
               </a:rPr>
               <a:t>Растет спрос на более гибкие и эффективные инструменты управления персоналом;</a:t>
             </a:r>
-            <a:endParaRPr>
-              <a:latin typeface="Times New Roman"/>
-              <a:ea typeface="Times New Roman"/>
-              <a:cs typeface="Times New Roman"/>
-              <a:sym typeface="Times New Roman"/>
-            </a:endParaRPr>
-          </a:p>
-          <a:p>
-            <a:pPr marL="457200" lvl="0" indent="-311150" algn="l" rtl="0">
-              <a:spcBef>
-                <a:spcPts val="0"/>
-              </a:spcBef>
-              <a:spcAft>
-                <a:spcPts val="0"/>
-              </a:spcAft>
-              <a:buSzPts val="1300"/>
-              <a:buFont typeface="Times New Roman"/>
-              <a:buChar char="-"/>
-            </a:pPr>
-            <a:r>
-              <a:rPr lang="ru" sz="1200">
-                <a:latin typeface="Times New Roman"/>
-                <a:ea typeface="Times New Roman"/>
-                <a:cs typeface="Times New Roman"/>
-                <a:sym typeface="Times New Roman"/>
-              </a:rPr>
-              <a:t>Традиционные системы контроля уступают современным по качеству, скорости и удобству;</a:t>
-            </a:r>
-            <a:endParaRPr sz="1200">
+            <a:endParaRPr dirty="0">
               <a:latin typeface="Times New Roman"/>
               <a:ea typeface="Times New Roman"/>
               <a:cs typeface="Times New Roman"/>
@@ -14301,7 +18109,7 @@
               <a:buChar char="-"/>
             </a:pPr>
             <a:r>
-              <a:rPr lang="ru" sz="1200">
+              <a:rPr lang="ru" sz="1200" dirty="0">
                 <a:latin typeface="Times New Roman"/>
                 <a:ea typeface="Times New Roman"/>
                 <a:cs typeface="Times New Roman"/>
@@ -14309,40 +18117,299 @@
               </a:rPr>
               <a:t>Во многих организациях отсутствует четкая и надежная система отслеживания, что может привести впоследствии к снижению эффективности расходования рабочего времени;</a:t>
             </a:r>
-            <a:endParaRPr sz="1200">
+            <a:endParaRPr sz="1200" dirty="0">
               <a:latin typeface="Times New Roman"/>
               <a:ea typeface="Times New Roman"/>
               <a:cs typeface="Times New Roman"/>
               <a:sym typeface="Times New Roman"/>
             </a:endParaRPr>
           </a:p>
+        </p:txBody>
+      </p:sp>
+      <p:sp>
+        <p:nvSpPr>
+          <p:cNvPr id="2" name="Google Shape;141;p14">
+            <a:extLst>
+              <a:ext uri="{FF2B5EF4-FFF2-40B4-BE49-F238E27FC236}">
+                <a16:creationId xmlns:a16="http://schemas.microsoft.com/office/drawing/2014/main" id="{6A5112F8-EA9B-7613-F2FF-4DAB5CF96CF4}"/>
+              </a:ext>
+            </a:extLst>
+          </p:cNvPr>
+          <p:cNvSpPr txBox="1">
+            <a:spLocks/>
+          </p:cNvSpPr>
+          <p:nvPr/>
+        </p:nvSpPr>
+        <p:spPr>
+          <a:xfrm>
+            <a:off x="8718208" y="0"/>
+            <a:ext cx="320285" cy="510681"/>
+          </a:xfrm>
+          <a:prstGeom prst="rect">
+            <a:avLst/>
+          </a:prstGeom>
+          <a:noFill/>
+          <a:ln>
+            <a:noFill/>
+          </a:ln>
+        </p:spPr>
+        <p:txBody>
+          <a:bodyPr spcFirstLastPara="1" wrap="square" lIns="91425" tIns="91425" rIns="91425" bIns="91425" anchor="t" anchorCtr="0">
+            <a:normAutofit fontScale="92500" lnSpcReduction="10000"/>
+          </a:bodyPr>
+          <a:lstStyle>
+            <a:defPPr marR="0" lvl="0" algn="l" rtl="0">
+              <a:lnSpc>
+                <a:spcPct val="100000"/>
+              </a:lnSpc>
+              <a:spcBef>
+                <a:spcPts val="0"/>
+              </a:spcBef>
+              <a:spcAft>
+                <a:spcPts val="0"/>
+              </a:spcAft>
+            </a:defPPr>
+            <a:lvl1pPr marR="0" lvl="0" algn="l" rtl="0">
+              <a:lnSpc>
+                <a:spcPct val="100000"/>
+              </a:lnSpc>
+              <a:spcBef>
+                <a:spcPts val="0"/>
+              </a:spcBef>
+              <a:spcAft>
+                <a:spcPts val="0"/>
+              </a:spcAft>
+              <a:buClr>
+                <a:schemeClr val="lt1"/>
+              </a:buClr>
+              <a:buSzPts val="2400"/>
+              <a:buFont typeface="Montserrat"/>
+              <a:buNone/>
+              <a:defRPr sz="2400" b="0" i="0" u="none" strike="noStrike" cap="none">
+                <a:solidFill>
+                  <a:schemeClr val="lt1"/>
+                </a:solidFill>
+                <a:latin typeface="Montserrat"/>
+                <a:ea typeface="Montserrat"/>
+                <a:cs typeface="Montserrat"/>
+                <a:sym typeface="Montserrat"/>
+              </a:defRPr>
+            </a:lvl1pPr>
+            <a:lvl2pPr marR="0" lvl="1" algn="l" rtl="0">
+              <a:lnSpc>
+                <a:spcPct val="100000"/>
+              </a:lnSpc>
+              <a:spcBef>
+                <a:spcPts val="0"/>
+              </a:spcBef>
+              <a:spcAft>
+                <a:spcPts val="0"/>
+              </a:spcAft>
+              <a:buClr>
+                <a:schemeClr val="lt1"/>
+              </a:buClr>
+              <a:buSzPts val="2400"/>
+              <a:buFont typeface="Montserrat"/>
+              <a:buNone/>
+              <a:defRPr sz="2400" b="0" i="0" u="none" strike="noStrike" cap="none">
+                <a:solidFill>
+                  <a:schemeClr val="lt1"/>
+                </a:solidFill>
+                <a:latin typeface="Montserrat"/>
+                <a:ea typeface="Montserrat"/>
+                <a:cs typeface="Montserrat"/>
+                <a:sym typeface="Montserrat"/>
+              </a:defRPr>
+            </a:lvl2pPr>
+            <a:lvl3pPr marR="0" lvl="2" algn="l" rtl="0">
+              <a:lnSpc>
+                <a:spcPct val="100000"/>
+              </a:lnSpc>
+              <a:spcBef>
+                <a:spcPts val="0"/>
+              </a:spcBef>
+              <a:spcAft>
+                <a:spcPts val="0"/>
+              </a:spcAft>
+              <a:buClr>
+                <a:schemeClr val="lt1"/>
+              </a:buClr>
+              <a:buSzPts val="2400"/>
+              <a:buFont typeface="Montserrat"/>
+              <a:buNone/>
+              <a:defRPr sz="2400" b="0" i="0" u="none" strike="noStrike" cap="none">
+                <a:solidFill>
+                  <a:schemeClr val="lt1"/>
+                </a:solidFill>
+                <a:latin typeface="Montserrat"/>
+                <a:ea typeface="Montserrat"/>
+                <a:cs typeface="Montserrat"/>
+                <a:sym typeface="Montserrat"/>
+              </a:defRPr>
+            </a:lvl3pPr>
+            <a:lvl4pPr marR="0" lvl="3" algn="l" rtl="0">
+              <a:lnSpc>
+                <a:spcPct val="100000"/>
+              </a:lnSpc>
+              <a:spcBef>
+                <a:spcPts val="0"/>
+              </a:spcBef>
+              <a:spcAft>
+                <a:spcPts val="0"/>
+              </a:spcAft>
+              <a:buClr>
+                <a:schemeClr val="lt1"/>
+              </a:buClr>
+              <a:buSzPts val="2400"/>
+              <a:buFont typeface="Montserrat"/>
+              <a:buNone/>
+              <a:defRPr sz="2400" b="0" i="0" u="none" strike="noStrike" cap="none">
+                <a:solidFill>
+                  <a:schemeClr val="lt1"/>
+                </a:solidFill>
+                <a:latin typeface="Montserrat"/>
+                <a:ea typeface="Montserrat"/>
+                <a:cs typeface="Montserrat"/>
+                <a:sym typeface="Montserrat"/>
+              </a:defRPr>
+            </a:lvl4pPr>
+            <a:lvl5pPr marR="0" lvl="4" algn="l" rtl="0">
+              <a:lnSpc>
+                <a:spcPct val="100000"/>
+              </a:lnSpc>
+              <a:spcBef>
+                <a:spcPts val="0"/>
+              </a:spcBef>
+              <a:spcAft>
+                <a:spcPts val="0"/>
+              </a:spcAft>
+              <a:buClr>
+                <a:schemeClr val="lt1"/>
+              </a:buClr>
+              <a:buSzPts val="2400"/>
+              <a:buFont typeface="Montserrat"/>
+              <a:buNone/>
+              <a:defRPr sz="2400" b="0" i="0" u="none" strike="noStrike" cap="none">
+                <a:solidFill>
+                  <a:schemeClr val="lt1"/>
+                </a:solidFill>
+                <a:latin typeface="Montserrat"/>
+                <a:ea typeface="Montserrat"/>
+                <a:cs typeface="Montserrat"/>
+                <a:sym typeface="Montserrat"/>
+              </a:defRPr>
+            </a:lvl5pPr>
+            <a:lvl6pPr marR="0" lvl="5" algn="l" rtl="0">
+              <a:lnSpc>
+                <a:spcPct val="100000"/>
+              </a:lnSpc>
+              <a:spcBef>
+                <a:spcPts val="0"/>
+              </a:spcBef>
+              <a:spcAft>
+                <a:spcPts val="0"/>
+              </a:spcAft>
+              <a:buClr>
+                <a:schemeClr val="lt1"/>
+              </a:buClr>
+              <a:buSzPts val="2400"/>
+              <a:buFont typeface="Montserrat"/>
+              <a:buNone/>
+              <a:defRPr sz="2400" b="0" i="0" u="none" strike="noStrike" cap="none">
+                <a:solidFill>
+                  <a:schemeClr val="lt1"/>
+                </a:solidFill>
+                <a:latin typeface="Montserrat"/>
+                <a:ea typeface="Montserrat"/>
+                <a:cs typeface="Montserrat"/>
+                <a:sym typeface="Montserrat"/>
+              </a:defRPr>
+            </a:lvl6pPr>
+            <a:lvl7pPr marR="0" lvl="6" algn="l" rtl="0">
+              <a:lnSpc>
+                <a:spcPct val="100000"/>
+              </a:lnSpc>
+              <a:spcBef>
+                <a:spcPts val="0"/>
+              </a:spcBef>
+              <a:spcAft>
+                <a:spcPts val="0"/>
+              </a:spcAft>
+              <a:buClr>
+                <a:schemeClr val="lt1"/>
+              </a:buClr>
+              <a:buSzPts val="2400"/>
+              <a:buFont typeface="Montserrat"/>
+              <a:buNone/>
+              <a:defRPr sz="2400" b="0" i="0" u="none" strike="noStrike" cap="none">
+                <a:solidFill>
+                  <a:schemeClr val="lt1"/>
+                </a:solidFill>
+                <a:latin typeface="Montserrat"/>
+                <a:ea typeface="Montserrat"/>
+                <a:cs typeface="Montserrat"/>
+                <a:sym typeface="Montserrat"/>
+              </a:defRPr>
+            </a:lvl7pPr>
+            <a:lvl8pPr marR="0" lvl="7" algn="l" rtl="0">
+              <a:lnSpc>
+                <a:spcPct val="100000"/>
+              </a:lnSpc>
+              <a:spcBef>
+                <a:spcPts val="0"/>
+              </a:spcBef>
+              <a:spcAft>
+                <a:spcPts val="0"/>
+              </a:spcAft>
+              <a:buClr>
+                <a:schemeClr val="lt1"/>
+              </a:buClr>
+              <a:buSzPts val="2400"/>
+              <a:buFont typeface="Montserrat"/>
+              <a:buNone/>
+              <a:defRPr sz="2400" b="0" i="0" u="none" strike="noStrike" cap="none">
+                <a:solidFill>
+                  <a:schemeClr val="lt1"/>
+                </a:solidFill>
+                <a:latin typeface="Montserrat"/>
+                <a:ea typeface="Montserrat"/>
+                <a:cs typeface="Montserrat"/>
+                <a:sym typeface="Montserrat"/>
+              </a:defRPr>
+            </a:lvl8pPr>
+            <a:lvl9pPr marR="0" lvl="8" algn="l" rtl="0">
+              <a:lnSpc>
+                <a:spcPct val="100000"/>
+              </a:lnSpc>
+              <a:spcBef>
+                <a:spcPts val="0"/>
+              </a:spcBef>
+              <a:spcAft>
+                <a:spcPts val="0"/>
+              </a:spcAft>
+              <a:buClr>
+                <a:schemeClr val="lt1"/>
+              </a:buClr>
+              <a:buSzPts val="2400"/>
+              <a:buFont typeface="Montserrat"/>
+              <a:buNone/>
+              <a:defRPr sz="2400" b="0" i="0" u="none" strike="noStrike" cap="none">
+                <a:solidFill>
+                  <a:schemeClr val="lt1"/>
+                </a:solidFill>
+                <a:latin typeface="Montserrat"/>
+                <a:ea typeface="Montserrat"/>
+                <a:cs typeface="Montserrat"/>
+                <a:sym typeface="Montserrat"/>
+              </a:defRPr>
+            </a:lvl9pPr>
+          </a:lstStyle>
           <a:p>
-            <a:pPr marL="457200" lvl="0" indent="-311150" algn="l" rtl="0">
-              <a:spcBef>
-                <a:spcPts val="0"/>
-              </a:spcBef>
-              <a:spcAft>
-                <a:spcPts val="0"/>
-              </a:spcAft>
-              <a:buSzPts val="1300"/>
-              <a:buFont typeface="Times New Roman"/>
-              <a:buChar char="-"/>
-            </a:pPr>
             <a:r>
-              <a:rPr lang="ru" sz="1200">
-                <a:latin typeface="Times New Roman"/>
-                <a:ea typeface="Times New Roman"/>
-                <a:cs typeface="Times New Roman"/>
-                <a:sym typeface="Times New Roman"/>
-              </a:rPr>
-              <a:t>По данным исследования “Ведомости”, проведённого в конце 2022 года, 27% работодателей в России используют компьютерные технологии, чтобы понимать, чем занимаются подчиненные на своих рабочих местах в рабочее время.</a:t>
+              <a:rPr lang="en-US" dirty="0"/>
+              <a:t>3</a:t>
             </a:r>
-            <a:endParaRPr>
-              <a:latin typeface="Times New Roman"/>
-              <a:ea typeface="Times New Roman"/>
-              <a:cs typeface="Times New Roman"/>
-              <a:sym typeface="Times New Roman"/>
-            </a:endParaRPr>
+            <a:endParaRPr lang="ru-RU" dirty="0"/>
           </a:p>
         </p:txBody>
       </p:sp>
@@ -14659,6 +18726,293 @@
           </a:p>
         </p:txBody>
       </p:sp>
+      <p:sp>
+        <p:nvSpPr>
+          <p:cNvPr id="2" name="Google Shape;141;p14">
+            <a:extLst>
+              <a:ext uri="{FF2B5EF4-FFF2-40B4-BE49-F238E27FC236}">
+                <a16:creationId xmlns:a16="http://schemas.microsoft.com/office/drawing/2014/main" id="{0A8833F6-8222-22BA-07F3-095640C27B43}"/>
+              </a:ext>
+            </a:extLst>
+          </p:cNvPr>
+          <p:cNvSpPr txBox="1">
+            <a:spLocks/>
+          </p:cNvSpPr>
+          <p:nvPr/>
+        </p:nvSpPr>
+        <p:spPr>
+          <a:xfrm>
+            <a:off x="8718208" y="0"/>
+            <a:ext cx="320285" cy="510681"/>
+          </a:xfrm>
+          <a:prstGeom prst="rect">
+            <a:avLst/>
+          </a:prstGeom>
+          <a:noFill/>
+          <a:ln>
+            <a:noFill/>
+          </a:ln>
+        </p:spPr>
+        <p:txBody>
+          <a:bodyPr spcFirstLastPara="1" wrap="square" lIns="91425" tIns="91425" rIns="91425" bIns="91425" anchor="t" anchorCtr="0">
+            <a:normAutofit fontScale="92500" lnSpcReduction="10000"/>
+          </a:bodyPr>
+          <a:lstStyle>
+            <a:defPPr marR="0" lvl="0" algn="l" rtl="0">
+              <a:lnSpc>
+                <a:spcPct val="100000"/>
+              </a:lnSpc>
+              <a:spcBef>
+                <a:spcPts val="0"/>
+              </a:spcBef>
+              <a:spcAft>
+                <a:spcPts val="0"/>
+              </a:spcAft>
+            </a:defPPr>
+            <a:lvl1pPr marR="0" lvl="0" algn="l" rtl="0">
+              <a:lnSpc>
+                <a:spcPct val="100000"/>
+              </a:lnSpc>
+              <a:spcBef>
+                <a:spcPts val="0"/>
+              </a:spcBef>
+              <a:spcAft>
+                <a:spcPts val="0"/>
+              </a:spcAft>
+              <a:buClr>
+                <a:schemeClr val="lt1"/>
+              </a:buClr>
+              <a:buSzPts val="2400"/>
+              <a:buFont typeface="Montserrat"/>
+              <a:buNone/>
+              <a:defRPr sz="2400" b="0" i="0" u="none" strike="noStrike" cap="none">
+                <a:solidFill>
+                  <a:schemeClr val="lt1"/>
+                </a:solidFill>
+                <a:latin typeface="Montserrat"/>
+                <a:ea typeface="Montserrat"/>
+                <a:cs typeface="Montserrat"/>
+                <a:sym typeface="Montserrat"/>
+              </a:defRPr>
+            </a:lvl1pPr>
+            <a:lvl2pPr marR="0" lvl="1" algn="l" rtl="0">
+              <a:lnSpc>
+                <a:spcPct val="100000"/>
+              </a:lnSpc>
+              <a:spcBef>
+                <a:spcPts val="0"/>
+              </a:spcBef>
+              <a:spcAft>
+                <a:spcPts val="0"/>
+              </a:spcAft>
+              <a:buClr>
+                <a:schemeClr val="lt1"/>
+              </a:buClr>
+              <a:buSzPts val="2400"/>
+              <a:buFont typeface="Montserrat"/>
+              <a:buNone/>
+              <a:defRPr sz="2400" b="0" i="0" u="none" strike="noStrike" cap="none">
+                <a:solidFill>
+                  <a:schemeClr val="lt1"/>
+                </a:solidFill>
+                <a:latin typeface="Montserrat"/>
+                <a:ea typeface="Montserrat"/>
+                <a:cs typeface="Montserrat"/>
+                <a:sym typeface="Montserrat"/>
+              </a:defRPr>
+            </a:lvl2pPr>
+            <a:lvl3pPr marR="0" lvl="2" algn="l" rtl="0">
+              <a:lnSpc>
+                <a:spcPct val="100000"/>
+              </a:lnSpc>
+              <a:spcBef>
+                <a:spcPts val="0"/>
+              </a:spcBef>
+              <a:spcAft>
+                <a:spcPts val="0"/>
+              </a:spcAft>
+              <a:buClr>
+                <a:schemeClr val="lt1"/>
+              </a:buClr>
+              <a:buSzPts val="2400"/>
+              <a:buFont typeface="Montserrat"/>
+              <a:buNone/>
+              <a:defRPr sz="2400" b="0" i="0" u="none" strike="noStrike" cap="none">
+                <a:solidFill>
+                  <a:schemeClr val="lt1"/>
+                </a:solidFill>
+                <a:latin typeface="Montserrat"/>
+                <a:ea typeface="Montserrat"/>
+                <a:cs typeface="Montserrat"/>
+                <a:sym typeface="Montserrat"/>
+              </a:defRPr>
+            </a:lvl3pPr>
+            <a:lvl4pPr marR="0" lvl="3" algn="l" rtl="0">
+              <a:lnSpc>
+                <a:spcPct val="100000"/>
+              </a:lnSpc>
+              <a:spcBef>
+                <a:spcPts val="0"/>
+              </a:spcBef>
+              <a:spcAft>
+                <a:spcPts val="0"/>
+              </a:spcAft>
+              <a:buClr>
+                <a:schemeClr val="lt1"/>
+              </a:buClr>
+              <a:buSzPts val="2400"/>
+              <a:buFont typeface="Montserrat"/>
+              <a:buNone/>
+              <a:defRPr sz="2400" b="0" i="0" u="none" strike="noStrike" cap="none">
+                <a:solidFill>
+                  <a:schemeClr val="lt1"/>
+                </a:solidFill>
+                <a:latin typeface="Montserrat"/>
+                <a:ea typeface="Montserrat"/>
+                <a:cs typeface="Montserrat"/>
+                <a:sym typeface="Montserrat"/>
+              </a:defRPr>
+            </a:lvl4pPr>
+            <a:lvl5pPr marR="0" lvl="4" algn="l" rtl="0">
+              <a:lnSpc>
+                <a:spcPct val="100000"/>
+              </a:lnSpc>
+              <a:spcBef>
+                <a:spcPts val="0"/>
+              </a:spcBef>
+              <a:spcAft>
+                <a:spcPts val="0"/>
+              </a:spcAft>
+              <a:buClr>
+                <a:schemeClr val="lt1"/>
+              </a:buClr>
+              <a:buSzPts val="2400"/>
+              <a:buFont typeface="Montserrat"/>
+              <a:buNone/>
+              <a:defRPr sz="2400" b="0" i="0" u="none" strike="noStrike" cap="none">
+                <a:solidFill>
+                  <a:schemeClr val="lt1"/>
+                </a:solidFill>
+                <a:latin typeface="Montserrat"/>
+                <a:ea typeface="Montserrat"/>
+                <a:cs typeface="Montserrat"/>
+                <a:sym typeface="Montserrat"/>
+              </a:defRPr>
+            </a:lvl5pPr>
+            <a:lvl6pPr marR="0" lvl="5" algn="l" rtl="0">
+              <a:lnSpc>
+                <a:spcPct val="100000"/>
+              </a:lnSpc>
+              <a:spcBef>
+                <a:spcPts val="0"/>
+              </a:spcBef>
+              <a:spcAft>
+                <a:spcPts val="0"/>
+              </a:spcAft>
+              <a:buClr>
+                <a:schemeClr val="lt1"/>
+              </a:buClr>
+              <a:buSzPts val="2400"/>
+              <a:buFont typeface="Montserrat"/>
+              <a:buNone/>
+              <a:defRPr sz="2400" b="0" i="0" u="none" strike="noStrike" cap="none">
+                <a:solidFill>
+                  <a:schemeClr val="lt1"/>
+                </a:solidFill>
+                <a:latin typeface="Montserrat"/>
+                <a:ea typeface="Montserrat"/>
+                <a:cs typeface="Montserrat"/>
+                <a:sym typeface="Montserrat"/>
+              </a:defRPr>
+            </a:lvl6pPr>
+            <a:lvl7pPr marR="0" lvl="6" algn="l" rtl="0">
+              <a:lnSpc>
+                <a:spcPct val="100000"/>
+              </a:lnSpc>
+              <a:spcBef>
+                <a:spcPts val="0"/>
+              </a:spcBef>
+              <a:spcAft>
+                <a:spcPts val="0"/>
+              </a:spcAft>
+              <a:buClr>
+                <a:schemeClr val="lt1"/>
+              </a:buClr>
+              <a:buSzPts val="2400"/>
+              <a:buFont typeface="Montserrat"/>
+              <a:buNone/>
+              <a:defRPr sz="2400" b="0" i="0" u="none" strike="noStrike" cap="none">
+                <a:solidFill>
+                  <a:schemeClr val="lt1"/>
+                </a:solidFill>
+                <a:latin typeface="Montserrat"/>
+                <a:ea typeface="Montserrat"/>
+                <a:cs typeface="Montserrat"/>
+                <a:sym typeface="Montserrat"/>
+              </a:defRPr>
+            </a:lvl7pPr>
+            <a:lvl8pPr marR="0" lvl="7" algn="l" rtl="0">
+              <a:lnSpc>
+                <a:spcPct val="100000"/>
+              </a:lnSpc>
+              <a:spcBef>
+                <a:spcPts val="0"/>
+              </a:spcBef>
+              <a:spcAft>
+                <a:spcPts val="0"/>
+              </a:spcAft>
+              <a:buClr>
+                <a:schemeClr val="lt1"/>
+              </a:buClr>
+              <a:buSzPts val="2400"/>
+              <a:buFont typeface="Montserrat"/>
+              <a:buNone/>
+              <a:defRPr sz="2400" b="0" i="0" u="none" strike="noStrike" cap="none">
+                <a:solidFill>
+                  <a:schemeClr val="lt1"/>
+                </a:solidFill>
+                <a:latin typeface="Montserrat"/>
+                <a:ea typeface="Montserrat"/>
+                <a:cs typeface="Montserrat"/>
+                <a:sym typeface="Montserrat"/>
+              </a:defRPr>
+            </a:lvl8pPr>
+            <a:lvl9pPr marR="0" lvl="8" algn="l" rtl="0">
+              <a:lnSpc>
+                <a:spcPct val="100000"/>
+              </a:lnSpc>
+              <a:spcBef>
+                <a:spcPts val="0"/>
+              </a:spcBef>
+              <a:spcAft>
+                <a:spcPts val="0"/>
+              </a:spcAft>
+              <a:buClr>
+                <a:schemeClr val="lt1"/>
+              </a:buClr>
+              <a:buSzPts val="2400"/>
+              <a:buFont typeface="Montserrat"/>
+              <a:buNone/>
+              <a:defRPr sz="2400" b="0" i="0" u="none" strike="noStrike" cap="none">
+                <a:solidFill>
+                  <a:schemeClr val="lt1"/>
+                </a:solidFill>
+                <a:latin typeface="Montserrat"/>
+                <a:ea typeface="Montserrat"/>
+                <a:cs typeface="Montserrat"/>
+                <a:sym typeface="Montserrat"/>
+              </a:defRPr>
+            </a:lvl9pPr>
+          </a:lstStyle>
+          <a:p>
+            <a:r>
+              <a:rPr lang="en-US" dirty="0"/>
+              <a:t>4</a:t>
+            </a:r>
+            <a:endParaRPr lang="ru-RU" dirty="0"/>
+          </a:p>
+        </p:txBody>
+      </p:sp>
     </p:spTree>
   </p:cSld>
   <p:clrMapOvr>
@@ -14762,10 +19116,10 @@
               <a:buChar char="-"/>
             </a:pPr>
             <a:r>
-              <a:rPr lang="ru" sz="2200"/>
+              <a:rPr lang="ru" sz="2200" dirty="0"/>
               <a:t>Язык программирования Python;</a:t>
             </a:r>
-            <a:endParaRPr sz="2200"/>
+            <a:endParaRPr sz="2200" dirty="0"/>
           </a:p>
           <a:p>
             <a:pPr marL="457200" lvl="0" indent="-368300" algn="l" rtl="0">
@@ -14779,10 +19133,10 @@
               <a:buChar char="-"/>
             </a:pPr>
             <a:r>
-              <a:rPr lang="ru" sz="2200"/>
+              <a:rPr lang="ru" sz="2200" dirty="0"/>
               <a:t>Фреймворк Django;</a:t>
             </a:r>
-            <a:endParaRPr sz="2200"/>
+            <a:endParaRPr sz="2200" dirty="0"/>
           </a:p>
           <a:p>
             <a:pPr marL="457200" lvl="0" indent="-368300" algn="l" rtl="0">
@@ -14796,10 +19150,297 @@
               <a:buChar char="-"/>
             </a:pPr>
             <a:r>
-              <a:rPr lang="ru" sz="2200"/>
+              <a:rPr lang="ru" sz="2200" dirty="0"/>
               <a:t>База данных MySQL.</a:t>
             </a:r>
-            <a:endParaRPr sz="2200"/>
+            <a:endParaRPr sz="2200" dirty="0"/>
+          </a:p>
+        </p:txBody>
+      </p:sp>
+      <p:sp>
+        <p:nvSpPr>
+          <p:cNvPr id="2" name="Google Shape;141;p14">
+            <a:extLst>
+              <a:ext uri="{FF2B5EF4-FFF2-40B4-BE49-F238E27FC236}">
+                <a16:creationId xmlns:a16="http://schemas.microsoft.com/office/drawing/2014/main" id="{6F38894E-6BE6-924C-E989-14616A7B94F0}"/>
+              </a:ext>
+            </a:extLst>
+          </p:cNvPr>
+          <p:cNvSpPr txBox="1">
+            <a:spLocks/>
+          </p:cNvSpPr>
+          <p:nvPr/>
+        </p:nvSpPr>
+        <p:spPr>
+          <a:xfrm>
+            <a:off x="8718208" y="0"/>
+            <a:ext cx="320285" cy="510681"/>
+          </a:xfrm>
+          <a:prstGeom prst="rect">
+            <a:avLst/>
+          </a:prstGeom>
+          <a:noFill/>
+          <a:ln>
+            <a:noFill/>
+          </a:ln>
+        </p:spPr>
+        <p:txBody>
+          <a:bodyPr spcFirstLastPara="1" wrap="square" lIns="91425" tIns="91425" rIns="91425" bIns="91425" anchor="t" anchorCtr="0">
+            <a:normAutofit fontScale="92500" lnSpcReduction="10000"/>
+          </a:bodyPr>
+          <a:lstStyle>
+            <a:defPPr marR="0" lvl="0" algn="l" rtl="0">
+              <a:lnSpc>
+                <a:spcPct val="100000"/>
+              </a:lnSpc>
+              <a:spcBef>
+                <a:spcPts val="0"/>
+              </a:spcBef>
+              <a:spcAft>
+                <a:spcPts val="0"/>
+              </a:spcAft>
+            </a:defPPr>
+            <a:lvl1pPr marR="0" lvl="0" algn="l" rtl="0">
+              <a:lnSpc>
+                <a:spcPct val="100000"/>
+              </a:lnSpc>
+              <a:spcBef>
+                <a:spcPts val="0"/>
+              </a:spcBef>
+              <a:spcAft>
+                <a:spcPts val="0"/>
+              </a:spcAft>
+              <a:buClr>
+                <a:schemeClr val="lt1"/>
+              </a:buClr>
+              <a:buSzPts val="2400"/>
+              <a:buFont typeface="Montserrat"/>
+              <a:buNone/>
+              <a:defRPr sz="2400" b="0" i="0" u="none" strike="noStrike" cap="none">
+                <a:solidFill>
+                  <a:schemeClr val="lt1"/>
+                </a:solidFill>
+                <a:latin typeface="Montserrat"/>
+                <a:ea typeface="Montserrat"/>
+                <a:cs typeface="Montserrat"/>
+                <a:sym typeface="Montserrat"/>
+              </a:defRPr>
+            </a:lvl1pPr>
+            <a:lvl2pPr marR="0" lvl="1" algn="l" rtl="0">
+              <a:lnSpc>
+                <a:spcPct val="100000"/>
+              </a:lnSpc>
+              <a:spcBef>
+                <a:spcPts val="0"/>
+              </a:spcBef>
+              <a:spcAft>
+                <a:spcPts val="0"/>
+              </a:spcAft>
+              <a:buClr>
+                <a:schemeClr val="lt1"/>
+              </a:buClr>
+              <a:buSzPts val="2400"/>
+              <a:buFont typeface="Montserrat"/>
+              <a:buNone/>
+              <a:defRPr sz="2400" b="0" i="0" u="none" strike="noStrike" cap="none">
+                <a:solidFill>
+                  <a:schemeClr val="lt1"/>
+                </a:solidFill>
+                <a:latin typeface="Montserrat"/>
+                <a:ea typeface="Montserrat"/>
+                <a:cs typeface="Montserrat"/>
+                <a:sym typeface="Montserrat"/>
+              </a:defRPr>
+            </a:lvl2pPr>
+            <a:lvl3pPr marR="0" lvl="2" algn="l" rtl="0">
+              <a:lnSpc>
+                <a:spcPct val="100000"/>
+              </a:lnSpc>
+              <a:spcBef>
+                <a:spcPts val="0"/>
+              </a:spcBef>
+              <a:spcAft>
+                <a:spcPts val="0"/>
+              </a:spcAft>
+              <a:buClr>
+                <a:schemeClr val="lt1"/>
+              </a:buClr>
+              <a:buSzPts val="2400"/>
+              <a:buFont typeface="Montserrat"/>
+              <a:buNone/>
+              <a:defRPr sz="2400" b="0" i="0" u="none" strike="noStrike" cap="none">
+                <a:solidFill>
+                  <a:schemeClr val="lt1"/>
+                </a:solidFill>
+                <a:latin typeface="Montserrat"/>
+                <a:ea typeface="Montserrat"/>
+                <a:cs typeface="Montserrat"/>
+                <a:sym typeface="Montserrat"/>
+              </a:defRPr>
+            </a:lvl3pPr>
+            <a:lvl4pPr marR="0" lvl="3" algn="l" rtl="0">
+              <a:lnSpc>
+                <a:spcPct val="100000"/>
+              </a:lnSpc>
+              <a:spcBef>
+                <a:spcPts val="0"/>
+              </a:spcBef>
+              <a:spcAft>
+                <a:spcPts val="0"/>
+              </a:spcAft>
+              <a:buClr>
+                <a:schemeClr val="lt1"/>
+              </a:buClr>
+              <a:buSzPts val="2400"/>
+              <a:buFont typeface="Montserrat"/>
+              <a:buNone/>
+              <a:defRPr sz="2400" b="0" i="0" u="none" strike="noStrike" cap="none">
+                <a:solidFill>
+                  <a:schemeClr val="lt1"/>
+                </a:solidFill>
+                <a:latin typeface="Montserrat"/>
+                <a:ea typeface="Montserrat"/>
+                <a:cs typeface="Montserrat"/>
+                <a:sym typeface="Montserrat"/>
+              </a:defRPr>
+            </a:lvl4pPr>
+            <a:lvl5pPr marR="0" lvl="4" algn="l" rtl="0">
+              <a:lnSpc>
+                <a:spcPct val="100000"/>
+              </a:lnSpc>
+              <a:spcBef>
+                <a:spcPts val="0"/>
+              </a:spcBef>
+              <a:spcAft>
+                <a:spcPts val="0"/>
+              </a:spcAft>
+              <a:buClr>
+                <a:schemeClr val="lt1"/>
+              </a:buClr>
+              <a:buSzPts val="2400"/>
+              <a:buFont typeface="Montserrat"/>
+              <a:buNone/>
+              <a:defRPr sz="2400" b="0" i="0" u="none" strike="noStrike" cap="none">
+                <a:solidFill>
+                  <a:schemeClr val="lt1"/>
+                </a:solidFill>
+                <a:latin typeface="Montserrat"/>
+                <a:ea typeface="Montserrat"/>
+                <a:cs typeface="Montserrat"/>
+                <a:sym typeface="Montserrat"/>
+              </a:defRPr>
+            </a:lvl5pPr>
+            <a:lvl6pPr marR="0" lvl="5" algn="l" rtl="0">
+              <a:lnSpc>
+                <a:spcPct val="100000"/>
+              </a:lnSpc>
+              <a:spcBef>
+                <a:spcPts val="0"/>
+              </a:spcBef>
+              <a:spcAft>
+                <a:spcPts val="0"/>
+              </a:spcAft>
+              <a:buClr>
+                <a:schemeClr val="lt1"/>
+              </a:buClr>
+              <a:buSzPts val="2400"/>
+              <a:buFont typeface="Montserrat"/>
+              <a:buNone/>
+              <a:defRPr sz="2400" b="0" i="0" u="none" strike="noStrike" cap="none">
+                <a:solidFill>
+                  <a:schemeClr val="lt1"/>
+                </a:solidFill>
+                <a:latin typeface="Montserrat"/>
+                <a:ea typeface="Montserrat"/>
+                <a:cs typeface="Montserrat"/>
+                <a:sym typeface="Montserrat"/>
+              </a:defRPr>
+            </a:lvl6pPr>
+            <a:lvl7pPr marR="0" lvl="6" algn="l" rtl="0">
+              <a:lnSpc>
+                <a:spcPct val="100000"/>
+              </a:lnSpc>
+              <a:spcBef>
+                <a:spcPts val="0"/>
+              </a:spcBef>
+              <a:spcAft>
+                <a:spcPts val="0"/>
+              </a:spcAft>
+              <a:buClr>
+                <a:schemeClr val="lt1"/>
+              </a:buClr>
+              <a:buSzPts val="2400"/>
+              <a:buFont typeface="Montserrat"/>
+              <a:buNone/>
+              <a:defRPr sz="2400" b="0" i="0" u="none" strike="noStrike" cap="none">
+                <a:solidFill>
+                  <a:schemeClr val="lt1"/>
+                </a:solidFill>
+                <a:latin typeface="Montserrat"/>
+                <a:ea typeface="Montserrat"/>
+                <a:cs typeface="Montserrat"/>
+                <a:sym typeface="Montserrat"/>
+              </a:defRPr>
+            </a:lvl7pPr>
+            <a:lvl8pPr marR="0" lvl="7" algn="l" rtl="0">
+              <a:lnSpc>
+                <a:spcPct val="100000"/>
+              </a:lnSpc>
+              <a:spcBef>
+                <a:spcPts val="0"/>
+              </a:spcBef>
+              <a:spcAft>
+                <a:spcPts val="0"/>
+              </a:spcAft>
+              <a:buClr>
+                <a:schemeClr val="lt1"/>
+              </a:buClr>
+              <a:buSzPts val="2400"/>
+              <a:buFont typeface="Montserrat"/>
+              <a:buNone/>
+              <a:defRPr sz="2400" b="0" i="0" u="none" strike="noStrike" cap="none">
+                <a:solidFill>
+                  <a:schemeClr val="lt1"/>
+                </a:solidFill>
+                <a:latin typeface="Montserrat"/>
+                <a:ea typeface="Montserrat"/>
+                <a:cs typeface="Montserrat"/>
+                <a:sym typeface="Montserrat"/>
+              </a:defRPr>
+            </a:lvl8pPr>
+            <a:lvl9pPr marR="0" lvl="8" algn="l" rtl="0">
+              <a:lnSpc>
+                <a:spcPct val="100000"/>
+              </a:lnSpc>
+              <a:spcBef>
+                <a:spcPts val="0"/>
+              </a:spcBef>
+              <a:spcAft>
+                <a:spcPts val="0"/>
+              </a:spcAft>
+              <a:buClr>
+                <a:schemeClr val="lt1"/>
+              </a:buClr>
+              <a:buSzPts val="2400"/>
+              <a:buFont typeface="Montserrat"/>
+              <a:buNone/>
+              <a:defRPr sz="2400" b="0" i="0" u="none" strike="noStrike" cap="none">
+                <a:solidFill>
+                  <a:schemeClr val="lt1"/>
+                </a:solidFill>
+                <a:latin typeface="Montserrat"/>
+                <a:ea typeface="Montserrat"/>
+                <a:cs typeface="Montserrat"/>
+                <a:sym typeface="Montserrat"/>
+              </a:defRPr>
+            </a:lvl9pPr>
+          </a:lstStyle>
+          <a:p>
+            <a:r>
+              <a:rPr lang="en-US" dirty="0"/>
+              <a:t>5</a:t>
+            </a:r>
+            <a:endParaRPr lang="ru-RU" dirty="0"/>
           </a:p>
         </p:txBody>
       </p:sp>
@@ -14905,10 +19546,10 @@
               <a:buNone/>
             </a:pPr>
             <a:r>
-              <a:rPr lang="ru"/>
+              <a:rPr lang="ru" dirty="0"/>
               <a:t>Мое веб-приложение имеет 3 основные роли:</a:t>
             </a:r>
-            <a:endParaRPr/>
+            <a:endParaRPr dirty="0"/>
           </a:p>
           <a:p>
             <a:pPr marL="457200" lvl="0" indent="-311150" algn="l" rtl="0">
@@ -14922,10 +19563,10 @@
               <a:buAutoNum type="arabicParenR"/>
             </a:pPr>
             <a:r>
-              <a:rPr lang="ru"/>
+              <a:rPr lang="ru" dirty="0"/>
               <a:t>Администратор</a:t>
             </a:r>
-            <a:endParaRPr/>
+            <a:endParaRPr dirty="0"/>
           </a:p>
           <a:p>
             <a:pPr marL="457200" lvl="0" indent="-311150" algn="l" rtl="0">
@@ -14939,10 +19580,10 @@
               <a:buAutoNum type="arabicParenR"/>
             </a:pPr>
             <a:r>
-              <a:rPr lang="ru"/>
+              <a:rPr lang="ru" dirty="0"/>
               <a:t>Руководитель</a:t>
             </a:r>
-            <a:endParaRPr/>
+            <a:endParaRPr dirty="0"/>
           </a:p>
           <a:p>
             <a:pPr marL="457200" lvl="0" indent="-311150" algn="l" rtl="0">
@@ -14956,10 +19597,297 @@
               <a:buAutoNum type="arabicParenR"/>
             </a:pPr>
             <a:r>
-              <a:rPr lang="ru"/>
+              <a:rPr lang="ru" dirty="0"/>
               <a:t>Менеджер</a:t>
             </a:r>
-            <a:endParaRPr/>
+            <a:endParaRPr dirty="0"/>
+          </a:p>
+        </p:txBody>
+      </p:sp>
+      <p:sp>
+        <p:nvSpPr>
+          <p:cNvPr id="2" name="Google Shape;141;p14">
+            <a:extLst>
+              <a:ext uri="{FF2B5EF4-FFF2-40B4-BE49-F238E27FC236}">
+                <a16:creationId xmlns:a16="http://schemas.microsoft.com/office/drawing/2014/main" id="{F7C76FAC-1886-1DCB-248F-11420F9A5BD0}"/>
+              </a:ext>
+            </a:extLst>
+          </p:cNvPr>
+          <p:cNvSpPr txBox="1">
+            <a:spLocks/>
+          </p:cNvSpPr>
+          <p:nvPr/>
+        </p:nvSpPr>
+        <p:spPr>
+          <a:xfrm>
+            <a:off x="8718208" y="0"/>
+            <a:ext cx="320285" cy="510681"/>
+          </a:xfrm>
+          <a:prstGeom prst="rect">
+            <a:avLst/>
+          </a:prstGeom>
+          <a:noFill/>
+          <a:ln>
+            <a:noFill/>
+          </a:ln>
+        </p:spPr>
+        <p:txBody>
+          <a:bodyPr spcFirstLastPara="1" wrap="square" lIns="91425" tIns="91425" rIns="91425" bIns="91425" anchor="t" anchorCtr="0">
+            <a:normAutofit fontScale="92500" lnSpcReduction="10000"/>
+          </a:bodyPr>
+          <a:lstStyle>
+            <a:defPPr marR="0" lvl="0" algn="l" rtl="0">
+              <a:lnSpc>
+                <a:spcPct val="100000"/>
+              </a:lnSpc>
+              <a:spcBef>
+                <a:spcPts val="0"/>
+              </a:spcBef>
+              <a:spcAft>
+                <a:spcPts val="0"/>
+              </a:spcAft>
+            </a:defPPr>
+            <a:lvl1pPr marR="0" lvl="0" algn="l" rtl="0">
+              <a:lnSpc>
+                <a:spcPct val="100000"/>
+              </a:lnSpc>
+              <a:spcBef>
+                <a:spcPts val="0"/>
+              </a:spcBef>
+              <a:spcAft>
+                <a:spcPts val="0"/>
+              </a:spcAft>
+              <a:buClr>
+                <a:schemeClr val="lt1"/>
+              </a:buClr>
+              <a:buSzPts val="2400"/>
+              <a:buFont typeface="Montserrat"/>
+              <a:buNone/>
+              <a:defRPr sz="2400" b="0" i="0" u="none" strike="noStrike" cap="none">
+                <a:solidFill>
+                  <a:schemeClr val="lt1"/>
+                </a:solidFill>
+                <a:latin typeface="Montserrat"/>
+                <a:ea typeface="Montserrat"/>
+                <a:cs typeface="Montserrat"/>
+                <a:sym typeface="Montserrat"/>
+              </a:defRPr>
+            </a:lvl1pPr>
+            <a:lvl2pPr marR="0" lvl="1" algn="l" rtl="0">
+              <a:lnSpc>
+                <a:spcPct val="100000"/>
+              </a:lnSpc>
+              <a:spcBef>
+                <a:spcPts val="0"/>
+              </a:spcBef>
+              <a:spcAft>
+                <a:spcPts val="0"/>
+              </a:spcAft>
+              <a:buClr>
+                <a:schemeClr val="lt1"/>
+              </a:buClr>
+              <a:buSzPts val="2400"/>
+              <a:buFont typeface="Montserrat"/>
+              <a:buNone/>
+              <a:defRPr sz="2400" b="0" i="0" u="none" strike="noStrike" cap="none">
+                <a:solidFill>
+                  <a:schemeClr val="lt1"/>
+                </a:solidFill>
+                <a:latin typeface="Montserrat"/>
+                <a:ea typeface="Montserrat"/>
+                <a:cs typeface="Montserrat"/>
+                <a:sym typeface="Montserrat"/>
+              </a:defRPr>
+            </a:lvl2pPr>
+            <a:lvl3pPr marR="0" lvl="2" algn="l" rtl="0">
+              <a:lnSpc>
+                <a:spcPct val="100000"/>
+              </a:lnSpc>
+              <a:spcBef>
+                <a:spcPts val="0"/>
+              </a:spcBef>
+              <a:spcAft>
+                <a:spcPts val="0"/>
+              </a:spcAft>
+              <a:buClr>
+                <a:schemeClr val="lt1"/>
+              </a:buClr>
+              <a:buSzPts val="2400"/>
+              <a:buFont typeface="Montserrat"/>
+              <a:buNone/>
+              <a:defRPr sz="2400" b="0" i="0" u="none" strike="noStrike" cap="none">
+                <a:solidFill>
+                  <a:schemeClr val="lt1"/>
+                </a:solidFill>
+                <a:latin typeface="Montserrat"/>
+                <a:ea typeface="Montserrat"/>
+                <a:cs typeface="Montserrat"/>
+                <a:sym typeface="Montserrat"/>
+              </a:defRPr>
+            </a:lvl3pPr>
+            <a:lvl4pPr marR="0" lvl="3" algn="l" rtl="0">
+              <a:lnSpc>
+                <a:spcPct val="100000"/>
+              </a:lnSpc>
+              <a:spcBef>
+                <a:spcPts val="0"/>
+              </a:spcBef>
+              <a:spcAft>
+                <a:spcPts val="0"/>
+              </a:spcAft>
+              <a:buClr>
+                <a:schemeClr val="lt1"/>
+              </a:buClr>
+              <a:buSzPts val="2400"/>
+              <a:buFont typeface="Montserrat"/>
+              <a:buNone/>
+              <a:defRPr sz="2400" b="0" i="0" u="none" strike="noStrike" cap="none">
+                <a:solidFill>
+                  <a:schemeClr val="lt1"/>
+                </a:solidFill>
+                <a:latin typeface="Montserrat"/>
+                <a:ea typeface="Montserrat"/>
+                <a:cs typeface="Montserrat"/>
+                <a:sym typeface="Montserrat"/>
+              </a:defRPr>
+            </a:lvl4pPr>
+            <a:lvl5pPr marR="0" lvl="4" algn="l" rtl="0">
+              <a:lnSpc>
+                <a:spcPct val="100000"/>
+              </a:lnSpc>
+              <a:spcBef>
+                <a:spcPts val="0"/>
+              </a:spcBef>
+              <a:spcAft>
+                <a:spcPts val="0"/>
+              </a:spcAft>
+              <a:buClr>
+                <a:schemeClr val="lt1"/>
+              </a:buClr>
+              <a:buSzPts val="2400"/>
+              <a:buFont typeface="Montserrat"/>
+              <a:buNone/>
+              <a:defRPr sz="2400" b="0" i="0" u="none" strike="noStrike" cap="none">
+                <a:solidFill>
+                  <a:schemeClr val="lt1"/>
+                </a:solidFill>
+                <a:latin typeface="Montserrat"/>
+                <a:ea typeface="Montserrat"/>
+                <a:cs typeface="Montserrat"/>
+                <a:sym typeface="Montserrat"/>
+              </a:defRPr>
+            </a:lvl5pPr>
+            <a:lvl6pPr marR="0" lvl="5" algn="l" rtl="0">
+              <a:lnSpc>
+                <a:spcPct val="100000"/>
+              </a:lnSpc>
+              <a:spcBef>
+                <a:spcPts val="0"/>
+              </a:spcBef>
+              <a:spcAft>
+                <a:spcPts val="0"/>
+              </a:spcAft>
+              <a:buClr>
+                <a:schemeClr val="lt1"/>
+              </a:buClr>
+              <a:buSzPts val="2400"/>
+              <a:buFont typeface="Montserrat"/>
+              <a:buNone/>
+              <a:defRPr sz="2400" b="0" i="0" u="none" strike="noStrike" cap="none">
+                <a:solidFill>
+                  <a:schemeClr val="lt1"/>
+                </a:solidFill>
+                <a:latin typeface="Montserrat"/>
+                <a:ea typeface="Montserrat"/>
+                <a:cs typeface="Montserrat"/>
+                <a:sym typeface="Montserrat"/>
+              </a:defRPr>
+            </a:lvl6pPr>
+            <a:lvl7pPr marR="0" lvl="6" algn="l" rtl="0">
+              <a:lnSpc>
+                <a:spcPct val="100000"/>
+              </a:lnSpc>
+              <a:spcBef>
+                <a:spcPts val="0"/>
+              </a:spcBef>
+              <a:spcAft>
+                <a:spcPts val="0"/>
+              </a:spcAft>
+              <a:buClr>
+                <a:schemeClr val="lt1"/>
+              </a:buClr>
+              <a:buSzPts val="2400"/>
+              <a:buFont typeface="Montserrat"/>
+              <a:buNone/>
+              <a:defRPr sz="2400" b="0" i="0" u="none" strike="noStrike" cap="none">
+                <a:solidFill>
+                  <a:schemeClr val="lt1"/>
+                </a:solidFill>
+                <a:latin typeface="Montserrat"/>
+                <a:ea typeface="Montserrat"/>
+                <a:cs typeface="Montserrat"/>
+                <a:sym typeface="Montserrat"/>
+              </a:defRPr>
+            </a:lvl7pPr>
+            <a:lvl8pPr marR="0" lvl="7" algn="l" rtl="0">
+              <a:lnSpc>
+                <a:spcPct val="100000"/>
+              </a:lnSpc>
+              <a:spcBef>
+                <a:spcPts val="0"/>
+              </a:spcBef>
+              <a:spcAft>
+                <a:spcPts val="0"/>
+              </a:spcAft>
+              <a:buClr>
+                <a:schemeClr val="lt1"/>
+              </a:buClr>
+              <a:buSzPts val="2400"/>
+              <a:buFont typeface="Montserrat"/>
+              <a:buNone/>
+              <a:defRPr sz="2400" b="0" i="0" u="none" strike="noStrike" cap="none">
+                <a:solidFill>
+                  <a:schemeClr val="lt1"/>
+                </a:solidFill>
+                <a:latin typeface="Montserrat"/>
+                <a:ea typeface="Montserrat"/>
+                <a:cs typeface="Montserrat"/>
+                <a:sym typeface="Montserrat"/>
+              </a:defRPr>
+            </a:lvl8pPr>
+            <a:lvl9pPr marR="0" lvl="8" algn="l" rtl="0">
+              <a:lnSpc>
+                <a:spcPct val="100000"/>
+              </a:lnSpc>
+              <a:spcBef>
+                <a:spcPts val="0"/>
+              </a:spcBef>
+              <a:spcAft>
+                <a:spcPts val="0"/>
+              </a:spcAft>
+              <a:buClr>
+                <a:schemeClr val="lt1"/>
+              </a:buClr>
+              <a:buSzPts val="2400"/>
+              <a:buFont typeface="Montserrat"/>
+              <a:buNone/>
+              <a:defRPr sz="2400" b="0" i="0" u="none" strike="noStrike" cap="none">
+                <a:solidFill>
+                  <a:schemeClr val="lt1"/>
+                </a:solidFill>
+                <a:latin typeface="Montserrat"/>
+                <a:ea typeface="Montserrat"/>
+                <a:cs typeface="Montserrat"/>
+                <a:sym typeface="Montserrat"/>
+              </a:defRPr>
+            </a:lvl9pPr>
+          </a:lstStyle>
+          <a:p>
+            <a:r>
+              <a:rPr lang="en-US" dirty="0"/>
+              <a:t>6</a:t>
+            </a:r>
+            <a:endParaRPr lang="ru-RU" dirty="0"/>
           </a:p>
         </p:txBody>
       </p:sp>
@@ -15171,6 +20099,293 @@
           </a:p>
         </p:txBody>
       </p:sp>
+      <p:sp>
+        <p:nvSpPr>
+          <p:cNvPr id="2" name="Google Shape;141;p14">
+            <a:extLst>
+              <a:ext uri="{FF2B5EF4-FFF2-40B4-BE49-F238E27FC236}">
+                <a16:creationId xmlns:a16="http://schemas.microsoft.com/office/drawing/2014/main" id="{9A0FB76D-40DA-2B29-EBF1-3737B354D346}"/>
+              </a:ext>
+            </a:extLst>
+          </p:cNvPr>
+          <p:cNvSpPr txBox="1">
+            <a:spLocks/>
+          </p:cNvSpPr>
+          <p:nvPr/>
+        </p:nvSpPr>
+        <p:spPr>
+          <a:xfrm>
+            <a:off x="8718208" y="0"/>
+            <a:ext cx="320285" cy="510681"/>
+          </a:xfrm>
+          <a:prstGeom prst="rect">
+            <a:avLst/>
+          </a:prstGeom>
+          <a:noFill/>
+          <a:ln>
+            <a:noFill/>
+          </a:ln>
+        </p:spPr>
+        <p:txBody>
+          <a:bodyPr spcFirstLastPara="1" wrap="square" lIns="91425" tIns="91425" rIns="91425" bIns="91425" anchor="t" anchorCtr="0">
+            <a:normAutofit fontScale="92500" lnSpcReduction="10000"/>
+          </a:bodyPr>
+          <a:lstStyle>
+            <a:defPPr marR="0" lvl="0" algn="l" rtl="0">
+              <a:lnSpc>
+                <a:spcPct val="100000"/>
+              </a:lnSpc>
+              <a:spcBef>
+                <a:spcPts val="0"/>
+              </a:spcBef>
+              <a:spcAft>
+                <a:spcPts val="0"/>
+              </a:spcAft>
+            </a:defPPr>
+            <a:lvl1pPr marR="0" lvl="0" algn="l" rtl="0">
+              <a:lnSpc>
+                <a:spcPct val="100000"/>
+              </a:lnSpc>
+              <a:spcBef>
+                <a:spcPts val="0"/>
+              </a:spcBef>
+              <a:spcAft>
+                <a:spcPts val="0"/>
+              </a:spcAft>
+              <a:buClr>
+                <a:schemeClr val="lt1"/>
+              </a:buClr>
+              <a:buSzPts val="2400"/>
+              <a:buFont typeface="Montserrat"/>
+              <a:buNone/>
+              <a:defRPr sz="2400" b="0" i="0" u="none" strike="noStrike" cap="none">
+                <a:solidFill>
+                  <a:schemeClr val="lt1"/>
+                </a:solidFill>
+                <a:latin typeface="Montserrat"/>
+                <a:ea typeface="Montserrat"/>
+                <a:cs typeface="Montserrat"/>
+                <a:sym typeface="Montserrat"/>
+              </a:defRPr>
+            </a:lvl1pPr>
+            <a:lvl2pPr marR="0" lvl="1" algn="l" rtl="0">
+              <a:lnSpc>
+                <a:spcPct val="100000"/>
+              </a:lnSpc>
+              <a:spcBef>
+                <a:spcPts val="0"/>
+              </a:spcBef>
+              <a:spcAft>
+                <a:spcPts val="0"/>
+              </a:spcAft>
+              <a:buClr>
+                <a:schemeClr val="lt1"/>
+              </a:buClr>
+              <a:buSzPts val="2400"/>
+              <a:buFont typeface="Montserrat"/>
+              <a:buNone/>
+              <a:defRPr sz="2400" b="0" i="0" u="none" strike="noStrike" cap="none">
+                <a:solidFill>
+                  <a:schemeClr val="lt1"/>
+                </a:solidFill>
+                <a:latin typeface="Montserrat"/>
+                <a:ea typeface="Montserrat"/>
+                <a:cs typeface="Montserrat"/>
+                <a:sym typeface="Montserrat"/>
+              </a:defRPr>
+            </a:lvl2pPr>
+            <a:lvl3pPr marR="0" lvl="2" algn="l" rtl="0">
+              <a:lnSpc>
+                <a:spcPct val="100000"/>
+              </a:lnSpc>
+              <a:spcBef>
+                <a:spcPts val="0"/>
+              </a:spcBef>
+              <a:spcAft>
+                <a:spcPts val="0"/>
+              </a:spcAft>
+              <a:buClr>
+                <a:schemeClr val="lt1"/>
+              </a:buClr>
+              <a:buSzPts val="2400"/>
+              <a:buFont typeface="Montserrat"/>
+              <a:buNone/>
+              <a:defRPr sz="2400" b="0" i="0" u="none" strike="noStrike" cap="none">
+                <a:solidFill>
+                  <a:schemeClr val="lt1"/>
+                </a:solidFill>
+                <a:latin typeface="Montserrat"/>
+                <a:ea typeface="Montserrat"/>
+                <a:cs typeface="Montserrat"/>
+                <a:sym typeface="Montserrat"/>
+              </a:defRPr>
+            </a:lvl3pPr>
+            <a:lvl4pPr marR="0" lvl="3" algn="l" rtl="0">
+              <a:lnSpc>
+                <a:spcPct val="100000"/>
+              </a:lnSpc>
+              <a:spcBef>
+                <a:spcPts val="0"/>
+              </a:spcBef>
+              <a:spcAft>
+                <a:spcPts val="0"/>
+              </a:spcAft>
+              <a:buClr>
+                <a:schemeClr val="lt1"/>
+              </a:buClr>
+              <a:buSzPts val="2400"/>
+              <a:buFont typeface="Montserrat"/>
+              <a:buNone/>
+              <a:defRPr sz="2400" b="0" i="0" u="none" strike="noStrike" cap="none">
+                <a:solidFill>
+                  <a:schemeClr val="lt1"/>
+                </a:solidFill>
+                <a:latin typeface="Montserrat"/>
+                <a:ea typeface="Montserrat"/>
+                <a:cs typeface="Montserrat"/>
+                <a:sym typeface="Montserrat"/>
+              </a:defRPr>
+            </a:lvl4pPr>
+            <a:lvl5pPr marR="0" lvl="4" algn="l" rtl="0">
+              <a:lnSpc>
+                <a:spcPct val="100000"/>
+              </a:lnSpc>
+              <a:spcBef>
+                <a:spcPts val="0"/>
+              </a:spcBef>
+              <a:spcAft>
+                <a:spcPts val="0"/>
+              </a:spcAft>
+              <a:buClr>
+                <a:schemeClr val="lt1"/>
+              </a:buClr>
+              <a:buSzPts val="2400"/>
+              <a:buFont typeface="Montserrat"/>
+              <a:buNone/>
+              <a:defRPr sz="2400" b="0" i="0" u="none" strike="noStrike" cap="none">
+                <a:solidFill>
+                  <a:schemeClr val="lt1"/>
+                </a:solidFill>
+                <a:latin typeface="Montserrat"/>
+                <a:ea typeface="Montserrat"/>
+                <a:cs typeface="Montserrat"/>
+                <a:sym typeface="Montserrat"/>
+              </a:defRPr>
+            </a:lvl5pPr>
+            <a:lvl6pPr marR="0" lvl="5" algn="l" rtl="0">
+              <a:lnSpc>
+                <a:spcPct val="100000"/>
+              </a:lnSpc>
+              <a:spcBef>
+                <a:spcPts val="0"/>
+              </a:spcBef>
+              <a:spcAft>
+                <a:spcPts val="0"/>
+              </a:spcAft>
+              <a:buClr>
+                <a:schemeClr val="lt1"/>
+              </a:buClr>
+              <a:buSzPts val="2400"/>
+              <a:buFont typeface="Montserrat"/>
+              <a:buNone/>
+              <a:defRPr sz="2400" b="0" i="0" u="none" strike="noStrike" cap="none">
+                <a:solidFill>
+                  <a:schemeClr val="lt1"/>
+                </a:solidFill>
+                <a:latin typeface="Montserrat"/>
+                <a:ea typeface="Montserrat"/>
+                <a:cs typeface="Montserrat"/>
+                <a:sym typeface="Montserrat"/>
+              </a:defRPr>
+            </a:lvl6pPr>
+            <a:lvl7pPr marR="0" lvl="6" algn="l" rtl="0">
+              <a:lnSpc>
+                <a:spcPct val="100000"/>
+              </a:lnSpc>
+              <a:spcBef>
+                <a:spcPts val="0"/>
+              </a:spcBef>
+              <a:spcAft>
+                <a:spcPts val="0"/>
+              </a:spcAft>
+              <a:buClr>
+                <a:schemeClr val="lt1"/>
+              </a:buClr>
+              <a:buSzPts val="2400"/>
+              <a:buFont typeface="Montserrat"/>
+              <a:buNone/>
+              <a:defRPr sz="2400" b="0" i="0" u="none" strike="noStrike" cap="none">
+                <a:solidFill>
+                  <a:schemeClr val="lt1"/>
+                </a:solidFill>
+                <a:latin typeface="Montserrat"/>
+                <a:ea typeface="Montserrat"/>
+                <a:cs typeface="Montserrat"/>
+                <a:sym typeface="Montserrat"/>
+              </a:defRPr>
+            </a:lvl7pPr>
+            <a:lvl8pPr marR="0" lvl="7" algn="l" rtl="0">
+              <a:lnSpc>
+                <a:spcPct val="100000"/>
+              </a:lnSpc>
+              <a:spcBef>
+                <a:spcPts val="0"/>
+              </a:spcBef>
+              <a:spcAft>
+                <a:spcPts val="0"/>
+              </a:spcAft>
+              <a:buClr>
+                <a:schemeClr val="lt1"/>
+              </a:buClr>
+              <a:buSzPts val="2400"/>
+              <a:buFont typeface="Montserrat"/>
+              <a:buNone/>
+              <a:defRPr sz="2400" b="0" i="0" u="none" strike="noStrike" cap="none">
+                <a:solidFill>
+                  <a:schemeClr val="lt1"/>
+                </a:solidFill>
+                <a:latin typeface="Montserrat"/>
+                <a:ea typeface="Montserrat"/>
+                <a:cs typeface="Montserrat"/>
+                <a:sym typeface="Montserrat"/>
+              </a:defRPr>
+            </a:lvl8pPr>
+            <a:lvl9pPr marR="0" lvl="8" algn="l" rtl="0">
+              <a:lnSpc>
+                <a:spcPct val="100000"/>
+              </a:lnSpc>
+              <a:spcBef>
+                <a:spcPts val="0"/>
+              </a:spcBef>
+              <a:spcAft>
+                <a:spcPts val="0"/>
+              </a:spcAft>
+              <a:buClr>
+                <a:schemeClr val="lt1"/>
+              </a:buClr>
+              <a:buSzPts val="2400"/>
+              <a:buFont typeface="Montserrat"/>
+              <a:buNone/>
+              <a:defRPr sz="2400" b="0" i="0" u="none" strike="noStrike" cap="none">
+                <a:solidFill>
+                  <a:schemeClr val="lt1"/>
+                </a:solidFill>
+                <a:latin typeface="Montserrat"/>
+                <a:ea typeface="Montserrat"/>
+                <a:cs typeface="Montserrat"/>
+                <a:sym typeface="Montserrat"/>
+              </a:defRPr>
+            </a:lvl9pPr>
+          </a:lstStyle>
+          <a:p>
+            <a:r>
+              <a:rPr lang="en-US" dirty="0"/>
+              <a:t>7</a:t>
+            </a:r>
+            <a:endParaRPr lang="ru-RU" dirty="0"/>
+          </a:p>
+        </p:txBody>
+      </p:sp>
     </p:spTree>
   </p:cSld>
   <p:clrMapOvr>
@@ -15208,7 +20423,7 @@
         </p:nvSpPr>
         <p:spPr>
           <a:xfrm>
-            <a:off x="5912774" y="137825"/>
+            <a:off x="5091399" y="157625"/>
             <a:ext cx="2618700" cy="345300"/>
           </a:xfrm>
           <a:prstGeom prst="rect">
@@ -15254,7 +20469,7 @@
         </p:blipFill>
         <p:spPr>
           <a:xfrm>
-            <a:off x="5564276" y="483182"/>
+            <a:off x="4884337" y="502925"/>
             <a:ext cx="3032825" cy="1926043"/>
           </a:xfrm>
           <a:prstGeom prst="rect">
@@ -15406,6 +20621,293 @@
           </a:p>
         </p:txBody>
       </p:sp>
+      <p:sp>
+        <p:nvSpPr>
+          <p:cNvPr id="2" name="Google Shape;141;p14">
+            <a:extLst>
+              <a:ext uri="{FF2B5EF4-FFF2-40B4-BE49-F238E27FC236}">
+                <a16:creationId xmlns:a16="http://schemas.microsoft.com/office/drawing/2014/main" id="{C4E2CA1C-D950-47EA-D0EA-2B3C6A457536}"/>
+              </a:ext>
+            </a:extLst>
+          </p:cNvPr>
+          <p:cNvSpPr txBox="1">
+            <a:spLocks/>
+          </p:cNvSpPr>
+          <p:nvPr/>
+        </p:nvSpPr>
+        <p:spPr>
+          <a:xfrm>
+            <a:off x="8718208" y="0"/>
+            <a:ext cx="320285" cy="510681"/>
+          </a:xfrm>
+          <a:prstGeom prst="rect">
+            <a:avLst/>
+          </a:prstGeom>
+          <a:noFill/>
+          <a:ln>
+            <a:noFill/>
+          </a:ln>
+        </p:spPr>
+        <p:txBody>
+          <a:bodyPr spcFirstLastPara="1" wrap="square" lIns="91425" tIns="91425" rIns="91425" bIns="91425" anchor="t" anchorCtr="0">
+            <a:normAutofit fontScale="92500" lnSpcReduction="10000"/>
+          </a:bodyPr>
+          <a:lstStyle>
+            <a:defPPr marR="0" lvl="0" algn="l" rtl="0">
+              <a:lnSpc>
+                <a:spcPct val="100000"/>
+              </a:lnSpc>
+              <a:spcBef>
+                <a:spcPts val="0"/>
+              </a:spcBef>
+              <a:spcAft>
+                <a:spcPts val="0"/>
+              </a:spcAft>
+            </a:defPPr>
+            <a:lvl1pPr marR="0" lvl="0" algn="l" rtl="0">
+              <a:lnSpc>
+                <a:spcPct val="100000"/>
+              </a:lnSpc>
+              <a:spcBef>
+                <a:spcPts val="0"/>
+              </a:spcBef>
+              <a:spcAft>
+                <a:spcPts val="0"/>
+              </a:spcAft>
+              <a:buClr>
+                <a:schemeClr val="lt1"/>
+              </a:buClr>
+              <a:buSzPts val="2400"/>
+              <a:buFont typeface="Montserrat"/>
+              <a:buNone/>
+              <a:defRPr sz="2400" b="0" i="0" u="none" strike="noStrike" cap="none">
+                <a:solidFill>
+                  <a:schemeClr val="lt1"/>
+                </a:solidFill>
+                <a:latin typeface="Montserrat"/>
+                <a:ea typeface="Montserrat"/>
+                <a:cs typeface="Montserrat"/>
+                <a:sym typeface="Montserrat"/>
+              </a:defRPr>
+            </a:lvl1pPr>
+            <a:lvl2pPr marR="0" lvl="1" algn="l" rtl="0">
+              <a:lnSpc>
+                <a:spcPct val="100000"/>
+              </a:lnSpc>
+              <a:spcBef>
+                <a:spcPts val="0"/>
+              </a:spcBef>
+              <a:spcAft>
+                <a:spcPts val="0"/>
+              </a:spcAft>
+              <a:buClr>
+                <a:schemeClr val="lt1"/>
+              </a:buClr>
+              <a:buSzPts val="2400"/>
+              <a:buFont typeface="Montserrat"/>
+              <a:buNone/>
+              <a:defRPr sz="2400" b="0" i="0" u="none" strike="noStrike" cap="none">
+                <a:solidFill>
+                  <a:schemeClr val="lt1"/>
+                </a:solidFill>
+                <a:latin typeface="Montserrat"/>
+                <a:ea typeface="Montserrat"/>
+                <a:cs typeface="Montserrat"/>
+                <a:sym typeface="Montserrat"/>
+              </a:defRPr>
+            </a:lvl2pPr>
+            <a:lvl3pPr marR="0" lvl="2" algn="l" rtl="0">
+              <a:lnSpc>
+                <a:spcPct val="100000"/>
+              </a:lnSpc>
+              <a:spcBef>
+                <a:spcPts val="0"/>
+              </a:spcBef>
+              <a:spcAft>
+                <a:spcPts val="0"/>
+              </a:spcAft>
+              <a:buClr>
+                <a:schemeClr val="lt1"/>
+              </a:buClr>
+              <a:buSzPts val="2400"/>
+              <a:buFont typeface="Montserrat"/>
+              <a:buNone/>
+              <a:defRPr sz="2400" b="0" i="0" u="none" strike="noStrike" cap="none">
+                <a:solidFill>
+                  <a:schemeClr val="lt1"/>
+                </a:solidFill>
+                <a:latin typeface="Montserrat"/>
+                <a:ea typeface="Montserrat"/>
+                <a:cs typeface="Montserrat"/>
+                <a:sym typeface="Montserrat"/>
+              </a:defRPr>
+            </a:lvl3pPr>
+            <a:lvl4pPr marR="0" lvl="3" algn="l" rtl="0">
+              <a:lnSpc>
+                <a:spcPct val="100000"/>
+              </a:lnSpc>
+              <a:spcBef>
+                <a:spcPts val="0"/>
+              </a:spcBef>
+              <a:spcAft>
+                <a:spcPts val="0"/>
+              </a:spcAft>
+              <a:buClr>
+                <a:schemeClr val="lt1"/>
+              </a:buClr>
+              <a:buSzPts val="2400"/>
+              <a:buFont typeface="Montserrat"/>
+              <a:buNone/>
+              <a:defRPr sz="2400" b="0" i="0" u="none" strike="noStrike" cap="none">
+                <a:solidFill>
+                  <a:schemeClr val="lt1"/>
+                </a:solidFill>
+                <a:latin typeface="Montserrat"/>
+                <a:ea typeface="Montserrat"/>
+                <a:cs typeface="Montserrat"/>
+                <a:sym typeface="Montserrat"/>
+              </a:defRPr>
+            </a:lvl4pPr>
+            <a:lvl5pPr marR="0" lvl="4" algn="l" rtl="0">
+              <a:lnSpc>
+                <a:spcPct val="100000"/>
+              </a:lnSpc>
+              <a:spcBef>
+                <a:spcPts val="0"/>
+              </a:spcBef>
+              <a:spcAft>
+                <a:spcPts val="0"/>
+              </a:spcAft>
+              <a:buClr>
+                <a:schemeClr val="lt1"/>
+              </a:buClr>
+              <a:buSzPts val="2400"/>
+              <a:buFont typeface="Montserrat"/>
+              <a:buNone/>
+              <a:defRPr sz="2400" b="0" i="0" u="none" strike="noStrike" cap="none">
+                <a:solidFill>
+                  <a:schemeClr val="lt1"/>
+                </a:solidFill>
+                <a:latin typeface="Montserrat"/>
+                <a:ea typeface="Montserrat"/>
+                <a:cs typeface="Montserrat"/>
+                <a:sym typeface="Montserrat"/>
+              </a:defRPr>
+            </a:lvl5pPr>
+            <a:lvl6pPr marR="0" lvl="5" algn="l" rtl="0">
+              <a:lnSpc>
+                <a:spcPct val="100000"/>
+              </a:lnSpc>
+              <a:spcBef>
+                <a:spcPts val="0"/>
+              </a:spcBef>
+              <a:spcAft>
+                <a:spcPts val="0"/>
+              </a:spcAft>
+              <a:buClr>
+                <a:schemeClr val="lt1"/>
+              </a:buClr>
+              <a:buSzPts val="2400"/>
+              <a:buFont typeface="Montserrat"/>
+              <a:buNone/>
+              <a:defRPr sz="2400" b="0" i="0" u="none" strike="noStrike" cap="none">
+                <a:solidFill>
+                  <a:schemeClr val="lt1"/>
+                </a:solidFill>
+                <a:latin typeface="Montserrat"/>
+                <a:ea typeface="Montserrat"/>
+                <a:cs typeface="Montserrat"/>
+                <a:sym typeface="Montserrat"/>
+              </a:defRPr>
+            </a:lvl6pPr>
+            <a:lvl7pPr marR="0" lvl="6" algn="l" rtl="0">
+              <a:lnSpc>
+                <a:spcPct val="100000"/>
+              </a:lnSpc>
+              <a:spcBef>
+                <a:spcPts val="0"/>
+              </a:spcBef>
+              <a:spcAft>
+                <a:spcPts val="0"/>
+              </a:spcAft>
+              <a:buClr>
+                <a:schemeClr val="lt1"/>
+              </a:buClr>
+              <a:buSzPts val="2400"/>
+              <a:buFont typeface="Montserrat"/>
+              <a:buNone/>
+              <a:defRPr sz="2400" b="0" i="0" u="none" strike="noStrike" cap="none">
+                <a:solidFill>
+                  <a:schemeClr val="lt1"/>
+                </a:solidFill>
+                <a:latin typeface="Montserrat"/>
+                <a:ea typeface="Montserrat"/>
+                <a:cs typeface="Montserrat"/>
+                <a:sym typeface="Montserrat"/>
+              </a:defRPr>
+            </a:lvl7pPr>
+            <a:lvl8pPr marR="0" lvl="7" algn="l" rtl="0">
+              <a:lnSpc>
+                <a:spcPct val="100000"/>
+              </a:lnSpc>
+              <a:spcBef>
+                <a:spcPts val="0"/>
+              </a:spcBef>
+              <a:spcAft>
+                <a:spcPts val="0"/>
+              </a:spcAft>
+              <a:buClr>
+                <a:schemeClr val="lt1"/>
+              </a:buClr>
+              <a:buSzPts val="2400"/>
+              <a:buFont typeface="Montserrat"/>
+              <a:buNone/>
+              <a:defRPr sz="2400" b="0" i="0" u="none" strike="noStrike" cap="none">
+                <a:solidFill>
+                  <a:schemeClr val="lt1"/>
+                </a:solidFill>
+                <a:latin typeface="Montserrat"/>
+                <a:ea typeface="Montserrat"/>
+                <a:cs typeface="Montserrat"/>
+                <a:sym typeface="Montserrat"/>
+              </a:defRPr>
+            </a:lvl8pPr>
+            <a:lvl9pPr marR="0" lvl="8" algn="l" rtl="0">
+              <a:lnSpc>
+                <a:spcPct val="100000"/>
+              </a:lnSpc>
+              <a:spcBef>
+                <a:spcPts val="0"/>
+              </a:spcBef>
+              <a:spcAft>
+                <a:spcPts val="0"/>
+              </a:spcAft>
+              <a:buClr>
+                <a:schemeClr val="lt1"/>
+              </a:buClr>
+              <a:buSzPts val="2400"/>
+              <a:buFont typeface="Montserrat"/>
+              <a:buNone/>
+              <a:defRPr sz="2400" b="0" i="0" u="none" strike="noStrike" cap="none">
+                <a:solidFill>
+                  <a:schemeClr val="lt1"/>
+                </a:solidFill>
+                <a:latin typeface="Montserrat"/>
+                <a:ea typeface="Montserrat"/>
+                <a:cs typeface="Montserrat"/>
+                <a:sym typeface="Montserrat"/>
+              </a:defRPr>
+            </a:lvl9pPr>
+          </a:lstStyle>
+          <a:p>
+            <a:r>
+              <a:rPr lang="en-US" dirty="0"/>
+              <a:t>8</a:t>
+            </a:r>
+            <a:endParaRPr lang="ru-RU" dirty="0"/>
+          </a:p>
+        </p:txBody>
+      </p:sp>
     </p:spTree>
   </p:cSld>
   <p:clrMapOvr>
@@ -15517,7 +21019,7 @@
         </p:blipFill>
         <p:spPr>
           <a:xfrm>
-            <a:off x="4869450" y="677025"/>
+            <a:off x="4635238" y="677013"/>
             <a:ext cx="3906474" cy="4249050"/>
           </a:xfrm>
           <a:prstGeom prst="rect">
@@ -15541,7 +21043,7 @@
         </p:nvSpPr>
         <p:spPr>
           <a:xfrm>
-            <a:off x="5150750" y="166850"/>
+            <a:off x="4883575" y="166713"/>
             <a:ext cx="3409800" cy="510300"/>
           </a:xfrm>
           <a:prstGeom prst="rect">
@@ -15569,6 +21071,293 @@
               <a:t>7) изменение пользователя</a:t>
             </a:r>
             <a:endParaRPr sz="1729"/>
+          </a:p>
+        </p:txBody>
+      </p:sp>
+      <p:sp>
+        <p:nvSpPr>
+          <p:cNvPr id="2" name="Google Shape;141;p14">
+            <a:extLst>
+              <a:ext uri="{FF2B5EF4-FFF2-40B4-BE49-F238E27FC236}">
+                <a16:creationId xmlns:a16="http://schemas.microsoft.com/office/drawing/2014/main" id="{EEF06781-8302-AE14-0997-17CB2CFCABBC}"/>
+              </a:ext>
+            </a:extLst>
+          </p:cNvPr>
+          <p:cNvSpPr txBox="1">
+            <a:spLocks/>
+          </p:cNvSpPr>
+          <p:nvPr/>
+        </p:nvSpPr>
+        <p:spPr>
+          <a:xfrm>
+            <a:off x="8718208" y="0"/>
+            <a:ext cx="320285" cy="510681"/>
+          </a:xfrm>
+          <a:prstGeom prst="rect">
+            <a:avLst/>
+          </a:prstGeom>
+          <a:noFill/>
+          <a:ln>
+            <a:noFill/>
+          </a:ln>
+        </p:spPr>
+        <p:txBody>
+          <a:bodyPr spcFirstLastPara="1" wrap="square" lIns="91425" tIns="91425" rIns="91425" bIns="91425" anchor="t" anchorCtr="0">
+            <a:normAutofit fontScale="92500" lnSpcReduction="10000"/>
+          </a:bodyPr>
+          <a:lstStyle>
+            <a:defPPr marR="0" lvl="0" algn="l" rtl="0">
+              <a:lnSpc>
+                <a:spcPct val="100000"/>
+              </a:lnSpc>
+              <a:spcBef>
+                <a:spcPts val="0"/>
+              </a:spcBef>
+              <a:spcAft>
+                <a:spcPts val="0"/>
+              </a:spcAft>
+            </a:defPPr>
+            <a:lvl1pPr marR="0" lvl="0" algn="l" rtl="0">
+              <a:lnSpc>
+                <a:spcPct val="100000"/>
+              </a:lnSpc>
+              <a:spcBef>
+                <a:spcPts val="0"/>
+              </a:spcBef>
+              <a:spcAft>
+                <a:spcPts val="0"/>
+              </a:spcAft>
+              <a:buClr>
+                <a:schemeClr val="lt1"/>
+              </a:buClr>
+              <a:buSzPts val="2400"/>
+              <a:buFont typeface="Montserrat"/>
+              <a:buNone/>
+              <a:defRPr sz="2400" b="0" i="0" u="none" strike="noStrike" cap="none">
+                <a:solidFill>
+                  <a:schemeClr val="lt1"/>
+                </a:solidFill>
+                <a:latin typeface="Montserrat"/>
+                <a:ea typeface="Montserrat"/>
+                <a:cs typeface="Montserrat"/>
+                <a:sym typeface="Montserrat"/>
+              </a:defRPr>
+            </a:lvl1pPr>
+            <a:lvl2pPr marR="0" lvl="1" algn="l" rtl="0">
+              <a:lnSpc>
+                <a:spcPct val="100000"/>
+              </a:lnSpc>
+              <a:spcBef>
+                <a:spcPts val="0"/>
+              </a:spcBef>
+              <a:spcAft>
+                <a:spcPts val="0"/>
+              </a:spcAft>
+              <a:buClr>
+                <a:schemeClr val="lt1"/>
+              </a:buClr>
+              <a:buSzPts val="2400"/>
+              <a:buFont typeface="Montserrat"/>
+              <a:buNone/>
+              <a:defRPr sz="2400" b="0" i="0" u="none" strike="noStrike" cap="none">
+                <a:solidFill>
+                  <a:schemeClr val="lt1"/>
+                </a:solidFill>
+                <a:latin typeface="Montserrat"/>
+                <a:ea typeface="Montserrat"/>
+                <a:cs typeface="Montserrat"/>
+                <a:sym typeface="Montserrat"/>
+              </a:defRPr>
+            </a:lvl2pPr>
+            <a:lvl3pPr marR="0" lvl="2" algn="l" rtl="0">
+              <a:lnSpc>
+                <a:spcPct val="100000"/>
+              </a:lnSpc>
+              <a:spcBef>
+                <a:spcPts val="0"/>
+              </a:spcBef>
+              <a:spcAft>
+                <a:spcPts val="0"/>
+              </a:spcAft>
+              <a:buClr>
+                <a:schemeClr val="lt1"/>
+              </a:buClr>
+              <a:buSzPts val="2400"/>
+              <a:buFont typeface="Montserrat"/>
+              <a:buNone/>
+              <a:defRPr sz="2400" b="0" i="0" u="none" strike="noStrike" cap="none">
+                <a:solidFill>
+                  <a:schemeClr val="lt1"/>
+                </a:solidFill>
+                <a:latin typeface="Montserrat"/>
+                <a:ea typeface="Montserrat"/>
+                <a:cs typeface="Montserrat"/>
+                <a:sym typeface="Montserrat"/>
+              </a:defRPr>
+            </a:lvl3pPr>
+            <a:lvl4pPr marR="0" lvl="3" algn="l" rtl="0">
+              <a:lnSpc>
+                <a:spcPct val="100000"/>
+              </a:lnSpc>
+              <a:spcBef>
+                <a:spcPts val="0"/>
+              </a:spcBef>
+              <a:spcAft>
+                <a:spcPts val="0"/>
+              </a:spcAft>
+              <a:buClr>
+                <a:schemeClr val="lt1"/>
+              </a:buClr>
+              <a:buSzPts val="2400"/>
+              <a:buFont typeface="Montserrat"/>
+              <a:buNone/>
+              <a:defRPr sz="2400" b="0" i="0" u="none" strike="noStrike" cap="none">
+                <a:solidFill>
+                  <a:schemeClr val="lt1"/>
+                </a:solidFill>
+                <a:latin typeface="Montserrat"/>
+                <a:ea typeface="Montserrat"/>
+                <a:cs typeface="Montserrat"/>
+                <a:sym typeface="Montserrat"/>
+              </a:defRPr>
+            </a:lvl4pPr>
+            <a:lvl5pPr marR="0" lvl="4" algn="l" rtl="0">
+              <a:lnSpc>
+                <a:spcPct val="100000"/>
+              </a:lnSpc>
+              <a:spcBef>
+                <a:spcPts val="0"/>
+              </a:spcBef>
+              <a:spcAft>
+                <a:spcPts val="0"/>
+              </a:spcAft>
+              <a:buClr>
+                <a:schemeClr val="lt1"/>
+              </a:buClr>
+              <a:buSzPts val="2400"/>
+              <a:buFont typeface="Montserrat"/>
+              <a:buNone/>
+              <a:defRPr sz="2400" b="0" i="0" u="none" strike="noStrike" cap="none">
+                <a:solidFill>
+                  <a:schemeClr val="lt1"/>
+                </a:solidFill>
+                <a:latin typeface="Montserrat"/>
+                <a:ea typeface="Montserrat"/>
+                <a:cs typeface="Montserrat"/>
+                <a:sym typeface="Montserrat"/>
+              </a:defRPr>
+            </a:lvl5pPr>
+            <a:lvl6pPr marR="0" lvl="5" algn="l" rtl="0">
+              <a:lnSpc>
+                <a:spcPct val="100000"/>
+              </a:lnSpc>
+              <a:spcBef>
+                <a:spcPts val="0"/>
+              </a:spcBef>
+              <a:spcAft>
+                <a:spcPts val="0"/>
+              </a:spcAft>
+              <a:buClr>
+                <a:schemeClr val="lt1"/>
+              </a:buClr>
+              <a:buSzPts val="2400"/>
+              <a:buFont typeface="Montserrat"/>
+              <a:buNone/>
+              <a:defRPr sz="2400" b="0" i="0" u="none" strike="noStrike" cap="none">
+                <a:solidFill>
+                  <a:schemeClr val="lt1"/>
+                </a:solidFill>
+                <a:latin typeface="Montserrat"/>
+                <a:ea typeface="Montserrat"/>
+                <a:cs typeface="Montserrat"/>
+                <a:sym typeface="Montserrat"/>
+              </a:defRPr>
+            </a:lvl6pPr>
+            <a:lvl7pPr marR="0" lvl="6" algn="l" rtl="0">
+              <a:lnSpc>
+                <a:spcPct val="100000"/>
+              </a:lnSpc>
+              <a:spcBef>
+                <a:spcPts val="0"/>
+              </a:spcBef>
+              <a:spcAft>
+                <a:spcPts val="0"/>
+              </a:spcAft>
+              <a:buClr>
+                <a:schemeClr val="lt1"/>
+              </a:buClr>
+              <a:buSzPts val="2400"/>
+              <a:buFont typeface="Montserrat"/>
+              <a:buNone/>
+              <a:defRPr sz="2400" b="0" i="0" u="none" strike="noStrike" cap="none">
+                <a:solidFill>
+                  <a:schemeClr val="lt1"/>
+                </a:solidFill>
+                <a:latin typeface="Montserrat"/>
+                <a:ea typeface="Montserrat"/>
+                <a:cs typeface="Montserrat"/>
+                <a:sym typeface="Montserrat"/>
+              </a:defRPr>
+            </a:lvl7pPr>
+            <a:lvl8pPr marR="0" lvl="7" algn="l" rtl="0">
+              <a:lnSpc>
+                <a:spcPct val="100000"/>
+              </a:lnSpc>
+              <a:spcBef>
+                <a:spcPts val="0"/>
+              </a:spcBef>
+              <a:spcAft>
+                <a:spcPts val="0"/>
+              </a:spcAft>
+              <a:buClr>
+                <a:schemeClr val="lt1"/>
+              </a:buClr>
+              <a:buSzPts val="2400"/>
+              <a:buFont typeface="Montserrat"/>
+              <a:buNone/>
+              <a:defRPr sz="2400" b="0" i="0" u="none" strike="noStrike" cap="none">
+                <a:solidFill>
+                  <a:schemeClr val="lt1"/>
+                </a:solidFill>
+                <a:latin typeface="Montserrat"/>
+                <a:ea typeface="Montserrat"/>
+                <a:cs typeface="Montserrat"/>
+                <a:sym typeface="Montserrat"/>
+              </a:defRPr>
+            </a:lvl8pPr>
+            <a:lvl9pPr marR="0" lvl="8" algn="l" rtl="0">
+              <a:lnSpc>
+                <a:spcPct val="100000"/>
+              </a:lnSpc>
+              <a:spcBef>
+                <a:spcPts val="0"/>
+              </a:spcBef>
+              <a:spcAft>
+                <a:spcPts val="0"/>
+              </a:spcAft>
+              <a:buClr>
+                <a:schemeClr val="lt1"/>
+              </a:buClr>
+              <a:buSzPts val="2400"/>
+              <a:buFont typeface="Montserrat"/>
+              <a:buNone/>
+              <a:defRPr sz="2400" b="0" i="0" u="none" strike="noStrike" cap="none">
+                <a:solidFill>
+                  <a:schemeClr val="lt1"/>
+                </a:solidFill>
+                <a:latin typeface="Montserrat"/>
+                <a:ea typeface="Montserrat"/>
+                <a:cs typeface="Montserrat"/>
+                <a:sym typeface="Montserrat"/>
+              </a:defRPr>
+            </a:lvl9pPr>
+          </a:lstStyle>
+          <a:p>
+            <a:r>
+              <a:rPr lang="en-US" dirty="0"/>
+              <a:t>9</a:t>
+            </a:r>
+            <a:endParaRPr lang="ru-RU" dirty="0"/>
           </a:p>
         </p:txBody>
       </p:sp>
